--- a/img/pin_map.pptx
+++ b/img/pin_map.pptx
@@ -7,6 +7,7 @@
   <p:sldIdLst>
     <p:sldId id="256" r:id="rId2"/>
     <p:sldId id="258" r:id="rId3"/>
+    <p:sldId id="259" r:id="rId4"/>
   </p:sldIdLst>
   <p:sldSz cx="12192000" cy="6858000"/>
   <p:notesSz cx="6858000" cy="9144000"/>
@@ -274,7 +275,7 @@
           <a:p>
             <a:fld id="{6BAEC7DB-416E-4648-AE31-15D6F0A9A9FB}" type="datetimeFigureOut">
               <a:rPr lang="en-US" smtClean="0"/>
-              <a:t>8/29/2018</a:t>
+              <a:t>8/31/2018</a:t>
             </a:fld>
             <a:endParaRPr lang="en-US"/>
           </a:p>
@@ -474,7 +475,7 @@
           <a:p>
             <a:fld id="{6BAEC7DB-416E-4648-AE31-15D6F0A9A9FB}" type="datetimeFigureOut">
               <a:rPr lang="en-US" smtClean="0"/>
-              <a:t>8/29/2018</a:t>
+              <a:t>8/31/2018</a:t>
             </a:fld>
             <a:endParaRPr lang="en-US"/>
           </a:p>
@@ -684,7 +685,7 @@
           <a:p>
             <a:fld id="{6BAEC7DB-416E-4648-AE31-15D6F0A9A9FB}" type="datetimeFigureOut">
               <a:rPr lang="en-US" smtClean="0"/>
-              <a:t>8/29/2018</a:t>
+              <a:t>8/31/2018</a:t>
             </a:fld>
             <a:endParaRPr lang="en-US"/>
           </a:p>
@@ -884,7 +885,7 @@
           <a:p>
             <a:fld id="{6BAEC7DB-416E-4648-AE31-15D6F0A9A9FB}" type="datetimeFigureOut">
               <a:rPr lang="en-US" smtClean="0"/>
-              <a:t>8/29/2018</a:t>
+              <a:t>8/31/2018</a:t>
             </a:fld>
             <a:endParaRPr lang="en-US"/>
           </a:p>
@@ -1160,7 +1161,7 @@
           <a:p>
             <a:fld id="{6BAEC7DB-416E-4648-AE31-15D6F0A9A9FB}" type="datetimeFigureOut">
               <a:rPr lang="en-US" smtClean="0"/>
-              <a:t>8/29/2018</a:t>
+              <a:t>8/31/2018</a:t>
             </a:fld>
             <a:endParaRPr lang="en-US"/>
           </a:p>
@@ -1428,7 +1429,7 @@
           <a:p>
             <a:fld id="{6BAEC7DB-416E-4648-AE31-15D6F0A9A9FB}" type="datetimeFigureOut">
               <a:rPr lang="en-US" smtClean="0"/>
-              <a:t>8/29/2018</a:t>
+              <a:t>8/31/2018</a:t>
             </a:fld>
             <a:endParaRPr lang="en-US"/>
           </a:p>
@@ -1843,7 +1844,7 @@
           <a:p>
             <a:fld id="{6BAEC7DB-416E-4648-AE31-15D6F0A9A9FB}" type="datetimeFigureOut">
               <a:rPr lang="en-US" smtClean="0"/>
-              <a:t>8/29/2018</a:t>
+              <a:t>8/31/2018</a:t>
             </a:fld>
             <a:endParaRPr lang="en-US"/>
           </a:p>
@@ -1985,7 +1986,7 @@
           <a:p>
             <a:fld id="{6BAEC7DB-416E-4648-AE31-15D6F0A9A9FB}" type="datetimeFigureOut">
               <a:rPr lang="en-US" smtClean="0"/>
-              <a:t>8/29/2018</a:t>
+              <a:t>8/31/2018</a:t>
             </a:fld>
             <a:endParaRPr lang="en-US"/>
           </a:p>
@@ -2098,7 +2099,7 @@
           <a:p>
             <a:fld id="{6BAEC7DB-416E-4648-AE31-15D6F0A9A9FB}" type="datetimeFigureOut">
               <a:rPr lang="en-US" smtClean="0"/>
-              <a:t>8/29/2018</a:t>
+              <a:t>8/31/2018</a:t>
             </a:fld>
             <a:endParaRPr lang="en-US"/>
           </a:p>
@@ -2411,7 +2412,7 @@
           <a:p>
             <a:fld id="{6BAEC7DB-416E-4648-AE31-15D6F0A9A9FB}" type="datetimeFigureOut">
               <a:rPr lang="en-US" smtClean="0"/>
-              <a:t>8/29/2018</a:t>
+              <a:t>8/31/2018</a:t>
             </a:fld>
             <a:endParaRPr lang="en-US"/>
           </a:p>
@@ -2700,7 +2701,7 @@
           <a:p>
             <a:fld id="{6BAEC7DB-416E-4648-AE31-15D6F0A9A9FB}" type="datetimeFigureOut">
               <a:rPr lang="en-US" smtClean="0"/>
-              <a:t>8/29/2018</a:t>
+              <a:t>8/31/2018</a:t>
             </a:fld>
             <a:endParaRPr lang="en-US"/>
           </a:p>
@@ -2943,7 +2944,7 @@
           <a:p>
             <a:fld id="{6BAEC7DB-416E-4648-AE31-15D6F0A9A9FB}" type="datetimeFigureOut">
               <a:rPr lang="en-US" smtClean="0"/>
-              <a:t>8/29/2018</a:t>
+              <a:t>8/31/2018</a:t>
             </a:fld>
             <a:endParaRPr lang="en-US"/>
           </a:p>
@@ -5814,6 +5815,561 @@
 </p:sld>
 </file>
 
+<file path=ppt/slides/slide3.xml><?xml version="1.0" encoding="utf-8"?>
+<p:sld xmlns:a="http://schemas.openxmlformats.org/drawingml/2006/main" xmlns:r="http://schemas.openxmlformats.org/officeDocument/2006/relationships" xmlns:p="http://schemas.openxmlformats.org/presentationml/2006/main">
+  <p:cSld>
+    <p:spTree>
+      <p:nvGrpSpPr>
+        <p:cNvPr id="1" name=""/>
+        <p:cNvGrpSpPr/>
+        <p:nvPr/>
+      </p:nvGrpSpPr>
+      <p:grpSpPr>
+        <a:xfrm>
+          <a:off x="0" y="0"/>
+          <a:ext cx="0" cy="0"/>
+          <a:chOff x="0" y="0"/>
+          <a:chExt cx="0" cy="0"/>
+        </a:xfrm>
+      </p:grpSpPr>
+      <p:pic>
+        <p:nvPicPr>
+          <p:cNvPr id="5" name="图片 4">
+            <a:extLst>
+              <a:ext uri="{FF2B5EF4-FFF2-40B4-BE49-F238E27FC236}">
+                <a16:creationId xmlns:a16="http://schemas.microsoft.com/office/drawing/2014/main" id="{5B10D33E-2286-442C-B1F1-A59048FD9629}"/>
+              </a:ext>
+            </a:extLst>
+          </p:cNvPr>
+          <p:cNvPicPr>
+            <a:picLocks noChangeAspect="1"/>
+          </p:cNvPicPr>
+          <p:nvPr/>
+        </p:nvPicPr>
+        <p:blipFill>
+          <a:blip r:embed="rId2">
+            <a:extLst>
+              <a:ext uri="{28A0092B-C50C-407E-A947-70E740481C1C}">
+                <a14:useLocalDpi xmlns:a14="http://schemas.microsoft.com/office/drawing/2010/main" val="0"/>
+              </a:ext>
+            </a:extLst>
+          </a:blip>
+          <a:stretch>
+            <a:fillRect/>
+          </a:stretch>
+        </p:blipFill>
+        <p:spPr>
+          <a:xfrm>
+            <a:off x="5699807" y="-145508"/>
+            <a:ext cx="5559698" cy="4169774"/>
+          </a:xfrm>
+          <a:prstGeom prst="rect">
+            <a:avLst/>
+          </a:prstGeom>
+        </p:spPr>
+      </p:pic>
+      <p:pic>
+        <p:nvPicPr>
+          <p:cNvPr id="3" name="图片 2">
+            <a:extLst>
+              <a:ext uri="{FF2B5EF4-FFF2-40B4-BE49-F238E27FC236}">
+                <a16:creationId xmlns:a16="http://schemas.microsoft.com/office/drawing/2014/main" id="{E94D2DDB-6148-4AAC-9094-4A0AD5F45B44}"/>
+              </a:ext>
+            </a:extLst>
+          </p:cNvPr>
+          <p:cNvPicPr>
+            <a:picLocks noChangeAspect="1"/>
+          </p:cNvPicPr>
+          <p:nvPr/>
+        </p:nvPicPr>
+        <p:blipFill>
+          <a:blip r:embed="rId3">
+            <a:extLst>
+              <a:ext uri="{28A0092B-C50C-407E-A947-70E740481C1C}">
+                <a14:useLocalDpi xmlns:a14="http://schemas.microsoft.com/office/drawing/2010/main" val="0"/>
+              </a:ext>
+            </a:extLst>
+          </a:blip>
+          <a:stretch>
+            <a:fillRect/>
+          </a:stretch>
+        </p:blipFill>
+        <p:spPr>
+          <a:xfrm>
+            <a:off x="1803400" y="129991"/>
+            <a:ext cx="4571199" cy="3428399"/>
+          </a:xfrm>
+          <a:prstGeom prst="rect">
+            <a:avLst/>
+          </a:prstGeom>
+        </p:spPr>
+      </p:pic>
+      <p:cxnSp>
+        <p:nvCxnSpPr>
+          <p:cNvPr id="7" name="直接连接符 6">
+            <a:extLst>
+              <a:ext uri="{FF2B5EF4-FFF2-40B4-BE49-F238E27FC236}">
+                <a16:creationId xmlns:a16="http://schemas.microsoft.com/office/drawing/2014/main" id="{FDA35803-AEB1-43C7-B980-660D9411AC1B}"/>
+              </a:ext>
+            </a:extLst>
+          </p:cNvPr>
+          <p:cNvCxnSpPr>
+            <a:cxnSpLocks/>
+          </p:cNvCxnSpPr>
+          <p:nvPr/>
+        </p:nvCxnSpPr>
+        <p:spPr>
+          <a:xfrm rot="8700000">
+            <a:off x="6677310" y="5209667"/>
+            <a:ext cx="1333500" cy="0"/>
+          </a:xfrm>
+          <a:prstGeom prst="line">
+            <a:avLst/>
+          </a:prstGeom>
+          <a:ln w="38100">
+            <a:solidFill>
+              <a:srgbClr val="EDEADE"/>
+            </a:solidFill>
+          </a:ln>
+        </p:spPr>
+        <p:style>
+          <a:lnRef idx="1">
+            <a:schemeClr val="accent1"/>
+          </a:lnRef>
+          <a:fillRef idx="0">
+            <a:schemeClr val="accent1"/>
+          </a:fillRef>
+          <a:effectRef idx="0">
+            <a:schemeClr val="accent1"/>
+          </a:effectRef>
+          <a:fontRef idx="minor">
+            <a:schemeClr val="tx1"/>
+          </a:fontRef>
+        </p:style>
+      </p:cxnSp>
+      <p:cxnSp>
+        <p:nvCxnSpPr>
+          <p:cNvPr id="9" name="直接连接符 8">
+            <a:extLst>
+              <a:ext uri="{FF2B5EF4-FFF2-40B4-BE49-F238E27FC236}">
+                <a16:creationId xmlns:a16="http://schemas.microsoft.com/office/drawing/2014/main" id="{D44D4A88-C775-429D-B2FB-709FB8A6E031}"/>
+              </a:ext>
+            </a:extLst>
+          </p:cNvPr>
+          <p:cNvCxnSpPr>
+            <a:cxnSpLocks/>
+          </p:cNvCxnSpPr>
+          <p:nvPr/>
+        </p:nvCxnSpPr>
+        <p:spPr>
+          <a:xfrm rot="-8700000">
+            <a:off x="6677311" y="4444802"/>
+            <a:ext cx="1333500" cy="0"/>
+          </a:xfrm>
+          <a:prstGeom prst="line">
+            <a:avLst/>
+          </a:prstGeom>
+          <a:ln w="38100">
+            <a:solidFill>
+              <a:srgbClr val="EA5F41"/>
+            </a:solidFill>
+          </a:ln>
+        </p:spPr>
+        <p:style>
+          <a:lnRef idx="1">
+            <a:schemeClr val="accent1"/>
+          </a:lnRef>
+          <a:fillRef idx="0">
+            <a:schemeClr val="accent1"/>
+          </a:fillRef>
+          <a:effectRef idx="0">
+            <a:schemeClr val="accent1"/>
+          </a:effectRef>
+          <a:fontRef idx="minor">
+            <a:schemeClr val="tx1"/>
+          </a:fontRef>
+        </p:style>
+      </p:cxnSp>
+      <p:cxnSp>
+        <p:nvCxnSpPr>
+          <p:cNvPr id="11" name="直接连接符 10">
+            <a:extLst>
+              <a:ext uri="{FF2B5EF4-FFF2-40B4-BE49-F238E27FC236}">
+                <a16:creationId xmlns:a16="http://schemas.microsoft.com/office/drawing/2014/main" id="{2F4C0D97-EC15-4556-93A2-2B6012605AA4}"/>
+              </a:ext>
+            </a:extLst>
+          </p:cNvPr>
+          <p:cNvCxnSpPr/>
+          <p:nvPr/>
+        </p:nvCxnSpPr>
+        <p:spPr>
+          <a:xfrm flipH="1">
+            <a:off x="4629435" y="4062369"/>
+            <a:ext cx="2168455" cy="0"/>
+          </a:xfrm>
+          <a:prstGeom prst="line">
+            <a:avLst/>
+          </a:prstGeom>
+          <a:ln w="38100">
+            <a:solidFill>
+              <a:srgbClr val="EA5F41"/>
+            </a:solidFill>
+          </a:ln>
+        </p:spPr>
+        <p:style>
+          <a:lnRef idx="1">
+            <a:schemeClr val="accent1"/>
+          </a:lnRef>
+          <a:fillRef idx="0">
+            <a:schemeClr val="accent1"/>
+          </a:fillRef>
+          <a:effectRef idx="0">
+            <a:schemeClr val="accent1"/>
+          </a:effectRef>
+          <a:fontRef idx="minor">
+            <a:schemeClr val="tx1"/>
+          </a:fontRef>
+        </p:style>
+      </p:cxnSp>
+      <p:cxnSp>
+        <p:nvCxnSpPr>
+          <p:cNvPr id="12" name="直接连接符 11">
+            <a:extLst>
+              <a:ext uri="{FF2B5EF4-FFF2-40B4-BE49-F238E27FC236}">
+                <a16:creationId xmlns:a16="http://schemas.microsoft.com/office/drawing/2014/main" id="{ED546BF1-D6E5-4FE2-9B7C-D0510F8DA573}"/>
+              </a:ext>
+            </a:extLst>
+          </p:cNvPr>
+          <p:cNvCxnSpPr/>
+          <p:nvPr/>
+        </p:nvCxnSpPr>
+        <p:spPr>
+          <a:xfrm flipH="1">
+            <a:off x="4629435" y="5592100"/>
+            <a:ext cx="2168455" cy="0"/>
+          </a:xfrm>
+          <a:prstGeom prst="line">
+            <a:avLst/>
+          </a:prstGeom>
+          <a:ln w="38100">
+            <a:solidFill>
+              <a:srgbClr val="EDEADE"/>
+            </a:solidFill>
+          </a:ln>
+        </p:spPr>
+        <p:style>
+          <a:lnRef idx="1">
+            <a:schemeClr val="accent1"/>
+          </a:lnRef>
+          <a:fillRef idx="0">
+            <a:schemeClr val="accent1"/>
+          </a:fillRef>
+          <a:effectRef idx="0">
+            <a:schemeClr val="accent1"/>
+          </a:effectRef>
+          <a:fontRef idx="minor">
+            <a:schemeClr val="tx1"/>
+          </a:fontRef>
+        </p:style>
+      </p:cxnSp>
+      <p:sp>
+        <p:nvSpPr>
+          <p:cNvPr id="13" name="文本框 12">
+            <a:extLst>
+              <a:ext uri="{FF2B5EF4-FFF2-40B4-BE49-F238E27FC236}">
+                <a16:creationId xmlns:a16="http://schemas.microsoft.com/office/drawing/2014/main" id="{23941CF2-3612-4D2D-B896-8236E3333496}"/>
+              </a:ext>
+            </a:extLst>
+          </p:cNvPr>
+          <p:cNvSpPr txBox="1"/>
+          <p:nvPr/>
+        </p:nvSpPr>
+        <p:spPr>
+          <a:xfrm>
+            <a:off x="7740190" y="4642567"/>
+            <a:ext cx="300082" cy="369332"/>
+          </a:xfrm>
+          <a:prstGeom prst="rect">
+            <a:avLst/>
+          </a:prstGeom>
+          <a:noFill/>
+        </p:spPr>
+        <p:txBody>
+          <a:bodyPr wrap="none" rtlCol="0">
+            <a:spAutoFit/>
+          </a:bodyPr>
+          <a:lstStyle/>
+          <a:p>
+            <a:r>
+              <a:rPr lang="en-US"/>
+              <a:t>•</a:t>
+            </a:r>
+          </a:p>
+        </p:txBody>
+      </p:sp>
+      <p:sp>
+        <p:nvSpPr>
+          <p:cNvPr id="14" name="文本框 13">
+            <a:extLst>
+              <a:ext uri="{FF2B5EF4-FFF2-40B4-BE49-F238E27FC236}">
+                <a16:creationId xmlns:a16="http://schemas.microsoft.com/office/drawing/2014/main" id="{39657180-F92D-4E0B-ADAB-314C8036B707}"/>
+              </a:ext>
+            </a:extLst>
+          </p:cNvPr>
+          <p:cNvSpPr txBox="1"/>
+          <p:nvPr/>
+        </p:nvSpPr>
+        <p:spPr>
+          <a:xfrm>
+            <a:off x="7890230" y="4642567"/>
+            <a:ext cx="1369286" cy="369332"/>
+          </a:xfrm>
+          <a:prstGeom prst="rect">
+            <a:avLst/>
+          </a:prstGeom>
+          <a:noFill/>
+        </p:spPr>
+        <p:txBody>
+          <a:bodyPr wrap="none" rtlCol="0">
+            <a:spAutoFit/>
+          </a:bodyPr>
+          <a:lstStyle/>
+          <a:p>
+            <a:r>
+              <a:rPr lang="en-US"/>
+              <a:t>H</a:t>
+            </a:r>
+            <a:r>
+              <a:rPr lang="en-US" altLang="zh-CN"/>
+              <a:t>ot Junction</a:t>
+            </a:r>
+            <a:endParaRPr lang="en-US"/>
+          </a:p>
+        </p:txBody>
+      </p:sp>
+      <p:sp>
+        <p:nvSpPr>
+          <p:cNvPr id="15" name="文本框 14">
+            <a:extLst>
+              <a:ext uri="{FF2B5EF4-FFF2-40B4-BE49-F238E27FC236}">
+                <a16:creationId xmlns:a16="http://schemas.microsoft.com/office/drawing/2014/main" id="{0766DD25-116D-4FFA-A2D8-D3FAE7AB187B}"/>
+              </a:ext>
+            </a:extLst>
+          </p:cNvPr>
+          <p:cNvSpPr txBox="1"/>
+          <p:nvPr/>
+        </p:nvSpPr>
+        <p:spPr>
+          <a:xfrm>
+            <a:off x="5334967" y="3743054"/>
+            <a:ext cx="980846" cy="369332"/>
+          </a:xfrm>
+          <a:prstGeom prst="rect">
+            <a:avLst/>
+          </a:prstGeom>
+          <a:noFill/>
+        </p:spPr>
+        <p:txBody>
+          <a:bodyPr wrap="none" rtlCol="0">
+            <a:spAutoFit/>
+          </a:bodyPr>
+          <a:lstStyle/>
+          <a:p>
+            <a:r>
+              <a:rPr lang="en-US"/>
+              <a:t>Chromel</a:t>
+            </a:r>
+          </a:p>
+        </p:txBody>
+      </p:sp>
+      <p:sp>
+        <p:nvSpPr>
+          <p:cNvPr id="17" name="文本框 16">
+            <a:extLst>
+              <a:ext uri="{FF2B5EF4-FFF2-40B4-BE49-F238E27FC236}">
+                <a16:creationId xmlns:a16="http://schemas.microsoft.com/office/drawing/2014/main" id="{5568B690-3FE4-4C52-B6FF-09177383B474}"/>
+              </a:ext>
+            </a:extLst>
+          </p:cNvPr>
+          <p:cNvSpPr txBox="1"/>
+          <p:nvPr/>
+        </p:nvSpPr>
+        <p:spPr>
+          <a:xfrm>
+            <a:off x="5335858" y="5592099"/>
+            <a:ext cx="845103" cy="369332"/>
+          </a:xfrm>
+          <a:prstGeom prst="rect">
+            <a:avLst/>
+          </a:prstGeom>
+          <a:noFill/>
+        </p:spPr>
+        <p:txBody>
+          <a:bodyPr wrap="none" rtlCol="0">
+            <a:spAutoFit/>
+          </a:bodyPr>
+          <a:lstStyle/>
+          <a:p>
+            <a:r>
+              <a:rPr lang="en-US"/>
+              <a:t>Alumel</a:t>
+            </a:r>
+          </a:p>
+        </p:txBody>
+      </p:sp>
+      <p:sp>
+        <p:nvSpPr>
+          <p:cNvPr id="18" name="文本框 17">
+            <a:extLst>
+              <a:ext uri="{FF2B5EF4-FFF2-40B4-BE49-F238E27FC236}">
+                <a16:creationId xmlns:a16="http://schemas.microsoft.com/office/drawing/2014/main" id="{299F9B1E-B44D-40B7-8961-E1901057F56A}"/>
+              </a:ext>
+            </a:extLst>
+          </p:cNvPr>
+          <p:cNvSpPr txBox="1"/>
+          <p:nvPr/>
+        </p:nvSpPr>
+        <p:spPr>
+          <a:xfrm>
+            <a:off x="4512152" y="5406422"/>
+            <a:ext cx="300082" cy="369332"/>
+          </a:xfrm>
+          <a:prstGeom prst="rect">
+            <a:avLst/>
+          </a:prstGeom>
+          <a:noFill/>
+        </p:spPr>
+        <p:txBody>
+          <a:bodyPr wrap="none" rtlCol="0">
+            <a:spAutoFit/>
+          </a:bodyPr>
+          <a:lstStyle/>
+          <a:p>
+            <a:r>
+              <a:rPr lang="en-US"/>
+              <a:t>•</a:t>
+            </a:r>
+          </a:p>
+        </p:txBody>
+      </p:sp>
+      <p:sp>
+        <p:nvSpPr>
+          <p:cNvPr id="19" name="文本框 18">
+            <a:extLst>
+              <a:ext uri="{FF2B5EF4-FFF2-40B4-BE49-F238E27FC236}">
+                <a16:creationId xmlns:a16="http://schemas.microsoft.com/office/drawing/2014/main" id="{C4B1F546-7485-450F-8BC8-9BBB606A2AF4}"/>
+              </a:ext>
+            </a:extLst>
+          </p:cNvPr>
+          <p:cNvSpPr txBox="1"/>
+          <p:nvPr/>
+        </p:nvSpPr>
+        <p:spPr>
+          <a:xfrm>
+            <a:off x="4460922" y="3875478"/>
+            <a:ext cx="300082" cy="369332"/>
+          </a:xfrm>
+          <a:prstGeom prst="rect">
+            <a:avLst/>
+          </a:prstGeom>
+          <a:noFill/>
+        </p:spPr>
+        <p:txBody>
+          <a:bodyPr wrap="none" rtlCol="0">
+            <a:spAutoFit/>
+          </a:bodyPr>
+          <a:lstStyle/>
+          <a:p>
+            <a:r>
+              <a:rPr lang="en-US"/>
+              <a:t>•</a:t>
+            </a:r>
+          </a:p>
+        </p:txBody>
+      </p:sp>
+      <p:sp>
+        <p:nvSpPr>
+          <p:cNvPr id="20" name="文本框 19">
+            <a:extLst>
+              <a:ext uri="{FF2B5EF4-FFF2-40B4-BE49-F238E27FC236}">
+                <a16:creationId xmlns:a16="http://schemas.microsoft.com/office/drawing/2014/main" id="{F57C0BDD-1ECF-4A82-9FFF-E8E03F4C6AAE}"/>
+              </a:ext>
+            </a:extLst>
+          </p:cNvPr>
+          <p:cNvSpPr txBox="1"/>
+          <p:nvPr/>
+        </p:nvSpPr>
+        <p:spPr>
+          <a:xfrm>
+            <a:off x="4148280" y="3863068"/>
+            <a:ext cx="412292" cy="369332"/>
+          </a:xfrm>
+          <a:prstGeom prst="rect">
+            <a:avLst/>
+          </a:prstGeom>
+          <a:noFill/>
+        </p:spPr>
+        <p:txBody>
+          <a:bodyPr wrap="none" rtlCol="0">
+            <a:spAutoFit/>
+          </a:bodyPr>
+          <a:lstStyle/>
+          <a:p>
+            <a:r>
+              <a:rPr lang="en-US"/>
+              <a:t>T+</a:t>
+            </a:r>
+          </a:p>
+        </p:txBody>
+      </p:sp>
+      <p:sp>
+        <p:nvSpPr>
+          <p:cNvPr id="22" name="文本框 21">
+            <a:extLst>
+              <a:ext uri="{FF2B5EF4-FFF2-40B4-BE49-F238E27FC236}">
+                <a16:creationId xmlns:a16="http://schemas.microsoft.com/office/drawing/2014/main" id="{D4AC46EA-5723-4D18-A942-8C2FB4A24051}"/>
+              </a:ext>
+            </a:extLst>
+          </p:cNvPr>
+          <p:cNvSpPr txBox="1"/>
+          <p:nvPr/>
+        </p:nvSpPr>
+        <p:spPr>
+          <a:xfrm>
+            <a:off x="4152139" y="5418216"/>
+            <a:ext cx="367408" cy="369332"/>
+          </a:xfrm>
+          <a:prstGeom prst="rect">
+            <a:avLst/>
+          </a:prstGeom>
+          <a:noFill/>
+        </p:spPr>
+        <p:txBody>
+          <a:bodyPr wrap="none" rtlCol="0">
+            <a:spAutoFit/>
+          </a:bodyPr>
+          <a:lstStyle/>
+          <a:p>
+            <a:r>
+              <a:rPr lang="en-US"/>
+              <a:t>T-</a:t>
+            </a:r>
+          </a:p>
+        </p:txBody>
+      </p:sp>
+    </p:spTree>
+    <p:extLst>
+      <p:ext uri="{BB962C8B-B14F-4D97-AF65-F5344CB8AC3E}">
+        <p14:creationId xmlns:p14="http://schemas.microsoft.com/office/powerpoint/2010/main" val="2796527862"/>
+      </p:ext>
+    </p:extLst>
+  </p:cSld>
+  <p:clrMapOvr>
+    <a:masterClrMapping/>
+  </p:clrMapOvr>
+</p:sld>
+</file>
+
 <file path=ppt/theme/theme1.xml><?xml version="1.0" encoding="utf-8"?>
 <a:theme xmlns:a="http://schemas.openxmlformats.org/drawingml/2006/main" name="Office 主题​​">
   <a:themeElements>

--- a/img/pin_map.pptx
+++ b/img/pin_map.pptx
@@ -6301,8 +6301,8 @@
         </p:nvSpPr>
         <p:spPr>
           <a:xfrm>
-            <a:off x="4148280" y="3863068"/>
-            <a:ext cx="412292" cy="369332"/>
+            <a:off x="4148280" y="3778398"/>
+            <a:ext cx="364202" cy="523220"/>
           </a:xfrm>
           <a:prstGeom prst="rect">
             <a:avLst/>
@@ -6316,8 +6316,8 @@
           <a:lstStyle/>
           <a:p>
             <a:r>
-              <a:rPr lang="en-US"/>
-              <a:t>T+</a:t>
+              <a:rPr lang="en-US" sz="2800"/>
+              <a:t>+</a:t>
             </a:r>
           </a:p>
         </p:txBody>
@@ -6336,8 +6336,8 @@
         </p:nvSpPr>
         <p:spPr>
           <a:xfrm>
-            <a:off x="4152139" y="5418216"/>
-            <a:ext cx="367408" cy="369332"/>
+            <a:off x="4152139" y="5325085"/>
+            <a:ext cx="295274" cy="523220"/>
           </a:xfrm>
           <a:prstGeom prst="rect">
             <a:avLst/>
@@ -6351,8 +6351,8 @@
           <a:lstStyle/>
           <a:p>
             <a:r>
-              <a:rPr lang="en-US"/>
-              <a:t>T-</a:t>
+              <a:rPr lang="en-US" sz="2800"/>
+              <a:t>-</a:t>
             </a:r>
           </a:p>
         </p:txBody>

--- a/img/pin_map.pptx
+++ b/img/pin_map.pptx
@@ -275,7 +275,7 @@
           <a:p>
             <a:fld id="{6BAEC7DB-416E-4648-AE31-15D6F0A9A9FB}" type="datetimeFigureOut">
               <a:rPr lang="en-US" smtClean="0"/>
-              <a:t>8/31/2018</a:t>
+              <a:t>9/15/2018</a:t>
             </a:fld>
             <a:endParaRPr lang="en-US"/>
           </a:p>
@@ -475,7 +475,7 @@
           <a:p>
             <a:fld id="{6BAEC7DB-416E-4648-AE31-15D6F0A9A9FB}" type="datetimeFigureOut">
               <a:rPr lang="en-US" smtClean="0"/>
-              <a:t>8/31/2018</a:t>
+              <a:t>9/15/2018</a:t>
             </a:fld>
             <a:endParaRPr lang="en-US"/>
           </a:p>
@@ -685,7 +685,7 @@
           <a:p>
             <a:fld id="{6BAEC7DB-416E-4648-AE31-15D6F0A9A9FB}" type="datetimeFigureOut">
               <a:rPr lang="en-US" smtClean="0"/>
-              <a:t>8/31/2018</a:t>
+              <a:t>9/15/2018</a:t>
             </a:fld>
             <a:endParaRPr lang="en-US"/>
           </a:p>
@@ -885,7 +885,7 @@
           <a:p>
             <a:fld id="{6BAEC7DB-416E-4648-AE31-15D6F0A9A9FB}" type="datetimeFigureOut">
               <a:rPr lang="en-US" smtClean="0"/>
-              <a:t>8/31/2018</a:t>
+              <a:t>9/15/2018</a:t>
             </a:fld>
             <a:endParaRPr lang="en-US"/>
           </a:p>
@@ -1161,7 +1161,7 @@
           <a:p>
             <a:fld id="{6BAEC7DB-416E-4648-AE31-15D6F0A9A9FB}" type="datetimeFigureOut">
               <a:rPr lang="en-US" smtClean="0"/>
-              <a:t>8/31/2018</a:t>
+              <a:t>9/15/2018</a:t>
             </a:fld>
             <a:endParaRPr lang="en-US"/>
           </a:p>
@@ -1429,7 +1429,7 @@
           <a:p>
             <a:fld id="{6BAEC7DB-416E-4648-AE31-15D6F0A9A9FB}" type="datetimeFigureOut">
               <a:rPr lang="en-US" smtClean="0"/>
-              <a:t>8/31/2018</a:t>
+              <a:t>9/15/2018</a:t>
             </a:fld>
             <a:endParaRPr lang="en-US"/>
           </a:p>
@@ -1844,7 +1844,7 @@
           <a:p>
             <a:fld id="{6BAEC7DB-416E-4648-AE31-15D6F0A9A9FB}" type="datetimeFigureOut">
               <a:rPr lang="en-US" smtClean="0"/>
-              <a:t>8/31/2018</a:t>
+              <a:t>9/15/2018</a:t>
             </a:fld>
             <a:endParaRPr lang="en-US"/>
           </a:p>
@@ -1986,7 +1986,7 @@
           <a:p>
             <a:fld id="{6BAEC7DB-416E-4648-AE31-15D6F0A9A9FB}" type="datetimeFigureOut">
               <a:rPr lang="en-US" smtClean="0"/>
-              <a:t>8/31/2018</a:t>
+              <a:t>9/15/2018</a:t>
             </a:fld>
             <a:endParaRPr lang="en-US"/>
           </a:p>
@@ -2099,7 +2099,7 @@
           <a:p>
             <a:fld id="{6BAEC7DB-416E-4648-AE31-15D6F0A9A9FB}" type="datetimeFigureOut">
               <a:rPr lang="en-US" smtClean="0"/>
-              <a:t>8/31/2018</a:t>
+              <a:t>9/15/2018</a:t>
             </a:fld>
             <a:endParaRPr lang="en-US"/>
           </a:p>
@@ -2412,7 +2412,7 @@
           <a:p>
             <a:fld id="{6BAEC7DB-416E-4648-AE31-15D6F0A9A9FB}" type="datetimeFigureOut">
               <a:rPr lang="en-US" smtClean="0"/>
-              <a:t>8/31/2018</a:t>
+              <a:t>9/15/2018</a:t>
             </a:fld>
             <a:endParaRPr lang="en-US"/>
           </a:p>
@@ -2701,7 +2701,7 @@
           <a:p>
             <a:fld id="{6BAEC7DB-416E-4648-AE31-15D6F0A9A9FB}" type="datetimeFigureOut">
               <a:rPr lang="en-US" smtClean="0"/>
-              <a:t>8/31/2018</a:t>
+              <a:t>9/15/2018</a:t>
             </a:fld>
             <a:endParaRPr lang="en-US"/>
           </a:p>
@@ -2944,7 +2944,7 @@
           <a:p>
             <a:fld id="{6BAEC7DB-416E-4648-AE31-15D6F0A9A9FB}" type="datetimeFigureOut">
               <a:rPr lang="en-US" smtClean="0"/>
-              <a:t>8/31/2018</a:t>
+              <a:t>9/15/2018</a:t>
             </a:fld>
             <a:endParaRPr lang="en-US"/>
           </a:p>
@@ -3397,150 +3397,6 @@
           </a:prstGeom>
         </p:spPr>
       </p:pic>
-      <p:pic>
-        <p:nvPicPr>
-          <p:cNvPr id="15" name="图片 14">
-            <a:extLst>
-              <a:ext uri="{FF2B5EF4-FFF2-40B4-BE49-F238E27FC236}">
-                <a16:creationId xmlns:a16="http://schemas.microsoft.com/office/drawing/2014/main" id="{90FF3E6A-CD31-42D0-AE3C-13BDCB845E81}"/>
-              </a:ext>
-            </a:extLst>
-          </p:cNvPr>
-          <p:cNvPicPr>
-            <a:picLocks noChangeAspect="1"/>
-          </p:cNvPicPr>
-          <p:nvPr/>
-        </p:nvPicPr>
-        <p:blipFill>
-          <a:blip r:embed="rId3">
-            <a:extLst>
-              <a:ext uri="{28A0092B-C50C-407E-A947-70E740481C1C}">
-                <a14:useLocalDpi xmlns:a14="http://schemas.microsoft.com/office/drawing/2010/main" val="0"/>
-              </a:ext>
-            </a:extLst>
-          </a:blip>
-          <a:stretch>
-            <a:fillRect/>
-          </a:stretch>
-        </p:blipFill>
-        <p:spPr>
-          <a:xfrm>
-            <a:off x="2257341" y="1354207"/>
-            <a:ext cx="476203" cy="476203"/>
-          </a:xfrm>
-          <a:prstGeom prst="rect">
-            <a:avLst/>
-          </a:prstGeom>
-        </p:spPr>
-      </p:pic>
-      <p:pic>
-        <p:nvPicPr>
-          <p:cNvPr id="17" name="图片 16">
-            <a:extLst>
-              <a:ext uri="{FF2B5EF4-FFF2-40B4-BE49-F238E27FC236}">
-                <a16:creationId xmlns:a16="http://schemas.microsoft.com/office/drawing/2014/main" id="{C01174B4-89C2-4D0C-B26F-33035E962224}"/>
-              </a:ext>
-            </a:extLst>
-          </p:cNvPr>
-          <p:cNvPicPr>
-            <a:picLocks noChangeAspect="1"/>
-          </p:cNvPicPr>
-          <p:nvPr/>
-        </p:nvPicPr>
-        <p:blipFill>
-          <a:blip r:embed="rId4">
-            <a:extLst>
-              <a:ext uri="{28A0092B-C50C-407E-A947-70E740481C1C}">
-                <a14:useLocalDpi xmlns:a14="http://schemas.microsoft.com/office/drawing/2010/main" val="0"/>
-              </a:ext>
-            </a:extLst>
-          </a:blip>
-          <a:stretch>
-            <a:fillRect/>
-          </a:stretch>
-        </p:blipFill>
-        <p:spPr>
-          <a:xfrm>
-            <a:off x="2257341" y="1815893"/>
-            <a:ext cx="476203" cy="476203"/>
-          </a:xfrm>
-          <a:prstGeom prst="rect">
-            <a:avLst/>
-          </a:prstGeom>
-        </p:spPr>
-      </p:pic>
-      <p:pic>
-        <p:nvPicPr>
-          <p:cNvPr id="19" name="图片 18">
-            <a:extLst>
-              <a:ext uri="{FF2B5EF4-FFF2-40B4-BE49-F238E27FC236}">
-                <a16:creationId xmlns:a16="http://schemas.microsoft.com/office/drawing/2014/main" id="{07BC457B-E507-47EA-A887-0ABE6C066AD7}"/>
-              </a:ext>
-            </a:extLst>
-          </p:cNvPr>
-          <p:cNvPicPr>
-            <a:picLocks noChangeAspect="1"/>
-          </p:cNvPicPr>
-          <p:nvPr/>
-        </p:nvPicPr>
-        <p:blipFill>
-          <a:blip r:embed="rId5">
-            <a:extLst>
-              <a:ext uri="{28A0092B-C50C-407E-A947-70E740481C1C}">
-                <a14:useLocalDpi xmlns:a14="http://schemas.microsoft.com/office/drawing/2010/main" val="0"/>
-              </a:ext>
-            </a:extLst>
-          </a:blip>
-          <a:stretch>
-            <a:fillRect/>
-          </a:stretch>
-        </p:blipFill>
-        <p:spPr>
-          <a:xfrm>
-            <a:off x="2257341" y="2277579"/>
-            <a:ext cx="476203" cy="476203"/>
-          </a:xfrm>
-          <a:prstGeom prst="rect">
-            <a:avLst/>
-          </a:prstGeom>
-        </p:spPr>
-      </p:pic>
-      <p:pic>
-        <p:nvPicPr>
-          <p:cNvPr id="21" name="图片 20">
-            <a:extLst>
-              <a:ext uri="{FF2B5EF4-FFF2-40B4-BE49-F238E27FC236}">
-                <a16:creationId xmlns:a16="http://schemas.microsoft.com/office/drawing/2014/main" id="{C6EF89C3-AFE4-4732-9118-178D0EDE0DE1}"/>
-              </a:ext>
-            </a:extLst>
-          </p:cNvPr>
-          <p:cNvPicPr>
-            <a:picLocks noChangeAspect="1"/>
-          </p:cNvPicPr>
-          <p:nvPr/>
-        </p:nvPicPr>
-        <p:blipFill>
-          <a:blip r:embed="rId6">
-            <a:extLst>
-              <a:ext uri="{28A0092B-C50C-407E-A947-70E740481C1C}">
-                <a14:useLocalDpi xmlns:a14="http://schemas.microsoft.com/office/drawing/2010/main" val="0"/>
-              </a:ext>
-            </a:extLst>
-          </a:blip>
-          <a:stretch>
-            <a:fillRect/>
-          </a:stretch>
-        </p:blipFill>
-        <p:spPr>
-          <a:xfrm>
-            <a:off x="2257341" y="2739265"/>
-            <a:ext cx="476203" cy="476203"/>
-          </a:xfrm>
-          <a:prstGeom prst="rect">
-            <a:avLst/>
-          </a:prstGeom>
-        </p:spPr>
-      </p:pic>
       <p:cxnSp>
         <p:nvCxnSpPr>
           <p:cNvPr id="59" name="直接连接符 58">
@@ -3740,7 +3596,6 @@
           </p:cNvPr>
           <p:cNvCxnSpPr>
             <a:cxnSpLocks/>
-            <a:endCxn id="15" idx="3"/>
           </p:cNvCxnSpPr>
           <p:nvPr/>
         </p:nvCxnSpPr>
@@ -3788,7 +3643,6 @@
           </p:cNvPr>
           <p:cNvCxnSpPr>
             <a:cxnSpLocks/>
-            <a:endCxn id="21" idx="3"/>
           </p:cNvCxnSpPr>
           <p:nvPr/>
         </p:nvCxnSpPr>
@@ -3840,7 +3694,7 @@
           <p:nvPr/>
         </p:nvPicPr>
         <p:blipFill>
-          <a:blip r:embed="rId7">
+          <a:blip r:embed="rId3">
             <a:extLst>
               <a:ext uri="{28A0092B-C50C-407E-A947-70E740481C1C}">
                 <a14:useLocalDpi xmlns:a14="http://schemas.microsoft.com/office/drawing/2010/main" val="0"/>
@@ -3876,7 +3730,7 @@
           <p:nvPr/>
         </p:nvPicPr>
         <p:blipFill>
-          <a:blip r:embed="rId8">
+          <a:blip r:embed="rId4">
             <a:extLst>
               <a:ext uri="{28A0092B-C50C-407E-A947-70E740481C1C}">
                 <a14:useLocalDpi xmlns:a14="http://schemas.microsoft.com/office/drawing/2010/main" val="0"/>
@@ -4126,10 +3980,10 @@
       </p:sp>
       <p:pic>
         <p:nvPicPr>
-          <p:cNvPr id="25" name="图片 24">
-            <a:extLst>
-              <a:ext uri="{FF2B5EF4-FFF2-40B4-BE49-F238E27FC236}">
-                <a16:creationId xmlns:a16="http://schemas.microsoft.com/office/drawing/2014/main" id="{37126308-0125-4A61-8548-BB4E1513B07D}"/>
+          <p:cNvPr id="42" name="图片 41">
+            <a:extLst>
+              <a:ext uri="{FF2B5EF4-FFF2-40B4-BE49-F238E27FC236}">
+                <a16:creationId xmlns:a16="http://schemas.microsoft.com/office/drawing/2014/main" id="{5A9314E5-A8C8-497F-B696-1F14F1DC9A59}"/>
               </a:ext>
             </a:extLst>
           </p:cNvPr>
@@ -4152,8 +4006,8 @@
         </p:blipFill>
         <p:spPr>
           <a:xfrm>
-            <a:off x="1180834" y="4539349"/>
-            <a:ext cx="269089" cy="260760"/>
+            <a:off x="6832958" y="4576001"/>
+            <a:ext cx="265176" cy="265176"/>
           </a:xfrm>
           <a:prstGeom prst="rect">
             <a:avLst/>
@@ -4162,10 +4016,10 @@
       </p:pic>
       <p:pic>
         <p:nvPicPr>
-          <p:cNvPr id="26" name="图片 25">
-            <a:extLst>
-              <a:ext uri="{FF2B5EF4-FFF2-40B4-BE49-F238E27FC236}">
-                <a16:creationId xmlns:a16="http://schemas.microsoft.com/office/drawing/2014/main" id="{D43424B8-FD8A-40A7-BA9C-3B9B28427892}"/>
+          <p:cNvPr id="43" name="图片 42">
+            <a:extLst>
+              <a:ext uri="{FF2B5EF4-FFF2-40B4-BE49-F238E27FC236}">
+                <a16:creationId xmlns:a16="http://schemas.microsoft.com/office/drawing/2014/main" id="{384E8E12-1645-4133-911A-319D1CD735BE}"/>
               </a:ext>
             </a:extLst>
           </p:cNvPr>
@@ -4188,20 +4042,259 @@
         </p:blipFill>
         <p:spPr>
           <a:xfrm>
-            <a:off x="1180834" y="4866838"/>
-            <a:ext cx="269089" cy="260760"/>
+            <a:off x="6832958" y="4888624"/>
+            <a:ext cx="265176" cy="265176"/>
           </a:xfrm>
           <a:prstGeom prst="rect">
             <a:avLst/>
           </a:prstGeom>
         </p:spPr>
       </p:pic>
+      <p:sp>
+        <p:nvSpPr>
+          <p:cNvPr id="47" name="文本框 46">
+            <a:extLst>
+              <a:ext uri="{FF2B5EF4-FFF2-40B4-BE49-F238E27FC236}">
+                <a16:creationId xmlns:a16="http://schemas.microsoft.com/office/drawing/2014/main" id="{5E3B7A5C-530D-4190-A732-F17826D738C9}"/>
+              </a:ext>
+            </a:extLst>
+          </p:cNvPr>
+          <p:cNvSpPr txBox="1"/>
+          <p:nvPr/>
+        </p:nvSpPr>
+        <p:spPr>
+          <a:xfrm>
+            <a:off x="7076890" y="4494021"/>
+            <a:ext cx="5358706" cy="1379865"/>
+          </a:xfrm>
+          <a:prstGeom prst="rect">
+            <a:avLst/>
+          </a:prstGeom>
+          <a:noFill/>
+        </p:spPr>
+        <p:txBody>
+          <a:bodyPr wrap="square" rtlCol="0">
+            <a:spAutoFit/>
+          </a:bodyPr>
+          <a:lstStyle/>
+          <a:p>
+            <a:pPr>
+              <a:lnSpc>
+                <a:spcPts val="2500"/>
+              </a:lnSpc>
+            </a:pPr>
+            <a:r>
+              <a:rPr lang="en-US" sz="1600">
+                <a:latin typeface="Leelawadee UI" panose="020B0502040204020203" pitchFamily="34" charset="-34"/>
+                <a:ea typeface="Microsoft JhengHei Light" panose="020B0304030504040204" pitchFamily="34" charset="-120"/>
+                <a:cs typeface="Leelawadee UI" panose="020B0502040204020203" pitchFamily="34" charset="-34"/>
+              </a:rPr>
+              <a:t>T+: Thermocouple Input, positive pole.</a:t>
+            </a:r>
+          </a:p>
+          <a:p>
+            <a:pPr>
+              <a:lnSpc>
+                <a:spcPts val="2500"/>
+              </a:lnSpc>
+            </a:pPr>
+            <a:r>
+              <a:rPr lang="en-US" sz="1600">
+                <a:latin typeface="Leelawadee UI" panose="020B0502040204020203" pitchFamily="34" charset="-34"/>
+                <a:ea typeface="Microsoft JhengHei Light" panose="020B0304030504040204" pitchFamily="34" charset="-120"/>
+                <a:cs typeface="Leelawadee UI" panose="020B0502040204020203" pitchFamily="34" charset="-34"/>
+              </a:rPr>
+              <a:t>T -: Thermocouple Input, negative pole</a:t>
+            </a:r>
+          </a:p>
+          <a:p>
+            <a:endParaRPr lang="en-US" sz="1200">
+              <a:latin typeface="Times New Roman" panose="02020603050405020304" pitchFamily="18" charset="0"/>
+              <a:cs typeface="Times New Roman" panose="02020603050405020304" pitchFamily="18" charset="0"/>
+            </a:endParaRPr>
+          </a:p>
+          <a:p>
+            <a:endParaRPr lang="en-US" sz="1200">
+              <a:latin typeface="Times New Roman" panose="02020603050405020304" pitchFamily="18" charset="0"/>
+              <a:cs typeface="Times New Roman" panose="02020603050405020304" pitchFamily="18" charset="0"/>
+            </a:endParaRPr>
+          </a:p>
+          <a:p>
+            <a:endParaRPr lang="en-US"/>
+          </a:p>
+        </p:txBody>
+      </p:sp>
+      <p:grpSp>
+        <p:nvGrpSpPr>
+          <p:cNvPr id="29" name="组合 28">
+            <a:extLst>
+              <a:ext uri="{FF2B5EF4-FFF2-40B4-BE49-F238E27FC236}">
+                <a16:creationId xmlns:a16="http://schemas.microsoft.com/office/drawing/2014/main" id="{F026A7D3-250F-4824-B83F-123B10BED9FA}"/>
+              </a:ext>
+            </a:extLst>
+          </p:cNvPr>
+          <p:cNvGrpSpPr/>
+          <p:nvPr/>
+        </p:nvGrpSpPr>
+        <p:grpSpPr>
+          <a:xfrm>
+            <a:off x="2260610" y="1322153"/>
+            <a:ext cx="476250" cy="1886426"/>
+            <a:chOff x="2261625" y="1357253"/>
+            <a:chExt cx="476250" cy="1886426"/>
+          </a:xfrm>
+        </p:grpSpPr>
+        <p:pic>
+          <p:nvPicPr>
+            <p:cNvPr id="31" name="图片 30">
+              <a:extLst>
+                <a:ext uri="{FF2B5EF4-FFF2-40B4-BE49-F238E27FC236}">
+                  <a16:creationId xmlns:a16="http://schemas.microsoft.com/office/drawing/2014/main" id="{9A1D4326-50B1-412D-902B-05F24059957B}"/>
+                </a:ext>
+              </a:extLst>
+            </p:cNvPr>
+            <p:cNvPicPr>
+              <a:picLocks noChangeAspect="1"/>
+            </p:cNvPicPr>
+            <p:nvPr/>
+          </p:nvPicPr>
+          <p:blipFill>
+            <a:blip r:embed="rId5">
+              <a:extLst>
+                <a:ext uri="{28A0092B-C50C-407E-A947-70E740481C1C}">
+                  <a14:useLocalDpi xmlns:a14="http://schemas.microsoft.com/office/drawing/2010/main" val="0"/>
+                </a:ext>
+              </a:extLst>
+            </a:blip>
+            <a:stretch>
+              <a:fillRect/>
+            </a:stretch>
+          </p:blipFill>
+          <p:spPr>
+            <a:xfrm>
+              <a:off x="2261625" y="1827312"/>
+              <a:ext cx="476250" cy="476250"/>
+            </a:xfrm>
+            <a:prstGeom prst="rect">
+              <a:avLst/>
+            </a:prstGeom>
+          </p:spPr>
+        </p:pic>
+        <p:pic>
+          <p:nvPicPr>
+            <p:cNvPr id="32" name="图片 31">
+              <a:extLst>
+                <a:ext uri="{FF2B5EF4-FFF2-40B4-BE49-F238E27FC236}">
+                  <a16:creationId xmlns:a16="http://schemas.microsoft.com/office/drawing/2014/main" id="{E5D65CEB-A834-4F90-A125-AFF3C4B53371}"/>
+                </a:ext>
+              </a:extLst>
+            </p:cNvPr>
+            <p:cNvPicPr>
+              <a:picLocks noChangeAspect="1"/>
+            </p:cNvPicPr>
+            <p:nvPr/>
+          </p:nvPicPr>
+          <p:blipFill>
+            <a:blip r:embed="rId6">
+              <a:extLst>
+                <a:ext uri="{28A0092B-C50C-407E-A947-70E740481C1C}">
+                  <a14:useLocalDpi xmlns:a14="http://schemas.microsoft.com/office/drawing/2010/main" val="0"/>
+                </a:ext>
+              </a:extLst>
+            </a:blip>
+            <a:stretch>
+              <a:fillRect/>
+            </a:stretch>
+          </p:blipFill>
+          <p:spPr>
+            <a:xfrm>
+              <a:off x="2261625" y="1357253"/>
+              <a:ext cx="476250" cy="476250"/>
+            </a:xfrm>
+            <a:prstGeom prst="rect">
+              <a:avLst/>
+            </a:prstGeom>
+          </p:spPr>
+        </p:pic>
+        <p:pic>
+          <p:nvPicPr>
+            <p:cNvPr id="33" name="图片 32">
+              <a:extLst>
+                <a:ext uri="{FF2B5EF4-FFF2-40B4-BE49-F238E27FC236}">
+                  <a16:creationId xmlns:a16="http://schemas.microsoft.com/office/drawing/2014/main" id="{D958EF13-5017-4590-9F67-8F00546BA90E}"/>
+                </a:ext>
+              </a:extLst>
+            </p:cNvPr>
+            <p:cNvPicPr>
+              <a:picLocks noChangeAspect="1"/>
+            </p:cNvPicPr>
+            <p:nvPr/>
+          </p:nvPicPr>
+          <p:blipFill>
+            <a:blip r:embed="rId7">
+              <a:extLst>
+                <a:ext uri="{28A0092B-C50C-407E-A947-70E740481C1C}">
+                  <a14:useLocalDpi xmlns:a14="http://schemas.microsoft.com/office/drawing/2010/main" val="0"/>
+                </a:ext>
+              </a:extLst>
+            </a:blip>
+            <a:stretch>
+              <a:fillRect/>
+            </a:stretch>
+          </p:blipFill>
+          <p:spPr>
+            <a:xfrm>
+              <a:off x="2261625" y="2767429"/>
+              <a:ext cx="476250" cy="476250"/>
+            </a:xfrm>
+            <a:prstGeom prst="rect">
+              <a:avLst/>
+            </a:prstGeom>
+          </p:spPr>
+        </p:pic>
+        <p:pic>
+          <p:nvPicPr>
+            <p:cNvPr id="34" name="图片 33">
+              <a:extLst>
+                <a:ext uri="{FF2B5EF4-FFF2-40B4-BE49-F238E27FC236}">
+                  <a16:creationId xmlns:a16="http://schemas.microsoft.com/office/drawing/2014/main" id="{AEF501E9-37B7-4DFB-91B3-7656A50CBD5C}"/>
+                </a:ext>
+              </a:extLst>
+            </p:cNvPr>
+            <p:cNvPicPr>
+              <a:picLocks noChangeAspect="1"/>
+            </p:cNvPicPr>
+            <p:nvPr/>
+          </p:nvPicPr>
+          <p:blipFill>
+            <a:blip r:embed="rId8">
+              <a:extLst>
+                <a:ext uri="{28A0092B-C50C-407E-A947-70E740481C1C}">
+                  <a14:useLocalDpi xmlns:a14="http://schemas.microsoft.com/office/drawing/2010/main" val="0"/>
+                </a:ext>
+              </a:extLst>
+            </a:blip>
+            <a:stretch>
+              <a:fillRect/>
+            </a:stretch>
+          </p:blipFill>
+          <p:spPr>
+            <a:xfrm>
+              <a:off x="2261625" y="2297371"/>
+              <a:ext cx="476250" cy="476250"/>
+            </a:xfrm>
+            <a:prstGeom prst="rect">
+              <a:avLst/>
+            </a:prstGeom>
+          </p:spPr>
+        </p:pic>
+      </p:grpSp>
       <p:pic>
         <p:nvPicPr>
-          <p:cNvPr id="27" name="图片 26">
-            <a:extLst>
-              <a:ext uri="{FF2B5EF4-FFF2-40B4-BE49-F238E27FC236}">
-                <a16:creationId xmlns:a16="http://schemas.microsoft.com/office/drawing/2014/main" id="{E7DFF96D-EFCF-411F-A96C-0982E2CB0AA5}"/>
+          <p:cNvPr id="35" name="图片 34">
+            <a:extLst>
+              <a:ext uri="{FF2B5EF4-FFF2-40B4-BE49-F238E27FC236}">
+                <a16:creationId xmlns:a16="http://schemas.microsoft.com/office/drawing/2014/main" id="{91ACA8A2-0B4E-4747-933A-25129BC4F126}"/>
               </a:ext>
             </a:extLst>
           </p:cNvPr>
@@ -4224,8 +4317,8 @@
         </p:blipFill>
         <p:spPr>
           <a:xfrm>
-            <a:off x="1180834" y="5194327"/>
-            <a:ext cx="269089" cy="260760"/>
+            <a:off x="1184132" y="4873022"/>
+            <a:ext cx="266700" cy="266700"/>
           </a:xfrm>
           <a:prstGeom prst="rect">
             <a:avLst/>
@@ -4234,10 +4327,10 @@
       </p:pic>
       <p:pic>
         <p:nvPicPr>
-          <p:cNvPr id="28" name="图片 27">
-            <a:extLst>
-              <a:ext uri="{FF2B5EF4-FFF2-40B4-BE49-F238E27FC236}">
-                <a16:creationId xmlns:a16="http://schemas.microsoft.com/office/drawing/2014/main" id="{F26BB28F-8841-4089-94D8-F8433A1D9031}"/>
+          <p:cNvPr id="36" name="图片 35">
+            <a:extLst>
+              <a:ext uri="{FF2B5EF4-FFF2-40B4-BE49-F238E27FC236}">
+                <a16:creationId xmlns:a16="http://schemas.microsoft.com/office/drawing/2014/main" id="{688ED724-65A1-41BB-8321-7716BA065D58}"/>
               </a:ext>
             </a:extLst>
           </p:cNvPr>
@@ -4260,8 +4353,8 @@
         </p:blipFill>
         <p:spPr>
           <a:xfrm>
-            <a:off x="1180834" y="5521817"/>
-            <a:ext cx="269089" cy="260760"/>
+            <a:off x="1184132" y="4556717"/>
+            <a:ext cx="266700" cy="266700"/>
           </a:xfrm>
           <a:prstGeom prst="rect">
             <a:avLst/>
@@ -4270,10 +4363,10 @@
       </p:pic>
       <p:pic>
         <p:nvPicPr>
-          <p:cNvPr id="42" name="图片 41">
-            <a:extLst>
-              <a:ext uri="{FF2B5EF4-FFF2-40B4-BE49-F238E27FC236}">
-                <a16:creationId xmlns:a16="http://schemas.microsoft.com/office/drawing/2014/main" id="{5A9314E5-A8C8-497F-B696-1F14F1DC9A59}"/>
+          <p:cNvPr id="37" name="图片 36">
+            <a:extLst>
+              <a:ext uri="{FF2B5EF4-FFF2-40B4-BE49-F238E27FC236}">
+                <a16:creationId xmlns:a16="http://schemas.microsoft.com/office/drawing/2014/main" id="{7874F563-C999-4BC9-A92A-160F1228B750}"/>
               </a:ext>
             </a:extLst>
           </p:cNvPr>
@@ -4296,8 +4389,8 @@
         </p:blipFill>
         <p:spPr>
           <a:xfrm>
-            <a:off x="6832958" y="4576001"/>
-            <a:ext cx="265176" cy="265176"/>
+            <a:off x="1184132" y="5505635"/>
+            <a:ext cx="266700" cy="266700"/>
           </a:xfrm>
           <a:prstGeom prst="rect">
             <a:avLst/>
@@ -4306,10 +4399,10 @@
       </p:pic>
       <p:pic>
         <p:nvPicPr>
-          <p:cNvPr id="43" name="图片 42">
-            <a:extLst>
-              <a:ext uri="{FF2B5EF4-FFF2-40B4-BE49-F238E27FC236}">
-                <a16:creationId xmlns:a16="http://schemas.microsoft.com/office/drawing/2014/main" id="{384E8E12-1645-4133-911A-319D1CD735BE}"/>
+          <p:cNvPr id="38" name="图片 37">
+            <a:extLst>
+              <a:ext uri="{FF2B5EF4-FFF2-40B4-BE49-F238E27FC236}">
+                <a16:creationId xmlns:a16="http://schemas.microsoft.com/office/drawing/2014/main" id="{65A8AFE4-5FEC-4463-85B7-BA4412D60578}"/>
               </a:ext>
             </a:extLst>
           </p:cNvPr>
@@ -4332,88 +4425,14 @@
         </p:blipFill>
         <p:spPr>
           <a:xfrm>
-            <a:off x="6832958" y="4888624"/>
-            <a:ext cx="265176" cy="265176"/>
+            <a:off x="1184132" y="5189329"/>
+            <a:ext cx="266700" cy="266700"/>
           </a:xfrm>
           <a:prstGeom prst="rect">
             <a:avLst/>
           </a:prstGeom>
         </p:spPr>
       </p:pic>
-      <p:sp>
-        <p:nvSpPr>
-          <p:cNvPr id="47" name="文本框 46">
-            <a:extLst>
-              <a:ext uri="{FF2B5EF4-FFF2-40B4-BE49-F238E27FC236}">
-                <a16:creationId xmlns:a16="http://schemas.microsoft.com/office/drawing/2014/main" id="{5E3B7A5C-530D-4190-A732-F17826D738C9}"/>
-              </a:ext>
-            </a:extLst>
-          </p:cNvPr>
-          <p:cNvSpPr txBox="1"/>
-          <p:nvPr/>
-        </p:nvSpPr>
-        <p:spPr>
-          <a:xfrm>
-            <a:off x="7076890" y="4494021"/>
-            <a:ext cx="5358706" cy="1379865"/>
-          </a:xfrm>
-          <a:prstGeom prst="rect">
-            <a:avLst/>
-          </a:prstGeom>
-          <a:noFill/>
-        </p:spPr>
-        <p:txBody>
-          <a:bodyPr wrap="square" rtlCol="0">
-            <a:spAutoFit/>
-          </a:bodyPr>
-          <a:lstStyle/>
-          <a:p>
-            <a:pPr>
-              <a:lnSpc>
-                <a:spcPts val="2500"/>
-              </a:lnSpc>
-            </a:pPr>
-            <a:r>
-              <a:rPr lang="en-US" sz="1600">
-                <a:latin typeface="Leelawadee UI" panose="020B0502040204020203" pitchFamily="34" charset="-34"/>
-                <a:ea typeface="Microsoft JhengHei Light" panose="020B0304030504040204" pitchFamily="34" charset="-120"/>
-                <a:cs typeface="Leelawadee UI" panose="020B0502040204020203" pitchFamily="34" charset="-34"/>
-              </a:rPr>
-              <a:t>T+: Thermocouple Input, positive pole.</a:t>
-            </a:r>
-          </a:p>
-          <a:p>
-            <a:pPr>
-              <a:lnSpc>
-                <a:spcPts val="2500"/>
-              </a:lnSpc>
-            </a:pPr>
-            <a:r>
-              <a:rPr lang="en-US" sz="1600">
-                <a:latin typeface="Leelawadee UI" panose="020B0502040204020203" pitchFamily="34" charset="-34"/>
-                <a:ea typeface="Microsoft JhengHei Light" panose="020B0304030504040204" pitchFamily="34" charset="-120"/>
-                <a:cs typeface="Leelawadee UI" panose="020B0502040204020203" pitchFamily="34" charset="-34"/>
-              </a:rPr>
-              <a:t>T -: Thermocouple Input, negative pole</a:t>
-            </a:r>
-          </a:p>
-          <a:p>
-            <a:endParaRPr lang="en-US" sz="1200">
-              <a:latin typeface="Times New Roman" panose="02020603050405020304" pitchFamily="18" charset="0"/>
-              <a:cs typeface="Times New Roman" panose="02020603050405020304" pitchFamily="18" charset="0"/>
-            </a:endParaRPr>
-          </a:p>
-          <a:p>
-            <a:endParaRPr lang="en-US" sz="1200">
-              <a:latin typeface="Times New Roman" panose="02020603050405020304" pitchFamily="18" charset="0"/>
-              <a:cs typeface="Times New Roman" panose="02020603050405020304" pitchFamily="18" charset="0"/>
-            </a:endParaRPr>
-          </a:p>
-          <a:p>
-            <a:endParaRPr lang="en-US"/>
-          </a:p>
-        </p:txBody>
-      </p:sp>
     </p:spTree>
     <p:extLst>
       <p:ext uri="{BB962C8B-B14F-4D97-AF65-F5344CB8AC3E}">

--- a/img/pin_map.pptx
+++ b/img/pin_map.pptx
@@ -6,8 +6,10 @@
   </p:sldMasterIdLst>
   <p:sldIdLst>
     <p:sldId id="256" r:id="rId2"/>
-    <p:sldId id="258" r:id="rId3"/>
+    <p:sldId id="261" r:id="rId3"/>
     <p:sldId id="259" r:id="rId4"/>
+    <p:sldId id="260" r:id="rId5"/>
+    <p:sldId id="262" r:id="rId6"/>
   </p:sldIdLst>
   <p:sldSz cx="12192000" cy="6858000"/>
   <p:notesSz cx="6858000" cy="9144000"/>
@@ -275,7 +277,7 @@
           <a:p>
             <a:fld id="{6BAEC7DB-416E-4648-AE31-15D6F0A9A9FB}" type="datetimeFigureOut">
               <a:rPr lang="en-US" smtClean="0"/>
-              <a:t>9/15/2018</a:t>
+              <a:t>9/25/2018</a:t>
             </a:fld>
             <a:endParaRPr lang="en-US"/>
           </a:p>
@@ -475,7 +477,7 @@
           <a:p>
             <a:fld id="{6BAEC7DB-416E-4648-AE31-15D6F0A9A9FB}" type="datetimeFigureOut">
               <a:rPr lang="en-US" smtClean="0"/>
-              <a:t>9/15/2018</a:t>
+              <a:t>9/25/2018</a:t>
             </a:fld>
             <a:endParaRPr lang="en-US"/>
           </a:p>
@@ -685,7 +687,7 @@
           <a:p>
             <a:fld id="{6BAEC7DB-416E-4648-AE31-15D6F0A9A9FB}" type="datetimeFigureOut">
               <a:rPr lang="en-US" smtClean="0"/>
-              <a:t>9/15/2018</a:t>
+              <a:t>9/25/2018</a:t>
             </a:fld>
             <a:endParaRPr lang="en-US"/>
           </a:p>
@@ -885,7 +887,7 @@
           <a:p>
             <a:fld id="{6BAEC7DB-416E-4648-AE31-15D6F0A9A9FB}" type="datetimeFigureOut">
               <a:rPr lang="en-US" smtClean="0"/>
-              <a:t>9/15/2018</a:t>
+              <a:t>9/25/2018</a:t>
             </a:fld>
             <a:endParaRPr lang="en-US"/>
           </a:p>
@@ -1161,7 +1163,7 @@
           <a:p>
             <a:fld id="{6BAEC7DB-416E-4648-AE31-15D6F0A9A9FB}" type="datetimeFigureOut">
               <a:rPr lang="en-US" smtClean="0"/>
-              <a:t>9/15/2018</a:t>
+              <a:t>9/25/2018</a:t>
             </a:fld>
             <a:endParaRPr lang="en-US"/>
           </a:p>
@@ -1429,7 +1431,7 @@
           <a:p>
             <a:fld id="{6BAEC7DB-416E-4648-AE31-15D6F0A9A9FB}" type="datetimeFigureOut">
               <a:rPr lang="en-US" smtClean="0"/>
-              <a:t>9/15/2018</a:t>
+              <a:t>9/25/2018</a:t>
             </a:fld>
             <a:endParaRPr lang="en-US"/>
           </a:p>
@@ -1844,7 +1846,7 @@
           <a:p>
             <a:fld id="{6BAEC7DB-416E-4648-AE31-15D6F0A9A9FB}" type="datetimeFigureOut">
               <a:rPr lang="en-US" smtClean="0"/>
-              <a:t>9/15/2018</a:t>
+              <a:t>9/25/2018</a:t>
             </a:fld>
             <a:endParaRPr lang="en-US"/>
           </a:p>
@@ -1986,7 +1988,7 @@
           <a:p>
             <a:fld id="{6BAEC7DB-416E-4648-AE31-15D6F0A9A9FB}" type="datetimeFigureOut">
               <a:rPr lang="en-US" smtClean="0"/>
-              <a:t>9/15/2018</a:t>
+              <a:t>9/25/2018</a:t>
             </a:fld>
             <a:endParaRPr lang="en-US"/>
           </a:p>
@@ -2099,7 +2101,7 @@
           <a:p>
             <a:fld id="{6BAEC7DB-416E-4648-AE31-15D6F0A9A9FB}" type="datetimeFigureOut">
               <a:rPr lang="en-US" smtClean="0"/>
-              <a:t>9/15/2018</a:t>
+              <a:t>9/25/2018</a:t>
             </a:fld>
             <a:endParaRPr lang="en-US"/>
           </a:p>
@@ -2412,7 +2414,7 @@
           <a:p>
             <a:fld id="{6BAEC7DB-416E-4648-AE31-15D6F0A9A9FB}" type="datetimeFigureOut">
               <a:rPr lang="en-US" smtClean="0"/>
-              <a:t>9/15/2018</a:t>
+              <a:t>9/25/2018</a:t>
             </a:fld>
             <a:endParaRPr lang="en-US"/>
           </a:p>
@@ -2701,7 +2703,7 @@
           <a:p>
             <a:fld id="{6BAEC7DB-416E-4648-AE31-15D6F0A9A9FB}" type="datetimeFigureOut">
               <a:rPr lang="en-US" smtClean="0"/>
-              <a:t>9/15/2018</a:t>
+              <a:t>9/25/2018</a:t>
             </a:fld>
             <a:endParaRPr lang="en-US"/>
           </a:p>
@@ -2944,7 +2946,7 @@
           <a:p>
             <a:fld id="{6BAEC7DB-416E-4648-AE31-15D6F0A9A9FB}" type="datetimeFigureOut">
               <a:rPr lang="en-US" smtClean="0"/>
-              <a:t>9/15/2018</a:t>
+              <a:t>9/25/2018</a:t>
             </a:fld>
             <a:endParaRPr lang="en-US"/>
           </a:p>
@@ -3881,24 +3883,21 @@
             <a:r>
               <a:rPr lang="en-US" sz="1600">
                 <a:latin typeface="Leelawadee UI" panose="020B0502040204020203" pitchFamily="34" charset="-34"/>
-                <a:ea typeface="Microsoft JhengHei Light" panose="020B0304030504040204" pitchFamily="34" charset="-120"/>
-                <a:cs typeface="Leelawadee UI" panose="020B0502040204020203" pitchFamily="34" charset="-34"/>
+                <a:cs typeface="+mn-ea"/>
               </a:rPr>
               <a:t>GND: connect this module </a:t>
             </a:r>
             <a:r>
               <a:rPr lang="en-US" altLang="zh-CN" sz="1600">
                 <a:latin typeface="Leelawadee UI" panose="020B0502040204020203" pitchFamily="34" charset="-34"/>
-                <a:ea typeface="Microsoft JhengHei Light" panose="020B0304030504040204" pitchFamily="34" charset="-120"/>
-                <a:cs typeface="Leelawadee UI" panose="020B0502040204020203" pitchFamily="34" charset="-34"/>
+                <a:cs typeface="+mn-ea"/>
               </a:rPr>
               <a:t>to</a:t>
             </a:r>
             <a:r>
               <a:rPr lang="en-US" sz="1600">
                 <a:latin typeface="Leelawadee UI" panose="020B0502040204020203" pitchFamily="34" charset="-34"/>
-                <a:ea typeface="Microsoft JhengHei Light" panose="020B0304030504040204" pitchFamily="34" charset="-120"/>
-                <a:cs typeface="Leelawadee UI" panose="020B0502040204020203" pitchFamily="34" charset="-34"/>
+                <a:cs typeface="+mn-ea"/>
               </a:rPr>
               <a:t> the system GND </a:t>
             </a:r>
@@ -3912,8 +3911,7 @@
             <a:r>
               <a:rPr lang="en-US" sz="1600">
                 <a:latin typeface="Leelawadee UI" panose="020B0502040204020203" pitchFamily="34" charset="-34"/>
-                <a:ea typeface="Microsoft JhengHei Light" panose="020B0304030504040204" pitchFamily="34" charset="-120"/>
-                <a:cs typeface="Leelawadee UI" panose="020B0502040204020203" pitchFamily="34" charset="-34"/>
+                <a:cs typeface="+mn-ea"/>
               </a:rPr>
               <a:t>VCC: you can use 5V or 3.3V for this module</a:t>
             </a:r>
@@ -3927,23 +3925,20 @@
             <a:r>
               <a:rPr lang="en-US" sz="1600">
                 <a:latin typeface="Leelawadee UI" panose="020B0502040204020203" pitchFamily="34" charset="-34"/>
-                <a:ea typeface="Microsoft JhengHei Light" panose="020B0304030504040204" pitchFamily="34" charset="-120"/>
-                <a:cs typeface="Leelawadee UI" panose="020B0502040204020203" pitchFamily="34" charset="-34"/>
+                <a:cs typeface="+mn-ea"/>
               </a:rPr>
               <a:t>NC: n</a:t>
             </a:r>
             <a:r>
               <a:rPr lang="en-US" altLang="zh-CN" sz="1600">
                 <a:latin typeface="Leelawadee UI" panose="020B0502040204020203" pitchFamily="34" charset="-34"/>
-                <a:ea typeface="Microsoft JhengHei Light" panose="020B0304030504040204" pitchFamily="34" charset="-120"/>
-                <a:cs typeface="Leelawadee UI" panose="020B0502040204020203" pitchFamily="34" charset="-34"/>
+                <a:cs typeface="+mn-ea"/>
               </a:rPr>
               <a:t>ot connected</a:t>
             </a:r>
             <a:endParaRPr lang="en-US" sz="1600">
               <a:latin typeface="Leelawadee UI" panose="020B0502040204020203" pitchFamily="34" charset="-34"/>
-              <a:ea typeface="Microsoft JhengHei Light" panose="020B0304030504040204" pitchFamily="34" charset="-120"/>
-              <a:cs typeface="Leelawadee UI" panose="020B0502040204020203" pitchFamily="34" charset="-34"/>
+              <a:cs typeface="+mn-ea"/>
             </a:endParaRPr>
           </a:p>
           <a:p>
@@ -3955,8 +3950,7 @@
             <a:r>
               <a:rPr lang="en-US" sz="1600">
                 <a:latin typeface="Leelawadee UI" panose="020B0502040204020203" pitchFamily="34" charset="-34"/>
-                <a:ea typeface="Microsoft JhengHei Light" panose="020B0304030504040204" pitchFamily="34" charset="-120"/>
-                <a:cs typeface="Leelawadee UI" panose="020B0502040204020203" pitchFamily="34" charset="-34"/>
+                <a:cs typeface="+mn-ea"/>
               </a:rPr>
               <a:t>DQOUT: data Input/Output. open-drain 1-Wire interface pin.</a:t>
             </a:r>
@@ -3964,17 +3958,19 @@
           <a:p>
             <a:endParaRPr lang="en-US" sz="1200">
               <a:latin typeface="Times New Roman" panose="02020603050405020304" pitchFamily="18" charset="0"/>
-              <a:cs typeface="Times New Roman" panose="02020603050405020304" pitchFamily="18" charset="0"/>
+              <a:cs typeface="+mn-ea"/>
             </a:endParaRPr>
           </a:p>
           <a:p>
             <a:endParaRPr lang="en-US" sz="1200">
               <a:latin typeface="Times New Roman" panose="02020603050405020304" pitchFamily="18" charset="0"/>
-              <a:cs typeface="Times New Roman" panose="02020603050405020304" pitchFamily="18" charset="0"/>
+              <a:cs typeface="+mn-ea"/>
             </a:endParaRPr>
           </a:p>
           <a:p>
-            <a:endParaRPr lang="en-US"/>
+            <a:endParaRPr lang="en-US">
+              <a:cs typeface="+mn-ea"/>
+            </a:endParaRPr>
           </a:p>
         </p:txBody>
       </p:sp>
@@ -4086,8 +4082,7 @@
             <a:r>
               <a:rPr lang="en-US" sz="1600">
                 <a:latin typeface="Leelawadee UI" panose="020B0502040204020203" pitchFamily="34" charset="-34"/>
-                <a:ea typeface="Microsoft JhengHei Light" panose="020B0304030504040204" pitchFamily="34" charset="-120"/>
-                <a:cs typeface="Leelawadee UI" panose="020B0502040204020203" pitchFamily="34" charset="-34"/>
+                <a:cs typeface="+mn-ea"/>
               </a:rPr>
               <a:t>T+: Thermocouple Input, positive pole.</a:t>
             </a:r>
@@ -4101,8 +4096,7 @@
             <a:r>
               <a:rPr lang="en-US" sz="1600">
                 <a:latin typeface="Leelawadee UI" panose="020B0502040204020203" pitchFamily="34" charset="-34"/>
-                <a:ea typeface="Microsoft JhengHei Light" panose="020B0304030504040204" pitchFamily="34" charset="-120"/>
-                <a:cs typeface="Leelawadee UI" panose="020B0502040204020203" pitchFamily="34" charset="-34"/>
+                <a:cs typeface="+mn-ea"/>
               </a:rPr>
               <a:t>T -: Thermocouple Input, negative pole</a:t>
             </a:r>
@@ -4110,17 +4104,19 @@
           <a:p>
             <a:endParaRPr lang="en-US" sz="1200">
               <a:latin typeface="Times New Roman" panose="02020603050405020304" pitchFamily="18" charset="0"/>
-              <a:cs typeface="Times New Roman" panose="02020603050405020304" pitchFamily="18" charset="0"/>
+              <a:cs typeface="+mn-ea"/>
             </a:endParaRPr>
           </a:p>
           <a:p>
             <a:endParaRPr lang="en-US" sz="1200">
               <a:latin typeface="Times New Roman" panose="02020603050405020304" pitchFamily="18" charset="0"/>
-              <a:cs typeface="Times New Roman" panose="02020603050405020304" pitchFamily="18" charset="0"/>
+              <a:cs typeface="+mn-ea"/>
             </a:endParaRPr>
           </a:p>
           <a:p>
-            <a:endParaRPr lang="en-US"/>
+            <a:endParaRPr lang="en-US">
+              <a:cs typeface="+mn-ea"/>
+            </a:endParaRPr>
           </a:p>
         </p:txBody>
       </p:sp>
@@ -4465,10 +4461,10 @@
       </p:grpSpPr>
       <p:pic>
         <p:nvPicPr>
-          <p:cNvPr id="5" name="图片 4">
-            <a:extLst>
-              <a:ext uri="{FF2B5EF4-FFF2-40B4-BE49-F238E27FC236}">
-                <a16:creationId xmlns:a16="http://schemas.microsoft.com/office/drawing/2014/main" id="{3014A54A-9BBC-4E6A-BA3B-2A27B09AE7A2}"/>
+          <p:cNvPr id="15" name="图片 14">
+            <a:extLst>
+              <a:ext uri="{FF2B5EF4-FFF2-40B4-BE49-F238E27FC236}">
+                <a16:creationId xmlns:a16="http://schemas.microsoft.com/office/drawing/2014/main" id="{CFE1CF63-BCBA-46BB-9547-FE60972809B2}"/>
               </a:ext>
             </a:extLst>
           </p:cNvPr>
@@ -4490,9 +4486,9 @@
           </a:stretch>
         </p:blipFill>
         <p:spPr>
-          <a:xfrm>
-            <a:off x="4399961" y="942980"/>
-            <a:ext cx="3324444" cy="4435555"/>
+          <a:xfrm rot="5400000">
+            <a:off x="-870015" y="856412"/>
+            <a:ext cx="6477430" cy="4858073"/>
           </a:xfrm>
           <a:prstGeom prst="rect">
             <a:avLst/>
@@ -4501,10 +4497,10 @@
       </p:pic>
       <p:cxnSp>
         <p:nvCxnSpPr>
-          <p:cNvPr id="59" name="直接连接符 58">
-            <a:extLst>
-              <a:ext uri="{FF2B5EF4-FFF2-40B4-BE49-F238E27FC236}">
-                <a16:creationId xmlns:a16="http://schemas.microsoft.com/office/drawing/2014/main" id="{554D8D14-D48D-45F6-89A6-634C964B8AE8}"/>
+          <p:cNvPr id="9" name="直接连接符 8">
+            <a:extLst>
+              <a:ext uri="{FF2B5EF4-FFF2-40B4-BE49-F238E27FC236}">
+                <a16:creationId xmlns:a16="http://schemas.microsoft.com/office/drawing/2014/main" id="{E50FDFEA-C91C-4CBB-8B1A-1E2155BC3C6E}"/>
               </a:ext>
             </a:extLst>
           </p:cNvPr>
@@ -4514,14 +4510,14 @@
           <p:nvPr/>
         </p:nvCxnSpPr>
         <p:spPr>
-          <a:xfrm>
-            <a:off x="4446593" y="2845455"/>
-            <a:ext cx="1005840" cy="0"/>
+          <a:xfrm flipV="1">
+            <a:off x="3480588" y="2668081"/>
+            <a:ext cx="612317" cy="526835"/>
           </a:xfrm>
           <a:prstGeom prst="line">
             <a:avLst/>
           </a:prstGeom>
-          <a:ln w="9525" cap="flat" cmpd="sng" algn="ctr">
+          <a:ln w="15875" cap="flat" cmpd="sng" algn="ctr">
             <a:solidFill>
               <a:schemeClr val="accent3"/>
             </a:solidFill>
@@ -4548,10 +4544,10 @@
       </p:cxnSp>
       <p:cxnSp>
         <p:nvCxnSpPr>
-          <p:cNvPr id="62" name="直接连接符 61">
-            <a:extLst>
-              <a:ext uri="{FF2B5EF4-FFF2-40B4-BE49-F238E27FC236}">
-                <a16:creationId xmlns:a16="http://schemas.microsoft.com/office/drawing/2014/main" id="{71513585-2402-4773-B202-B5A94B9B4E68}"/>
+          <p:cNvPr id="12" name="直接连接符 11">
+            <a:extLst>
+              <a:ext uri="{FF2B5EF4-FFF2-40B4-BE49-F238E27FC236}">
+                <a16:creationId xmlns:a16="http://schemas.microsoft.com/office/drawing/2014/main" id="{93F5C06D-A311-41BC-9EFE-BBEDA2D820B8}"/>
               </a:ext>
             </a:extLst>
           </p:cNvPr>
@@ -4562,13 +4558,13 @@
         </p:nvCxnSpPr>
         <p:spPr>
           <a:xfrm>
-            <a:off x="4430504" y="2972943"/>
-            <a:ext cx="1005840" cy="0"/>
+            <a:off x="3480588" y="4015966"/>
+            <a:ext cx="612317" cy="540670"/>
           </a:xfrm>
           <a:prstGeom prst="line">
             <a:avLst/>
           </a:prstGeom>
-          <a:ln w="9525" cap="flat" cmpd="sng" algn="ctr">
+          <a:ln w="15875" cap="flat" cmpd="sng" algn="ctr">
             <a:solidFill>
               <a:schemeClr val="accent3"/>
             </a:solidFill>
@@ -4593,336 +4589,12 @@
           </a:fontRef>
         </p:style>
       </p:cxnSp>
-      <p:cxnSp>
-        <p:nvCxnSpPr>
-          <p:cNvPr id="83" name="直接连接符 82">
-            <a:extLst>
-              <a:ext uri="{FF2B5EF4-FFF2-40B4-BE49-F238E27FC236}">
-                <a16:creationId xmlns:a16="http://schemas.microsoft.com/office/drawing/2014/main" id="{2B1DA2A3-4ED3-4440-94B7-BBD22FB36479}"/>
-              </a:ext>
-            </a:extLst>
-          </p:cNvPr>
-          <p:cNvCxnSpPr>
-            <a:cxnSpLocks/>
-          </p:cNvCxnSpPr>
-          <p:nvPr/>
-        </p:nvCxnSpPr>
-        <p:spPr>
-          <a:xfrm flipH="1" flipV="1">
-            <a:off x="4026176" y="2608640"/>
-            <a:ext cx="401941" cy="237926"/>
-          </a:xfrm>
-          <a:prstGeom prst="line">
-            <a:avLst/>
-          </a:prstGeom>
-          <a:ln w="9525" cap="flat" cmpd="sng" algn="ctr">
-            <a:solidFill>
-              <a:schemeClr val="accent3"/>
-            </a:solidFill>
-            <a:prstDash val="dash"/>
-            <a:round/>
-            <a:headEnd type="none" w="med" len="med"/>
-            <a:tailEnd type="none" w="med" len="med"/>
-          </a:ln>
-        </p:spPr>
-        <p:style>
-          <a:lnRef idx="0">
-            <a:scrgbClr r="0" g="0" b="0"/>
-          </a:lnRef>
-          <a:fillRef idx="0">
-            <a:scrgbClr r="0" g="0" b="0"/>
-          </a:fillRef>
-          <a:effectRef idx="0">
-            <a:scrgbClr r="0" g="0" b="0"/>
-          </a:effectRef>
-          <a:fontRef idx="minor">
-            <a:schemeClr val="tx1"/>
-          </a:fontRef>
-        </p:style>
-      </p:cxnSp>
-      <p:cxnSp>
-        <p:nvCxnSpPr>
-          <p:cNvPr id="86" name="直接连接符 85">
-            <a:extLst>
-              <a:ext uri="{FF2B5EF4-FFF2-40B4-BE49-F238E27FC236}">
-                <a16:creationId xmlns:a16="http://schemas.microsoft.com/office/drawing/2014/main" id="{1DDB23F1-BC13-4F76-9BE4-AB93E1600A98}"/>
-              </a:ext>
-            </a:extLst>
-          </p:cNvPr>
-          <p:cNvCxnSpPr>
-            <a:cxnSpLocks/>
-          </p:cNvCxnSpPr>
-          <p:nvPr/>
-        </p:nvCxnSpPr>
-        <p:spPr>
-          <a:xfrm flipH="1">
-            <a:off x="4015020" y="2983113"/>
-            <a:ext cx="401940" cy="234636"/>
-          </a:xfrm>
-          <a:prstGeom prst="line">
-            <a:avLst/>
-          </a:prstGeom>
-          <a:ln w="9525" cap="flat" cmpd="sng" algn="ctr">
-            <a:solidFill>
-              <a:schemeClr val="accent3"/>
-            </a:solidFill>
-            <a:prstDash val="dash"/>
-            <a:round/>
-            <a:headEnd type="none" w="med" len="med"/>
-            <a:tailEnd type="none" w="med" len="med"/>
-          </a:ln>
-        </p:spPr>
-        <p:style>
-          <a:lnRef idx="0">
-            <a:scrgbClr r="0" g="0" b="0"/>
-          </a:lnRef>
-          <a:fillRef idx="0">
-            <a:scrgbClr r="0" g="0" b="0"/>
-          </a:fillRef>
-          <a:effectRef idx="0">
-            <a:scrgbClr r="0" g="0" b="0"/>
-          </a:effectRef>
-          <a:fontRef idx="minor">
-            <a:schemeClr val="tx1"/>
-          </a:fontRef>
-        </p:style>
-      </p:cxnSp>
-      <p:grpSp>
-        <p:nvGrpSpPr>
-          <p:cNvPr id="2" name="组合 1">
-            <a:extLst>
-              <a:ext uri="{FF2B5EF4-FFF2-40B4-BE49-F238E27FC236}">
-                <a16:creationId xmlns:a16="http://schemas.microsoft.com/office/drawing/2014/main" id="{27F55BD7-3A86-4956-AF09-20859B128EF3}"/>
-              </a:ext>
-            </a:extLst>
-          </p:cNvPr>
-          <p:cNvGrpSpPr/>
-          <p:nvPr/>
-        </p:nvGrpSpPr>
-        <p:grpSpPr>
-          <a:xfrm>
-            <a:off x="6671347" y="2757732"/>
-            <a:ext cx="1036967" cy="181106"/>
-            <a:chOff x="7629546" y="1277590"/>
-            <a:chExt cx="1036967" cy="181106"/>
-          </a:xfrm>
-        </p:grpSpPr>
-        <p:cxnSp>
-          <p:nvCxnSpPr>
-            <p:cNvPr id="35" name="直接连接符 34">
-              <a:extLst>
-                <a:ext uri="{FF2B5EF4-FFF2-40B4-BE49-F238E27FC236}">
-                  <a16:creationId xmlns:a16="http://schemas.microsoft.com/office/drawing/2014/main" id="{04DA63C9-5B8F-4153-8FCE-50B415E39115}"/>
-                </a:ext>
-              </a:extLst>
-            </p:cNvPr>
-            <p:cNvCxnSpPr>
-              <a:cxnSpLocks/>
-            </p:cNvCxnSpPr>
-            <p:nvPr/>
-          </p:nvCxnSpPr>
-          <p:spPr>
-            <a:xfrm flipH="1" flipV="1">
-              <a:off x="7629546" y="1457636"/>
-              <a:ext cx="685800" cy="1060"/>
-            </a:xfrm>
-            <a:prstGeom prst="line">
-              <a:avLst/>
-            </a:prstGeom>
-            <a:ln w="9525" cap="flat" cmpd="sng" algn="ctr">
-              <a:solidFill>
-                <a:schemeClr val="accent3"/>
-              </a:solidFill>
-              <a:prstDash val="dash"/>
-              <a:round/>
-              <a:headEnd type="none" w="med" len="med"/>
-              <a:tailEnd type="none" w="med" len="med"/>
-            </a:ln>
-          </p:spPr>
-          <p:style>
-            <a:lnRef idx="0">
-              <a:scrgbClr r="0" g="0" b="0"/>
-            </a:lnRef>
-            <a:fillRef idx="0">
-              <a:scrgbClr r="0" g="0" b="0"/>
-            </a:fillRef>
-            <a:effectRef idx="0">
-              <a:scrgbClr r="0" g="0" b="0"/>
-            </a:effectRef>
-            <a:fontRef idx="minor">
-              <a:schemeClr val="tx1"/>
-            </a:fontRef>
-          </p:style>
-        </p:cxnSp>
-        <p:cxnSp>
-          <p:nvCxnSpPr>
-            <p:cNvPr id="9" name="直接连接符 8">
-              <a:extLst>
-                <a:ext uri="{FF2B5EF4-FFF2-40B4-BE49-F238E27FC236}">
-                  <a16:creationId xmlns:a16="http://schemas.microsoft.com/office/drawing/2014/main" id="{E50FDFEA-C91C-4CBB-8B1A-1E2155BC3C6E}"/>
-                </a:ext>
-              </a:extLst>
-            </p:cNvPr>
-            <p:cNvCxnSpPr>
-              <a:cxnSpLocks/>
-            </p:cNvCxnSpPr>
-            <p:nvPr/>
-          </p:nvCxnSpPr>
-          <p:spPr>
-            <a:xfrm flipV="1">
-              <a:off x="8332659" y="1277590"/>
-              <a:ext cx="333854" cy="174432"/>
-            </a:xfrm>
-            <a:prstGeom prst="line">
-              <a:avLst/>
-            </a:prstGeom>
-            <a:ln w="9525" cap="flat" cmpd="sng" algn="ctr">
-              <a:solidFill>
-                <a:schemeClr val="accent3"/>
-              </a:solidFill>
-              <a:prstDash val="dash"/>
-              <a:round/>
-              <a:headEnd type="none" w="med" len="med"/>
-              <a:tailEnd type="none" w="med" len="med"/>
-            </a:ln>
-          </p:spPr>
-          <p:style>
-            <a:lnRef idx="0">
-              <a:scrgbClr r="0" g="0" b="0"/>
-            </a:lnRef>
-            <a:fillRef idx="0">
-              <a:scrgbClr r="0" g="0" b="0"/>
-            </a:fillRef>
-            <a:effectRef idx="0">
-              <a:scrgbClr r="0" g="0" b="0"/>
-            </a:effectRef>
-            <a:fontRef idx="minor">
-              <a:schemeClr val="tx1"/>
-            </a:fontRef>
-          </p:style>
-        </p:cxnSp>
-      </p:grpSp>
-      <p:grpSp>
-        <p:nvGrpSpPr>
-          <p:cNvPr id="6" name="组合 5">
-            <a:extLst>
-              <a:ext uri="{FF2B5EF4-FFF2-40B4-BE49-F238E27FC236}">
-                <a16:creationId xmlns:a16="http://schemas.microsoft.com/office/drawing/2014/main" id="{064F0356-A47A-437B-9DE4-7F81737288D8}"/>
-              </a:ext>
-            </a:extLst>
-          </p:cNvPr>
-          <p:cNvGrpSpPr/>
-          <p:nvPr/>
-        </p:nvGrpSpPr>
-        <p:grpSpPr>
-          <a:xfrm>
-            <a:off x="6686739" y="3350513"/>
-            <a:ext cx="1037666" cy="178053"/>
-            <a:chOff x="7628847" y="2971819"/>
-            <a:chExt cx="1037666" cy="178053"/>
-          </a:xfrm>
-        </p:grpSpPr>
-        <p:cxnSp>
-          <p:nvCxnSpPr>
-            <p:cNvPr id="34" name="直接连接符 33">
-              <a:extLst>
-                <a:ext uri="{FF2B5EF4-FFF2-40B4-BE49-F238E27FC236}">
-                  <a16:creationId xmlns:a16="http://schemas.microsoft.com/office/drawing/2014/main" id="{E0D34733-893D-4133-BE32-E61C91883171}"/>
-                </a:ext>
-              </a:extLst>
-            </p:cNvPr>
-            <p:cNvCxnSpPr>
-              <a:cxnSpLocks/>
-            </p:cNvCxnSpPr>
-            <p:nvPr/>
-          </p:nvCxnSpPr>
-          <p:spPr>
-            <a:xfrm flipH="1" flipV="1">
-              <a:off x="7628847" y="2971819"/>
-              <a:ext cx="685800" cy="1060"/>
-            </a:xfrm>
-            <a:prstGeom prst="line">
-              <a:avLst/>
-            </a:prstGeom>
-            <a:ln w="9525" cap="flat" cmpd="sng" algn="ctr">
-              <a:solidFill>
-                <a:schemeClr val="accent3"/>
-              </a:solidFill>
-              <a:prstDash val="dash"/>
-              <a:round/>
-              <a:headEnd type="none" w="med" len="med"/>
-              <a:tailEnd type="none" w="med" len="med"/>
-            </a:ln>
-          </p:spPr>
-          <p:style>
-            <a:lnRef idx="0">
-              <a:scrgbClr r="0" g="0" b="0"/>
-            </a:lnRef>
-            <a:fillRef idx="0">
-              <a:scrgbClr r="0" g="0" b="0"/>
-            </a:fillRef>
-            <a:effectRef idx="0">
-              <a:scrgbClr r="0" g="0" b="0"/>
-            </a:effectRef>
-            <a:fontRef idx="minor">
-              <a:schemeClr val="tx1"/>
-            </a:fontRef>
-          </p:style>
-        </p:cxnSp>
-        <p:cxnSp>
-          <p:nvCxnSpPr>
-            <p:cNvPr id="12" name="直接连接符 11">
-              <a:extLst>
-                <a:ext uri="{FF2B5EF4-FFF2-40B4-BE49-F238E27FC236}">
-                  <a16:creationId xmlns:a16="http://schemas.microsoft.com/office/drawing/2014/main" id="{93F5C06D-A311-41BC-9EFE-BBEDA2D820B8}"/>
-                </a:ext>
-              </a:extLst>
-            </p:cNvPr>
-            <p:cNvCxnSpPr>
-              <a:cxnSpLocks/>
-            </p:cNvCxnSpPr>
-            <p:nvPr/>
-          </p:nvCxnSpPr>
-          <p:spPr>
-            <a:xfrm>
-              <a:off x="8332659" y="2975441"/>
-              <a:ext cx="333854" cy="174431"/>
-            </a:xfrm>
-            <a:prstGeom prst="line">
-              <a:avLst/>
-            </a:prstGeom>
-            <a:ln w="9525" cap="flat" cmpd="sng" algn="ctr">
-              <a:solidFill>
-                <a:schemeClr val="accent3"/>
-              </a:solidFill>
-              <a:prstDash val="dash"/>
-              <a:round/>
-              <a:headEnd type="none" w="med" len="med"/>
-              <a:tailEnd type="none" w="med" len="med"/>
-            </a:ln>
-          </p:spPr>
-          <p:style>
-            <a:lnRef idx="0">
-              <a:scrgbClr r="0" g="0" b="0"/>
-            </a:lnRef>
-            <a:fillRef idx="0">
-              <a:scrgbClr r="0" g="0" b="0"/>
-            </a:fillRef>
-            <a:effectRef idx="0">
-              <a:scrgbClr r="0" g="0" b="0"/>
-            </a:effectRef>
-            <a:fontRef idx="minor">
-              <a:schemeClr val="tx1"/>
-            </a:fontRef>
-          </p:style>
-        </p:cxnSp>
-      </p:grpSp>
-      <p:sp>
-        <p:nvSpPr>
-          <p:cNvPr id="24" name="文本框 23">
-            <a:extLst>
-              <a:ext uri="{FF2B5EF4-FFF2-40B4-BE49-F238E27FC236}">
-                <a16:creationId xmlns:a16="http://schemas.microsoft.com/office/drawing/2014/main" id="{EFB58E41-699A-4C28-8C80-E1F67080B05B}"/>
+      <p:sp>
+        <p:nvSpPr>
+          <p:cNvPr id="8" name="文本框 7">
+            <a:extLst>
+              <a:ext uri="{FF2B5EF4-FFF2-40B4-BE49-F238E27FC236}">
+                <a16:creationId xmlns:a16="http://schemas.microsoft.com/office/drawing/2014/main" id="{F13649A9-23B8-4A93-9ED9-37F1269453D3}"/>
               </a:ext>
             </a:extLst>
           </p:cNvPr>
@@ -4931,8 +4603,8 @@
         </p:nvSpPr>
         <p:spPr>
           <a:xfrm>
-            <a:off x="3186067" y="3393773"/>
-            <a:ext cx="1014857" cy="707886"/>
+            <a:off x="4092905" y="1387167"/>
+            <a:ext cx="7528614" cy="707886"/>
           </a:xfrm>
           <a:prstGeom prst="rect">
             <a:avLst/>
@@ -4952,8 +4624,9 @@
                     <a:lumMod val="75000"/>
                   </a:schemeClr>
                 </a:solidFill>
+                <a:cs typeface="+mn-ea"/>
               </a:rPr>
-              <a:t>    I2C</a:t>
+              <a:t>Four location address inputs simplify mapping of</a:t>
             </a:r>
           </a:p>
           <a:p>
@@ -4964,6 +4637,977 @@
                     <a:lumMod val="75000"/>
                   </a:schemeClr>
                 </a:solidFill>
+                <a:cs typeface="+mn-ea"/>
+              </a:rPr>
+              <a:t>individual units to specific locations. </a:t>
+            </a:r>
+          </a:p>
+        </p:txBody>
+      </p:sp>
+      <p:sp>
+        <p:nvSpPr>
+          <p:cNvPr id="26" name="矩形 25">
+            <a:extLst>
+              <a:ext uri="{FF2B5EF4-FFF2-40B4-BE49-F238E27FC236}">
+                <a16:creationId xmlns:a16="http://schemas.microsoft.com/office/drawing/2014/main" id="{AFAF42A5-3FBF-4476-8E19-D6F9C880190B}"/>
+              </a:ext>
+            </a:extLst>
+          </p:cNvPr>
+          <p:cNvSpPr/>
+          <p:nvPr/>
+        </p:nvSpPr>
+        <p:spPr>
+          <a:xfrm>
+            <a:off x="4454726" y="2742020"/>
+            <a:ext cx="323423" cy="161925"/>
+          </a:xfrm>
+          <a:prstGeom prst="rect">
+            <a:avLst/>
+          </a:prstGeom>
+          <a:solidFill>
+            <a:schemeClr val="bg2">
+              <a:lumMod val="50000"/>
+            </a:schemeClr>
+          </a:solidFill>
+          <a:ln>
+            <a:solidFill>
+              <a:schemeClr val="bg2">
+                <a:lumMod val="50000"/>
+              </a:schemeClr>
+            </a:solidFill>
+          </a:ln>
+        </p:spPr>
+        <p:style>
+          <a:lnRef idx="2">
+            <a:schemeClr val="accent1">
+              <a:shade val="50000"/>
+            </a:schemeClr>
+          </a:lnRef>
+          <a:fillRef idx="1">
+            <a:schemeClr val="accent1"/>
+          </a:fillRef>
+          <a:effectRef idx="0">
+            <a:schemeClr val="accent1"/>
+          </a:effectRef>
+          <a:fontRef idx="minor">
+            <a:schemeClr val="lt1"/>
+          </a:fontRef>
+        </p:style>
+        <p:txBody>
+          <a:bodyPr rtlCol="0" anchor="ctr"/>
+          <a:lstStyle/>
+          <a:p>
+            <a:pPr algn="ctr"/>
+            <a:endParaRPr lang="en-US">
+              <a:cs typeface="+mn-ea"/>
+            </a:endParaRPr>
+          </a:p>
+        </p:txBody>
+      </p:sp>
+      <p:sp>
+        <p:nvSpPr>
+          <p:cNvPr id="76" name="矩形 75">
+            <a:extLst>
+              <a:ext uri="{FF2B5EF4-FFF2-40B4-BE49-F238E27FC236}">
+                <a16:creationId xmlns:a16="http://schemas.microsoft.com/office/drawing/2014/main" id="{EB8D5846-56FB-4402-807C-90D8DE237869}"/>
+              </a:ext>
+            </a:extLst>
+          </p:cNvPr>
+          <p:cNvSpPr/>
+          <p:nvPr/>
+        </p:nvSpPr>
+        <p:spPr>
+          <a:xfrm>
+            <a:off x="5216171" y="2626008"/>
+            <a:ext cx="381409" cy="393951"/>
+          </a:xfrm>
+          <a:prstGeom prst="rect">
+            <a:avLst/>
+          </a:prstGeom>
+          <a:solidFill>
+            <a:srgbClr val="C00000"/>
+          </a:solidFill>
+          <a:ln>
+            <a:solidFill>
+              <a:srgbClr val="C00000"/>
+            </a:solidFill>
+          </a:ln>
+        </p:spPr>
+        <p:style>
+          <a:lnRef idx="2">
+            <a:schemeClr val="accent1">
+              <a:shade val="50000"/>
+            </a:schemeClr>
+          </a:lnRef>
+          <a:fillRef idx="1">
+            <a:schemeClr val="accent1"/>
+          </a:fillRef>
+          <a:effectRef idx="0">
+            <a:schemeClr val="accent1"/>
+          </a:effectRef>
+          <a:fontRef idx="minor">
+            <a:schemeClr val="lt1"/>
+          </a:fontRef>
+        </p:style>
+        <p:txBody>
+          <a:bodyPr rtlCol="0" anchor="ctr"/>
+          <a:lstStyle/>
+          <a:p>
+            <a:pPr algn="ctr"/>
+            <a:endParaRPr lang="en-US">
+              <a:cs typeface="+mn-ea"/>
+            </a:endParaRPr>
+          </a:p>
+        </p:txBody>
+      </p:sp>
+      <p:sp>
+        <p:nvSpPr>
+          <p:cNvPr id="77" name="矩形 76">
+            <a:extLst>
+              <a:ext uri="{FF2B5EF4-FFF2-40B4-BE49-F238E27FC236}">
+                <a16:creationId xmlns:a16="http://schemas.microsoft.com/office/drawing/2014/main" id="{CD5CF8C5-3E98-4D32-91A8-FE5DBED497C1}"/>
+              </a:ext>
+            </a:extLst>
+          </p:cNvPr>
+          <p:cNvSpPr/>
+          <p:nvPr/>
+        </p:nvSpPr>
+        <p:spPr>
+          <a:xfrm>
+            <a:off x="5216171" y="3649281"/>
+            <a:ext cx="381409" cy="393951"/>
+          </a:xfrm>
+          <a:prstGeom prst="rect">
+            <a:avLst/>
+          </a:prstGeom>
+          <a:solidFill>
+            <a:srgbClr val="C00000"/>
+          </a:solidFill>
+          <a:ln>
+            <a:solidFill>
+              <a:srgbClr val="C00000"/>
+            </a:solidFill>
+          </a:ln>
+        </p:spPr>
+        <p:style>
+          <a:lnRef idx="2">
+            <a:schemeClr val="accent1">
+              <a:shade val="50000"/>
+            </a:schemeClr>
+          </a:lnRef>
+          <a:fillRef idx="1">
+            <a:schemeClr val="accent1"/>
+          </a:fillRef>
+          <a:effectRef idx="0">
+            <a:schemeClr val="accent1"/>
+          </a:effectRef>
+          <a:fontRef idx="minor">
+            <a:schemeClr val="lt1"/>
+          </a:fontRef>
+        </p:style>
+        <p:txBody>
+          <a:bodyPr rtlCol="0" anchor="ctr"/>
+          <a:lstStyle/>
+          <a:p>
+            <a:pPr algn="ctr"/>
+            <a:endParaRPr lang="en-US">
+              <a:cs typeface="+mn-ea"/>
+            </a:endParaRPr>
+          </a:p>
+        </p:txBody>
+      </p:sp>
+      <p:sp>
+        <p:nvSpPr>
+          <p:cNvPr id="78" name="矩形 77">
+            <a:extLst>
+              <a:ext uri="{FF2B5EF4-FFF2-40B4-BE49-F238E27FC236}">
+                <a16:creationId xmlns:a16="http://schemas.microsoft.com/office/drawing/2014/main" id="{64ED2BA5-51F2-404B-9617-28154965EF1D}"/>
+              </a:ext>
+            </a:extLst>
+          </p:cNvPr>
+          <p:cNvSpPr/>
+          <p:nvPr/>
+        </p:nvSpPr>
+        <p:spPr>
+          <a:xfrm>
+            <a:off x="5216171" y="3135877"/>
+            <a:ext cx="381409" cy="393951"/>
+          </a:xfrm>
+          <a:prstGeom prst="rect">
+            <a:avLst/>
+          </a:prstGeom>
+          <a:solidFill>
+            <a:srgbClr val="C00000"/>
+          </a:solidFill>
+          <a:ln>
+            <a:solidFill>
+              <a:srgbClr val="C00000"/>
+            </a:solidFill>
+          </a:ln>
+        </p:spPr>
+        <p:style>
+          <a:lnRef idx="2">
+            <a:schemeClr val="accent1">
+              <a:shade val="50000"/>
+            </a:schemeClr>
+          </a:lnRef>
+          <a:fillRef idx="1">
+            <a:schemeClr val="accent1"/>
+          </a:fillRef>
+          <a:effectRef idx="0">
+            <a:schemeClr val="accent1"/>
+          </a:effectRef>
+          <a:fontRef idx="minor">
+            <a:schemeClr val="lt1"/>
+          </a:fontRef>
+        </p:style>
+        <p:txBody>
+          <a:bodyPr rtlCol="0" anchor="ctr"/>
+          <a:lstStyle/>
+          <a:p>
+            <a:pPr algn="ctr"/>
+            <a:endParaRPr lang="en-US">
+              <a:cs typeface="+mn-ea"/>
+            </a:endParaRPr>
+          </a:p>
+        </p:txBody>
+      </p:sp>
+      <p:sp>
+        <p:nvSpPr>
+          <p:cNvPr id="79" name="矩形 78">
+            <a:extLst>
+              <a:ext uri="{FF2B5EF4-FFF2-40B4-BE49-F238E27FC236}">
+                <a16:creationId xmlns:a16="http://schemas.microsoft.com/office/drawing/2014/main" id="{95A84F38-017D-48D2-93FF-31C60DE7F353}"/>
+              </a:ext>
+            </a:extLst>
+          </p:cNvPr>
+          <p:cNvSpPr/>
+          <p:nvPr/>
+        </p:nvSpPr>
+        <p:spPr>
+          <a:xfrm>
+            <a:off x="5216170" y="4162685"/>
+            <a:ext cx="381409" cy="393951"/>
+          </a:xfrm>
+          <a:prstGeom prst="rect">
+            <a:avLst/>
+          </a:prstGeom>
+          <a:solidFill>
+            <a:srgbClr val="C00000"/>
+          </a:solidFill>
+          <a:ln>
+            <a:solidFill>
+              <a:srgbClr val="C00000"/>
+            </a:solidFill>
+          </a:ln>
+        </p:spPr>
+        <p:style>
+          <a:lnRef idx="2">
+            <a:schemeClr val="accent1">
+              <a:shade val="50000"/>
+            </a:schemeClr>
+          </a:lnRef>
+          <a:fillRef idx="1">
+            <a:schemeClr val="accent1"/>
+          </a:fillRef>
+          <a:effectRef idx="0">
+            <a:schemeClr val="accent1"/>
+          </a:effectRef>
+          <a:fontRef idx="minor">
+            <a:schemeClr val="lt1"/>
+          </a:fontRef>
+        </p:style>
+        <p:txBody>
+          <a:bodyPr rtlCol="0" anchor="ctr"/>
+          <a:lstStyle/>
+          <a:p>
+            <a:pPr algn="ctr"/>
+            <a:endParaRPr lang="en-US">
+              <a:cs typeface="+mn-ea"/>
+            </a:endParaRPr>
+          </a:p>
+        </p:txBody>
+      </p:sp>
+      <p:sp>
+        <p:nvSpPr>
+          <p:cNvPr id="16" name="矩形 15">
+            <a:extLst>
+              <a:ext uri="{FF2B5EF4-FFF2-40B4-BE49-F238E27FC236}">
+                <a16:creationId xmlns:a16="http://schemas.microsoft.com/office/drawing/2014/main" id="{F0E5F74B-7208-46C6-A15A-99B8C5A942F7}"/>
+              </a:ext>
+            </a:extLst>
+          </p:cNvPr>
+          <p:cNvSpPr/>
+          <p:nvPr/>
+        </p:nvSpPr>
+        <p:spPr>
+          <a:xfrm>
+            <a:off x="4092906" y="2626008"/>
+            <a:ext cx="381409" cy="393951"/>
+          </a:xfrm>
+          <a:prstGeom prst="rect">
+            <a:avLst/>
+          </a:prstGeom>
+          <a:solidFill>
+            <a:schemeClr val="tx1"/>
+          </a:solidFill>
+          <a:ln>
+            <a:solidFill>
+              <a:schemeClr val="tx1"/>
+            </a:solidFill>
+          </a:ln>
+        </p:spPr>
+        <p:style>
+          <a:lnRef idx="2">
+            <a:schemeClr val="accent1">
+              <a:shade val="50000"/>
+            </a:schemeClr>
+          </a:lnRef>
+          <a:fillRef idx="1">
+            <a:schemeClr val="accent1"/>
+          </a:fillRef>
+          <a:effectRef idx="0">
+            <a:schemeClr val="accent1"/>
+          </a:effectRef>
+          <a:fontRef idx="minor">
+            <a:schemeClr val="lt1"/>
+          </a:fontRef>
+        </p:style>
+        <p:txBody>
+          <a:bodyPr rtlCol="0" anchor="ctr"/>
+          <a:lstStyle/>
+          <a:p>
+            <a:pPr algn="ctr"/>
+            <a:endParaRPr lang="en-US">
+              <a:cs typeface="+mn-ea"/>
+            </a:endParaRPr>
+          </a:p>
+        </p:txBody>
+      </p:sp>
+      <p:sp>
+        <p:nvSpPr>
+          <p:cNvPr id="80" name="矩形 79">
+            <a:extLst>
+              <a:ext uri="{FF2B5EF4-FFF2-40B4-BE49-F238E27FC236}">
+                <a16:creationId xmlns:a16="http://schemas.microsoft.com/office/drawing/2014/main" id="{CA09E401-1355-4758-8BE1-A5103FC1FA2D}"/>
+              </a:ext>
+            </a:extLst>
+          </p:cNvPr>
+          <p:cNvSpPr/>
+          <p:nvPr/>
+        </p:nvSpPr>
+        <p:spPr>
+          <a:xfrm>
+            <a:off x="4419320" y="3253273"/>
+            <a:ext cx="323423" cy="161925"/>
+          </a:xfrm>
+          <a:prstGeom prst="rect">
+            <a:avLst/>
+          </a:prstGeom>
+          <a:solidFill>
+            <a:schemeClr val="bg2">
+              <a:lumMod val="50000"/>
+            </a:schemeClr>
+          </a:solidFill>
+          <a:ln>
+            <a:solidFill>
+              <a:schemeClr val="bg2">
+                <a:lumMod val="50000"/>
+              </a:schemeClr>
+            </a:solidFill>
+          </a:ln>
+        </p:spPr>
+        <p:style>
+          <a:lnRef idx="2">
+            <a:schemeClr val="accent1">
+              <a:shade val="50000"/>
+            </a:schemeClr>
+          </a:lnRef>
+          <a:fillRef idx="1">
+            <a:schemeClr val="accent1"/>
+          </a:fillRef>
+          <a:effectRef idx="0">
+            <a:schemeClr val="accent1"/>
+          </a:effectRef>
+          <a:fontRef idx="minor">
+            <a:schemeClr val="lt1"/>
+          </a:fontRef>
+        </p:style>
+        <p:txBody>
+          <a:bodyPr rtlCol="0" anchor="ctr"/>
+          <a:lstStyle/>
+          <a:p>
+            <a:pPr algn="ctr"/>
+            <a:endParaRPr lang="en-US">
+              <a:cs typeface="+mn-ea"/>
+            </a:endParaRPr>
+          </a:p>
+        </p:txBody>
+      </p:sp>
+      <p:sp>
+        <p:nvSpPr>
+          <p:cNvPr id="42" name="矩形 41">
+            <a:extLst>
+              <a:ext uri="{FF2B5EF4-FFF2-40B4-BE49-F238E27FC236}">
+                <a16:creationId xmlns:a16="http://schemas.microsoft.com/office/drawing/2014/main" id="{80F8AEA3-949B-45F0-A840-7D1F73B5123A}"/>
+              </a:ext>
+            </a:extLst>
+          </p:cNvPr>
+          <p:cNvSpPr/>
+          <p:nvPr/>
+        </p:nvSpPr>
+        <p:spPr>
+          <a:xfrm>
+            <a:off x="4092906" y="3135877"/>
+            <a:ext cx="381409" cy="393951"/>
+          </a:xfrm>
+          <a:prstGeom prst="rect">
+            <a:avLst/>
+          </a:prstGeom>
+          <a:solidFill>
+            <a:schemeClr val="tx1"/>
+          </a:solidFill>
+          <a:ln>
+            <a:solidFill>
+              <a:schemeClr val="tx1"/>
+            </a:solidFill>
+          </a:ln>
+        </p:spPr>
+        <p:style>
+          <a:lnRef idx="2">
+            <a:schemeClr val="accent1">
+              <a:shade val="50000"/>
+            </a:schemeClr>
+          </a:lnRef>
+          <a:fillRef idx="1">
+            <a:schemeClr val="accent1"/>
+          </a:fillRef>
+          <a:effectRef idx="0">
+            <a:schemeClr val="accent1"/>
+          </a:effectRef>
+          <a:fontRef idx="minor">
+            <a:schemeClr val="lt1"/>
+          </a:fontRef>
+        </p:style>
+        <p:txBody>
+          <a:bodyPr rtlCol="0" anchor="ctr"/>
+          <a:lstStyle/>
+          <a:p>
+            <a:pPr algn="ctr"/>
+            <a:endParaRPr lang="en-US">
+              <a:cs typeface="+mn-ea"/>
+            </a:endParaRPr>
+          </a:p>
+        </p:txBody>
+      </p:sp>
+      <p:sp>
+        <p:nvSpPr>
+          <p:cNvPr id="72" name="矩形 71">
+            <a:extLst>
+              <a:ext uri="{FF2B5EF4-FFF2-40B4-BE49-F238E27FC236}">
+                <a16:creationId xmlns:a16="http://schemas.microsoft.com/office/drawing/2014/main" id="{26C31412-70D6-437E-970B-7EE44F160A21}"/>
+              </a:ext>
+            </a:extLst>
+          </p:cNvPr>
+          <p:cNvSpPr/>
+          <p:nvPr/>
+        </p:nvSpPr>
+        <p:spPr>
+          <a:xfrm>
+            <a:off x="4654539" y="2626008"/>
+            <a:ext cx="381409" cy="393951"/>
+          </a:xfrm>
+          <a:prstGeom prst="rect">
+            <a:avLst/>
+          </a:prstGeom>
+          <a:solidFill>
+            <a:schemeClr val="bg2">
+              <a:lumMod val="50000"/>
+            </a:schemeClr>
+          </a:solidFill>
+          <a:ln>
+            <a:solidFill>
+              <a:schemeClr val="bg2">
+                <a:lumMod val="50000"/>
+              </a:schemeClr>
+            </a:solidFill>
+          </a:ln>
+        </p:spPr>
+        <p:style>
+          <a:lnRef idx="2">
+            <a:schemeClr val="accent1">
+              <a:shade val="50000"/>
+            </a:schemeClr>
+          </a:lnRef>
+          <a:fillRef idx="1">
+            <a:schemeClr val="accent1"/>
+          </a:fillRef>
+          <a:effectRef idx="0">
+            <a:schemeClr val="accent1"/>
+          </a:effectRef>
+          <a:fontRef idx="minor">
+            <a:schemeClr val="lt1"/>
+          </a:fontRef>
+        </p:style>
+        <p:txBody>
+          <a:bodyPr rtlCol="0" anchor="ctr"/>
+          <a:lstStyle/>
+          <a:p>
+            <a:pPr algn="ctr"/>
+            <a:endParaRPr lang="en-US">
+              <a:cs typeface="+mn-ea"/>
+            </a:endParaRPr>
+          </a:p>
+        </p:txBody>
+      </p:sp>
+      <p:sp>
+        <p:nvSpPr>
+          <p:cNvPr id="73" name="矩形 72">
+            <a:extLst>
+              <a:ext uri="{FF2B5EF4-FFF2-40B4-BE49-F238E27FC236}">
+                <a16:creationId xmlns:a16="http://schemas.microsoft.com/office/drawing/2014/main" id="{1F29374A-88FD-41CC-96F1-8E92D354334F}"/>
+              </a:ext>
+            </a:extLst>
+          </p:cNvPr>
+          <p:cNvSpPr/>
+          <p:nvPr/>
+        </p:nvSpPr>
+        <p:spPr>
+          <a:xfrm>
+            <a:off x="4654539" y="3649281"/>
+            <a:ext cx="381409" cy="393951"/>
+          </a:xfrm>
+          <a:prstGeom prst="rect">
+            <a:avLst/>
+          </a:prstGeom>
+          <a:solidFill>
+            <a:schemeClr val="bg2">
+              <a:lumMod val="50000"/>
+            </a:schemeClr>
+          </a:solidFill>
+          <a:ln>
+            <a:solidFill>
+              <a:schemeClr val="bg2">
+                <a:lumMod val="50000"/>
+              </a:schemeClr>
+            </a:solidFill>
+          </a:ln>
+        </p:spPr>
+        <p:style>
+          <a:lnRef idx="2">
+            <a:schemeClr val="accent1">
+              <a:shade val="50000"/>
+            </a:schemeClr>
+          </a:lnRef>
+          <a:fillRef idx="1">
+            <a:schemeClr val="accent1"/>
+          </a:fillRef>
+          <a:effectRef idx="0">
+            <a:schemeClr val="accent1"/>
+          </a:effectRef>
+          <a:fontRef idx="minor">
+            <a:schemeClr val="lt1"/>
+          </a:fontRef>
+        </p:style>
+        <p:txBody>
+          <a:bodyPr rtlCol="0" anchor="ctr"/>
+          <a:lstStyle/>
+          <a:p>
+            <a:pPr algn="ctr"/>
+            <a:endParaRPr lang="en-US">
+              <a:cs typeface="+mn-ea"/>
+            </a:endParaRPr>
+          </a:p>
+        </p:txBody>
+      </p:sp>
+      <p:sp>
+        <p:nvSpPr>
+          <p:cNvPr id="74" name="矩形 73">
+            <a:extLst>
+              <a:ext uri="{FF2B5EF4-FFF2-40B4-BE49-F238E27FC236}">
+                <a16:creationId xmlns:a16="http://schemas.microsoft.com/office/drawing/2014/main" id="{F5E7D2F5-EA8E-4EEA-BA1F-C51F7C8D8145}"/>
+              </a:ext>
+            </a:extLst>
+          </p:cNvPr>
+          <p:cNvSpPr/>
+          <p:nvPr/>
+        </p:nvSpPr>
+        <p:spPr>
+          <a:xfrm>
+            <a:off x="4654539" y="3135877"/>
+            <a:ext cx="381409" cy="393951"/>
+          </a:xfrm>
+          <a:prstGeom prst="rect">
+            <a:avLst/>
+          </a:prstGeom>
+          <a:solidFill>
+            <a:schemeClr val="bg2">
+              <a:lumMod val="50000"/>
+            </a:schemeClr>
+          </a:solidFill>
+          <a:ln>
+            <a:solidFill>
+              <a:schemeClr val="bg2">
+                <a:lumMod val="50000"/>
+              </a:schemeClr>
+            </a:solidFill>
+          </a:ln>
+        </p:spPr>
+        <p:style>
+          <a:lnRef idx="2">
+            <a:schemeClr val="accent1">
+              <a:shade val="50000"/>
+            </a:schemeClr>
+          </a:lnRef>
+          <a:fillRef idx="1">
+            <a:schemeClr val="accent1"/>
+          </a:fillRef>
+          <a:effectRef idx="0">
+            <a:schemeClr val="accent1"/>
+          </a:effectRef>
+          <a:fontRef idx="minor">
+            <a:schemeClr val="lt1"/>
+          </a:fontRef>
+        </p:style>
+        <p:txBody>
+          <a:bodyPr rtlCol="0" anchor="ctr"/>
+          <a:lstStyle/>
+          <a:p>
+            <a:pPr algn="ctr"/>
+            <a:endParaRPr lang="en-US">
+              <a:cs typeface="+mn-ea"/>
+            </a:endParaRPr>
+          </a:p>
+        </p:txBody>
+      </p:sp>
+      <p:sp>
+        <p:nvSpPr>
+          <p:cNvPr id="75" name="矩形 74">
+            <a:extLst>
+              <a:ext uri="{FF2B5EF4-FFF2-40B4-BE49-F238E27FC236}">
+                <a16:creationId xmlns:a16="http://schemas.microsoft.com/office/drawing/2014/main" id="{8AE46937-FB74-438D-8C87-351781DFD0A9}"/>
+              </a:ext>
+            </a:extLst>
+          </p:cNvPr>
+          <p:cNvSpPr/>
+          <p:nvPr/>
+        </p:nvSpPr>
+        <p:spPr>
+          <a:xfrm>
+            <a:off x="4654538" y="4162685"/>
+            <a:ext cx="381409" cy="393951"/>
+          </a:xfrm>
+          <a:prstGeom prst="rect">
+            <a:avLst/>
+          </a:prstGeom>
+          <a:solidFill>
+            <a:schemeClr val="bg2">
+              <a:lumMod val="50000"/>
+            </a:schemeClr>
+          </a:solidFill>
+          <a:ln>
+            <a:solidFill>
+              <a:schemeClr val="bg2">
+                <a:lumMod val="50000"/>
+              </a:schemeClr>
+            </a:solidFill>
+          </a:ln>
+        </p:spPr>
+        <p:style>
+          <a:lnRef idx="2">
+            <a:schemeClr val="accent1">
+              <a:shade val="50000"/>
+            </a:schemeClr>
+          </a:lnRef>
+          <a:fillRef idx="1">
+            <a:schemeClr val="accent1"/>
+          </a:fillRef>
+          <a:effectRef idx="0">
+            <a:schemeClr val="accent1"/>
+          </a:effectRef>
+          <a:fontRef idx="minor">
+            <a:schemeClr val="lt1"/>
+          </a:fontRef>
+        </p:style>
+        <p:txBody>
+          <a:bodyPr rtlCol="0" anchor="ctr"/>
+          <a:lstStyle/>
+          <a:p>
+            <a:pPr algn="ctr"/>
+            <a:endParaRPr lang="en-US">
+              <a:cs typeface="+mn-ea"/>
+            </a:endParaRPr>
+          </a:p>
+        </p:txBody>
+      </p:sp>
+      <p:sp>
+        <p:nvSpPr>
+          <p:cNvPr id="81" name="矩形 80">
+            <a:extLst>
+              <a:ext uri="{FF2B5EF4-FFF2-40B4-BE49-F238E27FC236}">
+                <a16:creationId xmlns:a16="http://schemas.microsoft.com/office/drawing/2014/main" id="{87F9914F-B279-4EC7-966D-00B4700A1ACE}"/>
+              </a:ext>
+            </a:extLst>
+          </p:cNvPr>
+          <p:cNvSpPr/>
+          <p:nvPr/>
+        </p:nvSpPr>
+        <p:spPr>
+          <a:xfrm>
+            <a:off x="4442218" y="3766767"/>
+            <a:ext cx="323423" cy="161925"/>
+          </a:xfrm>
+          <a:prstGeom prst="rect">
+            <a:avLst/>
+          </a:prstGeom>
+          <a:solidFill>
+            <a:schemeClr val="bg2">
+              <a:lumMod val="50000"/>
+            </a:schemeClr>
+          </a:solidFill>
+          <a:ln>
+            <a:solidFill>
+              <a:schemeClr val="bg2">
+                <a:lumMod val="50000"/>
+              </a:schemeClr>
+            </a:solidFill>
+          </a:ln>
+        </p:spPr>
+        <p:style>
+          <a:lnRef idx="2">
+            <a:schemeClr val="accent1">
+              <a:shade val="50000"/>
+            </a:schemeClr>
+          </a:lnRef>
+          <a:fillRef idx="1">
+            <a:schemeClr val="accent1"/>
+          </a:fillRef>
+          <a:effectRef idx="0">
+            <a:schemeClr val="accent1"/>
+          </a:effectRef>
+          <a:fontRef idx="minor">
+            <a:schemeClr val="lt1"/>
+          </a:fontRef>
+        </p:style>
+        <p:txBody>
+          <a:bodyPr rtlCol="0" anchor="ctr"/>
+          <a:lstStyle/>
+          <a:p>
+            <a:pPr algn="ctr"/>
+            <a:endParaRPr lang="en-US">
+              <a:cs typeface="+mn-ea"/>
+            </a:endParaRPr>
+          </a:p>
+        </p:txBody>
+      </p:sp>
+      <p:sp>
+        <p:nvSpPr>
+          <p:cNvPr id="82" name="矩形 81">
+            <a:extLst>
+              <a:ext uri="{FF2B5EF4-FFF2-40B4-BE49-F238E27FC236}">
+                <a16:creationId xmlns:a16="http://schemas.microsoft.com/office/drawing/2014/main" id="{182A3143-25D2-43EA-896F-09EE9033ED14}"/>
+              </a:ext>
+            </a:extLst>
+          </p:cNvPr>
+          <p:cNvSpPr/>
+          <p:nvPr/>
+        </p:nvSpPr>
+        <p:spPr>
+          <a:xfrm>
+            <a:off x="4471331" y="4282717"/>
+            <a:ext cx="323423" cy="161925"/>
+          </a:xfrm>
+          <a:prstGeom prst="rect">
+            <a:avLst/>
+          </a:prstGeom>
+          <a:solidFill>
+            <a:schemeClr val="bg2">
+              <a:lumMod val="50000"/>
+            </a:schemeClr>
+          </a:solidFill>
+          <a:ln>
+            <a:solidFill>
+              <a:schemeClr val="bg2">
+                <a:lumMod val="50000"/>
+              </a:schemeClr>
+            </a:solidFill>
+          </a:ln>
+        </p:spPr>
+        <p:style>
+          <a:lnRef idx="2">
+            <a:schemeClr val="accent1">
+              <a:shade val="50000"/>
+            </a:schemeClr>
+          </a:lnRef>
+          <a:fillRef idx="1">
+            <a:schemeClr val="accent1"/>
+          </a:fillRef>
+          <a:effectRef idx="0">
+            <a:schemeClr val="accent1"/>
+          </a:effectRef>
+          <a:fontRef idx="minor">
+            <a:schemeClr val="lt1"/>
+          </a:fontRef>
+        </p:style>
+        <p:txBody>
+          <a:bodyPr rtlCol="0" anchor="ctr"/>
+          <a:lstStyle/>
+          <a:p>
+            <a:pPr algn="ctr"/>
+            <a:endParaRPr lang="en-US">
+              <a:cs typeface="+mn-ea"/>
+            </a:endParaRPr>
+          </a:p>
+        </p:txBody>
+      </p:sp>
+      <p:sp>
+        <p:nvSpPr>
+          <p:cNvPr id="41" name="矩形 40">
+            <a:extLst>
+              <a:ext uri="{FF2B5EF4-FFF2-40B4-BE49-F238E27FC236}">
+                <a16:creationId xmlns:a16="http://schemas.microsoft.com/office/drawing/2014/main" id="{0E91F68D-7380-4EB7-8401-A49839589FC2}"/>
+              </a:ext>
+            </a:extLst>
+          </p:cNvPr>
+          <p:cNvSpPr/>
+          <p:nvPr/>
+        </p:nvSpPr>
+        <p:spPr>
+          <a:xfrm>
+            <a:off x="4092906" y="3649281"/>
+            <a:ext cx="381409" cy="393951"/>
+          </a:xfrm>
+          <a:prstGeom prst="rect">
+            <a:avLst/>
+          </a:prstGeom>
+          <a:solidFill>
+            <a:schemeClr val="tx1"/>
+          </a:solidFill>
+          <a:ln>
+            <a:solidFill>
+              <a:schemeClr val="tx1"/>
+            </a:solidFill>
+          </a:ln>
+        </p:spPr>
+        <p:style>
+          <a:lnRef idx="2">
+            <a:schemeClr val="accent1">
+              <a:shade val="50000"/>
+            </a:schemeClr>
+          </a:lnRef>
+          <a:fillRef idx="1">
+            <a:schemeClr val="accent1"/>
+          </a:fillRef>
+          <a:effectRef idx="0">
+            <a:schemeClr val="accent1"/>
+          </a:effectRef>
+          <a:fontRef idx="minor">
+            <a:schemeClr val="lt1"/>
+          </a:fontRef>
+        </p:style>
+        <p:txBody>
+          <a:bodyPr rtlCol="0" anchor="ctr"/>
+          <a:lstStyle/>
+          <a:p>
+            <a:pPr algn="ctr"/>
+            <a:endParaRPr lang="en-US">
+              <a:cs typeface="+mn-ea"/>
+            </a:endParaRPr>
+          </a:p>
+        </p:txBody>
+      </p:sp>
+      <p:sp>
+        <p:nvSpPr>
+          <p:cNvPr id="71" name="矩形 70">
+            <a:extLst>
+              <a:ext uri="{FF2B5EF4-FFF2-40B4-BE49-F238E27FC236}">
+                <a16:creationId xmlns:a16="http://schemas.microsoft.com/office/drawing/2014/main" id="{23CB8A7A-4D8F-4649-93AD-07DF29189B64}"/>
+              </a:ext>
+            </a:extLst>
+          </p:cNvPr>
+          <p:cNvSpPr/>
+          <p:nvPr/>
+        </p:nvSpPr>
+        <p:spPr>
+          <a:xfrm>
+            <a:off x="4092905" y="4162685"/>
+            <a:ext cx="381409" cy="393951"/>
+          </a:xfrm>
+          <a:prstGeom prst="rect">
+            <a:avLst/>
+          </a:prstGeom>
+          <a:solidFill>
+            <a:schemeClr val="tx1"/>
+          </a:solidFill>
+          <a:ln>
+            <a:solidFill>
+              <a:schemeClr val="tx1"/>
+            </a:solidFill>
+          </a:ln>
+        </p:spPr>
+        <p:style>
+          <a:lnRef idx="2">
+            <a:schemeClr val="accent1">
+              <a:shade val="50000"/>
+            </a:schemeClr>
+          </a:lnRef>
+          <a:fillRef idx="1">
+            <a:schemeClr val="accent1"/>
+          </a:fillRef>
+          <a:effectRef idx="0">
+            <a:schemeClr val="accent1"/>
+          </a:effectRef>
+          <a:fontRef idx="minor">
+            <a:schemeClr val="lt1"/>
+          </a:fontRef>
+        </p:style>
+        <p:txBody>
+          <a:bodyPr rtlCol="0" anchor="ctr"/>
+          <a:lstStyle/>
+          <a:p>
+            <a:pPr algn="ctr"/>
+            <a:endParaRPr lang="en-US">
+              <a:cs typeface="+mn-ea"/>
+            </a:endParaRPr>
+          </a:p>
+        </p:txBody>
+      </p:sp>
+      <p:sp>
+        <p:nvSpPr>
+          <p:cNvPr id="84" name="文本框 83">
+            <a:extLst>
+              <a:ext uri="{FF2B5EF4-FFF2-40B4-BE49-F238E27FC236}">
+                <a16:creationId xmlns:a16="http://schemas.microsoft.com/office/drawing/2014/main" id="{9DE1107A-7FA2-45B3-B45E-A9D840FEE8C4}"/>
+              </a:ext>
+            </a:extLst>
+          </p:cNvPr>
+          <p:cNvSpPr txBox="1"/>
+          <p:nvPr/>
+        </p:nvSpPr>
+        <p:spPr>
+          <a:xfrm>
+            <a:off x="3978605" y="4765284"/>
+            <a:ext cx="2803195" cy="707886"/>
+          </a:xfrm>
+          <a:prstGeom prst="rect">
+            <a:avLst/>
+          </a:prstGeom>
+          <a:noFill/>
+        </p:spPr>
+        <p:txBody>
+          <a:bodyPr wrap="square" rtlCol="0">
+            <a:spAutoFit/>
+          </a:bodyPr>
+          <a:lstStyle/>
+          <a:p>
+            <a:r>
+              <a:rPr lang="en-US" sz="2000" b="1">
+                <a:solidFill>
+                  <a:schemeClr val="bg1">
+                    <a:lumMod val="75000"/>
+                  </a:schemeClr>
+                </a:solidFill>
+                <a:cs typeface="+mn-ea"/>
               </a:rPr>
               <a:t>D</a:t>
             </a:r>
@@ -4974,8 +5618,9 @@
                     <a:lumMod val="75000"/>
                   </a:schemeClr>
                 </a:solidFill>
+                <a:cs typeface="+mn-ea"/>
               </a:rPr>
-              <a:t>efault</a:t>
+              <a:t>efault location address 0000</a:t>
             </a:r>
             <a:endParaRPr lang="en-US" sz="2000" b="1">
               <a:solidFill>
@@ -4983,16 +5628,17 @@
                   <a:lumMod val="75000"/>
                 </a:schemeClr>
               </a:solidFill>
+              <a:cs typeface="+mn-ea"/>
             </a:endParaRPr>
           </a:p>
         </p:txBody>
       </p:sp>
       <p:sp>
         <p:nvSpPr>
-          <p:cNvPr id="50" name="文本框 49">
-            <a:extLst>
-              <a:ext uri="{FF2B5EF4-FFF2-40B4-BE49-F238E27FC236}">
-                <a16:creationId xmlns:a16="http://schemas.microsoft.com/office/drawing/2014/main" id="{C1EB85B0-4D6D-4D91-A91A-09CDA81C04E0}"/>
+          <p:cNvPr id="27" name="文本框 26">
+            <a:extLst>
+              <a:ext uri="{FF2B5EF4-FFF2-40B4-BE49-F238E27FC236}">
+                <a16:creationId xmlns:a16="http://schemas.microsoft.com/office/drawing/2014/main" id="{C8FE3C87-049E-4FB6-AE78-F075EA23A97E}"/>
               </a:ext>
             </a:extLst>
           </p:cNvPr>
@@ -5001,8 +5647,8 @@
         </p:nvSpPr>
         <p:spPr>
           <a:xfrm>
-            <a:off x="6183857" y="4053256"/>
-            <a:ext cx="511679" cy="400110"/>
+            <a:off x="5750781" y="2626008"/>
+            <a:ext cx="3331361" cy="400110"/>
           </a:xfrm>
           <a:prstGeom prst="rect">
             <a:avLst/>
@@ -5022,410 +5668,19 @@
                     <a:lumMod val="75000"/>
                   </a:schemeClr>
                 </a:solidFill>
+                <a:cs typeface="+mn-ea"/>
               </a:rPr>
-              <a:t>SPI</a:t>
-            </a:r>
-          </a:p>
-        </p:txBody>
-      </p:sp>
-      <p:sp>
-        <p:nvSpPr>
-          <p:cNvPr id="7" name="矩形 6">
-            <a:extLst>
-              <a:ext uri="{FF2B5EF4-FFF2-40B4-BE49-F238E27FC236}">
-                <a16:creationId xmlns:a16="http://schemas.microsoft.com/office/drawing/2014/main" id="{A568C91A-04F5-415C-B3DA-1B843FF7ED3F}"/>
-              </a:ext>
-            </a:extLst>
-          </p:cNvPr>
-          <p:cNvSpPr/>
-          <p:nvPr/>
-        </p:nvSpPr>
-        <p:spPr>
-          <a:xfrm>
-            <a:off x="7819879" y="2680244"/>
-            <a:ext cx="536289" cy="249381"/>
-          </a:xfrm>
-          <a:prstGeom prst="rect">
-            <a:avLst/>
-          </a:prstGeom>
-          <a:ln>
-            <a:noFill/>
-          </a:ln>
-        </p:spPr>
-        <p:style>
-          <a:lnRef idx="2">
-            <a:schemeClr val="accent3">
-              <a:shade val="50000"/>
-            </a:schemeClr>
-          </a:lnRef>
-          <a:fillRef idx="1">
-            <a:schemeClr val="accent3"/>
-          </a:fillRef>
-          <a:effectRef idx="0">
-            <a:schemeClr val="accent3"/>
-          </a:effectRef>
-          <a:fontRef idx="minor">
-            <a:schemeClr val="lt1"/>
-          </a:fontRef>
-        </p:style>
-        <p:txBody>
-          <a:bodyPr rtlCol="0" anchor="ctr"/>
-          <a:lstStyle/>
-          <a:p>
-            <a:pPr algn="ctr"/>
-            <a:endParaRPr lang="en-US"/>
-          </a:p>
-        </p:txBody>
-      </p:sp>
-      <p:sp>
-        <p:nvSpPr>
-          <p:cNvPr id="48" name="矩形 47">
-            <a:extLst>
-              <a:ext uri="{FF2B5EF4-FFF2-40B4-BE49-F238E27FC236}">
-                <a16:creationId xmlns:a16="http://schemas.microsoft.com/office/drawing/2014/main" id="{7D00CF00-14A2-4C33-A83B-D1A92A99BAAE}"/>
-              </a:ext>
-            </a:extLst>
-          </p:cNvPr>
-          <p:cNvSpPr/>
-          <p:nvPr/>
-        </p:nvSpPr>
-        <p:spPr>
-          <a:xfrm>
-            <a:off x="7819879" y="3036068"/>
-            <a:ext cx="536289" cy="249381"/>
-          </a:xfrm>
-          <a:prstGeom prst="rect">
-            <a:avLst/>
-          </a:prstGeom>
-          <a:ln>
-            <a:noFill/>
-          </a:ln>
-        </p:spPr>
-        <p:style>
-          <a:lnRef idx="2">
-            <a:schemeClr val="accent3">
-              <a:shade val="50000"/>
-            </a:schemeClr>
-          </a:lnRef>
-          <a:fillRef idx="1">
-            <a:schemeClr val="accent3"/>
-          </a:fillRef>
-          <a:effectRef idx="0">
-            <a:schemeClr val="accent3"/>
-          </a:effectRef>
-          <a:fontRef idx="minor">
-            <a:schemeClr val="lt1"/>
-          </a:fontRef>
-        </p:style>
-        <p:txBody>
-          <a:bodyPr rtlCol="0" anchor="ctr"/>
-          <a:lstStyle/>
-          <a:p>
-            <a:pPr algn="ctr"/>
-            <a:endParaRPr lang="en-US"/>
-          </a:p>
-        </p:txBody>
-      </p:sp>
-      <p:sp>
-        <p:nvSpPr>
-          <p:cNvPr id="49" name="矩形 48">
-            <a:extLst>
-              <a:ext uri="{FF2B5EF4-FFF2-40B4-BE49-F238E27FC236}">
-                <a16:creationId xmlns:a16="http://schemas.microsoft.com/office/drawing/2014/main" id="{4B2526B3-7571-424F-B32D-1B6A64631AE9}"/>
-              </a:ext>
-            </a:extLst>
-          </p:cNvPr>
-          <p:cNvSpPr/>
-          <p:nvPr/>
-        </p:nvSpPr>
-        <p:spPr>
-          <a:xfrm>
-            <a:off x="7819879" y="3391892"/>
-            <a:ext cx="536289" cy="249381"/>
-          </a:xfrm>
-          <a:prstGeom prst="rect">
-            <a:avLst/>
-          </a:prstGeom>
-          <a:ln>
-            <a:noFill/>
-          </a:ln>
-        </p:spPr>
-        <p:style>
-          <a:lnRef idx="2">
-            <a:schemeClr val="accent3">
-              <a:shade val="50000"/>
-            </a:schemeClr>
-          </a:lnRef>
-          <a:fillRef idx="1">
-            <a:schemeClr val="accent3"/>
-          </a:fillRef>
-          <a:effectRef idx="0">
-            <a:schemeClr val="accent3"/>
-          </a:effectRef>
-          <a:fontRef idx="minor">
-            <a:schemeClr val="lt1"/>
-          </a:fontRef>
-        </p:style>
-        <p:txBody>
-          <a:bodyPr rtlCol="0" anchor="ctr"/>
-          <a:lstStyle/>
-          <a:p>
-            <a:pPr algn="ctr"/>
-            <a:endParaRPr lang="en-US"/>
-          </a:p>
-        </p:txBody>
-      </p:sp>
-      <p:sp>
-        <p:nvSpPr>
-          <p:cNvPr id="51" name="矩形 50">
-            <a:extLst>
-              <a:ext uri="{FF2B5EF4-FFF2-40B4-BE49-F238E27FC236}">
-                <a16:creationId xmlns:a16="http://schemas.microsoft.com/office/drawing/2014/main" id="{486C5EC8-B193-4CD8-B8B5-D08755207025}"/>
-              </a:ext>
-            </a:extLst>
-          </p:cNvPr>
-          <p:cNvSpPr/>
-          <p:nvPr/>
-        </p:nvSpPr>
-        <p:spPr>
-          <a:xfrm>
-            <a:off x="8003525" y="3225822"/>
-            <a:ext cx="168996" cy="249381"/>
-          </a:xfrm>
-          <a:prstGeom prst="rect">
-            <a:avLst/>
-          </a:prstGeom>
-          <a:ln>
-            <a:noFill/>
-          </a:ln>
-        </p:spPr>
-        <p:style>
-          <a:lnRef idx="2">
-            <a:schemeClr val="accent3">
-              <a:shade val="50000"/>
-            </a:schemeClr>
-          </a:lnRef>
-          <a:fillRef idx="1">
-            <a:schemeClr val="accent3"/>
-          </a:fillRef>
-          <a:effectRef idx="0">
-            <a:schemeClr val="accent3"/>
-          </a:effectRef>
-          <a:fontRef idx="minor">
-            <a:schemeClr val="lt1"/>
-          </a:fontRef>
-        </p:style>
-        <p:txBody>
-          <a:bodyPr rtlCol="0" anchor="ctr"/>
-          <a:lstStyle/>
-          <a:p>
-            <a:pPr algn="ctr"/>
-            <a:endParaRPr lang="en-US"/>
-          </a:p>
-        </p:txBody>
-      </p:sp>
-      <p:sp>
-        <p:nvSpPr>
-          <p:cNvPr id="52" name="矩形 51">
-            <a:extLst>
-              <a:ext uri="{FF2B5EF4-FFF2-40B4-BE49-F238E27FC236}">
-                <a16:creationId xmlns:a16="http://schemas.microsoft.com/office/drawing/2014/main" id="{09672E4F-91A2-421E-BC36-DE4402C30000}"/>
-              </a:ext>
-            </a:extLst>
-          </p:cNvPr>
-          <p:cNvSpPr/>
-          <p:nvPr/>
-        </p:nvSpPr>
-        <p:spPr>
-          <a:xfrm>
-            <a:off x="8568732" y="2680244"/>
-            <a:ext cx="536289" cy="249381"/>
-          </a:xfrm>
-          <a:prstGeom prst="rect">
-            <a:avLst/>
-          </a:prstGeom>
-          <a:ln>
-            <a:noFill/>
-          </a:ln>
-        </p:spPr>
-        <p:style>
-          <a:lnRef idx="2">
-            <a:schemeClr val="accent3">
-              <a:shade val="50000"/>
-            </a:schemeClr>
-          </a:lnRef>
-          <a:fillRef idx="1">
-            <a:schemeClr val="accent3"/>
-          </a:fillRef>
-          <a:effectRef idx="0">
-            <a:schemeClr val="accent3"/>
-          </a:effectRef>
-          <a:fontRef idx="minor">
-            <a:schemeClr val="lt1"/>
-          </a:fontRef>
-        </p:style>
-        <p:txBody>
-          <a:bodyPr rtlCol="0" anchor="ctr"/>
-          <a:lstStyle/>
-          <a:p>
-            <a:pPr algn="ctr"/>
-            <a:endParaRPr lang="en-US"/>
-          </a:p>
-        </p:txBody>
-      </p:sp>
-      <p:sp>
-        <p:nvSpPr>
-          <p:cNvPr id="53" name="矩形 52">
-            <a:extLst>
-              <a:ext uri="{FF2B5EF4-FFF2-40B4-BE49-F238E27FC236}">
-                <a16:creationId xmlns:a16="http://schemas.microsoft.com/office/drawing/2014/main" id="{335C78CC-C358-45F1-A0DC-6E44A1499C2F}"/>
-              </a:ext>
-            </a:extLst>
-          </p:cNvPr>
-          <p:cNvSpPr/>
-          <p:nvPr/>
-        </p:nvSpPr>
-        <p:spPr>
-          <a:xfrm>
-            <a:off x="8568732" y="3036068"/>
-            <a:ext cx="536289" cy="249381"/>
-          </a:xfrm>
-          <a:prstGeom prst="rect">
-            <a:avLst/>
-          </a:prstGeom>
-          <a:ln>
-            <a:noFill/>
-          </a:ln>
-        </p:spPr>
-        <p:style>
-          <a:lnRef idx="2">
-            <a:schemeClr val="accent3">
-              <a:shade val="50000"/>
-            </a:schemeClr>
-          </a:lnRef>
-          <a:fillRef idx="1">
-            <a:schemeClr val="accent3"/>
-          </a:fillRef>
-          <a:effectRef idx="0">
-            <a:schemeClr val="accent3"/>
-          </a:effectRef>
-          <a:fontRef idx="minor">
-            <a:schemeClr val="lt1"/>
-          </a:fontRef>
-        </p:style>
-        <p:txBody>
-          <a:bodyPr rtlCol="0" anchor="ctr"/>
-          <a:lstStyle/>
-          <a:p>
-            <a:pPr algn="ctr"/>
-            <a:endParaRPr lang="en-US"/>
-          </a:p>
-        </p:txBody>
-      </p:sp>
-      <p:sp>
-        <p:nvSpPr>
-          <p:cNvPr id="54" name="矩形 53">
-            <a:extLst>
-              <a:ext uri="{FF2B5EF4-FFF2-40B4-BE49-F238E27FC236}">
-                <a16:creationId xmlns:a16="http://schemas.microsoft.com/office/drawing/2014/main" id="{414D4CE3-FF7D-4FE2-A8DA-1F633DDA1DAC}"/>
-              </a:ext>
-            </a:extLst>
-          </p:cNvPr>
-          <p:cNvSpPr/>
-          <p:nvPr/>
-        </p:nvSpPr>
-        <p:spPr>
-          <a:xfrm>
-            <a:off x="8568732" y="3391892"/>
-            <a:ext cx="536289" cy="249381"/>
-          </a:xfrm>
-          <a:prstGeom prst="rect">
-            <a:avLst/>
-          </a:prstGeom>
-          <a:ln>
-            <a:noFill/>
-          </a:ln>
-        </p:spPr>
-        <p:style>
-          <a:lnRef idx="2">
-            <a:schemeClr val="accent3">
-              <a:shade val="50000"/>
-            </a:schemeClr>
-          </a:lnRef>
-          <a:fillRef idx="1">
-            <a:schemeClr val="accent3"/>
-          </a:fillRef>
-          <a:effectRef idx="0">
-            <a:schemeClr val="accent3"/>
-          </a:effectRef>
-          <a:fontRef idx="minor">
-            <a:schemeClr val="lt1"/>
-          </a:fontRef>
-        </p:style>
-        <p:txBody>
-          <a:bodyPr rtlCol="0" anchor="ctr"/>
-          <a:lstStyle/>
-          <a:p>
-            <a:pPr algn="ctr"/>
-            <a:endParaRPr lang="en-US"/>
-          </a:p>
-        </p:txBody>
-      </p:sp>
-      <p:sp>
-        <p:nvSpPr>
-          <p:cNvPr id="55" name="矩形 54">
-            <a:extLst>
-              <a:ext uri="{FF2B5EF4-FFF2-40B4-BE49-F238E27FC236}">
-                <a16:creationId xmlns:a16="http://schemas.microsoft.com/office/drawing/2014/main" id="{5FC77FFD-48D2-4B6E-9D0D-BF93114F9BE8}"/>
-              </a:ext>
-            </a:extLst>
-          </p:cNvPr>
-          <p:cNvSpPr/>
-          <p:nvPr/>
-        </p:nvSpPr>
-        <p:spPr>
-          <a:xfrm>
-            <a:off x="8734375" y="2862751"/>
-            <a:ext cx="168996" cy="249381"/>
-          </a:xfrm>
-          <a:prstGeom prst="rect">
-            <a:avLst/>
-          </a:prstGeom>
-          <a:ln>
-            <a:noFill/>
-          </a:ln>
-        </p:spPr>
-        <p:style>
-          <a:lnRef idx="2">
-            <a:schemeClr val="accent3">
-              <a:shade val="50000"/>
-            </a:schemeClr>
-          </a:lnRef>
-          <a:fillRef idx="1">
-            <a:schemeClr val="accent3"/>
-          </a:fillRef>
-          <a:effectRef idx="0">
-            <a:schemeClr val="accent3"/>
-          </a:effectRef>
-          <a:fontRef idx="minor">
-            <a:schemeClr val="lt1"/>
-          </a:fontRef>
-        </p:style>
-        <p:txBody>
-          <a:bodyPr rtlCol="0" anchor="ctr"/>
-          <a:lstStyle/>
-          <a:p>
-            <a:pPr algn="ctr"/>
-            <a:endParaRPr lang="en-US"/>
-          </a:p>
-        </p:txBody>
-      </p:sp>
-      <p:sp>
-        <p:nvSpPr>
-          <p:cNvPr id="8" name="文本框 7">
-            <a:extLst>
-              <a:ext uri="{FF2B5EF4-FFF2-40B4-BE49-F238E27FC236}">
-                <a16:creationId xmlns:a16="http://schemas.microsoft.com/office/drawing/2014/main" id="{F13649A9-23B8-4A93-9ED9-37F1269453D3}"/>
+              <a:t>AD0(Least Significant Bit)</a:t>
+            </a:r>
+          </a:p>
+        </p:txBody>
+      </p:sp>
+      <p:sp>
+        <p:nvSpPr>
+          <p:cNvPr id="85" name="文本框 84">
+            <a:extLst>
+              <a:ext uri="{FF2B5EF4-FFF2-40B4-BE49-F238E27FC236}">
+                <a16:creationId xmlns:a16="http://schemas.microsoft.com/office/drawing/2014/main" id="{0AADF08A-7F11-4344-AA7C-AB68C91F0033}"/>
               </a:ext>
             </a:extLst>
           </p:cNvPr>
@@ -5434,8 +5689,8 @@
         </p:nvSpPr>
         <p:spPr>
           <a:xfrm>
-            <a:off x="7649640" y="3747716"/>
-            <a:ext cx="1025089" cy="707886"/>
+            <a:off x="5750781" y="3182778"/>
+            <a:ext cx="699230" cy="400110"/>
           </a:xfrm>
           <a:prstGeom prst="rect">
             <a:avLst/>
@@ -5455,10 +5710,40 @@
                     <a:lumMod val="75000"/>
                   </a:schemeClr>
                 </a:solidFill>
+                <a:cs typeface="+mn-ea"/>
               </a:rPr>
-              <a:t>  0x76</a:t>
-            </a:r>
-          </a:p>
+              <a:t>AD1</a:t>
+            </a:r>
+          </a:p>
+        </p:txBody>
+      </p:sp>
+      <p:sp>
+        <p:nvSpPr>
+          <p:cNvPr id="87" name="文本框 86">
+            <a:extLst>
+              <a:ext uri="{FF2B5EF4-FFF2-40B4-BE49-F238E27FC236}">
+                <a16:creationId xmlns:a16="http://schemas.microsoft.com/office/drawing/2014/main" id="{1EFD9630-87C8-43B4-836F-BEDBA863C623}"/>
+              </a:ext>
+            </a:extLst>
+          </p:cNvPr>
+          <p:cNvSpPr txBox="1"/>
+          <p:nvPr/>
+        </p:nvSpPr>
+        <p:spPr>
+          <a:xfrm>
+            <a:off x="5750780" y="3692567"/>
+            <a:ext cx="699230" cy="400110"/>
+          </a:xfrm>
+          <a:prstGeom prst="rect">
+            <a:avLst/>
+          </a:prstGeom>
+          <a:noFill/>
+        </p:spPr>
+        <p:txBody>
+          <a:bodyPr wrap="none" rtlCol="0">
+            <a:spAutoFit/>
+          </a:bodyPr>
+          <a:lstStyle/>
           <a:p>
             <a:r>
               <a:rPr lang="en-US" sz="2000" b="1">
@@ -5467,18 +5752,19 @@
                     <a:lumMod val="75000"/>
                   </a:schemeClr>
                 </a:solidFill>
+                <a:cs typeface="+mn-ea"/>
               </a:rPr>
-              <a:t>Default </a:t>
-            </a:r>
-          </a:p>
-        </p:txBody>
-      </p:sp>
-      <p:sp>
-        <p:nvSpPr>
-          <p:cNvPr id="56" name="文本框 55">
-            <a:extLst>
-              <a:ext uri="{FF2B5EF4-FFF2-40B4-BE49-F238E27FC236}">
-                <a16:creationId xmlns:a16="http://schemas.microsoft.com/office/drawing/2014/main" id="{57FB1E9E-AE29-41F1-8DBF-78803ACE9A6B}"/>
+              <a:t>AD2</a:t>
+            </a:r>
+          </a:p>
+        </p:txBody>
+      </p:sp>
+      <p:sp>
+        <p:nvSpPr>
+          <p:cNvPr id="88" name="文本框 87">
+            <a:extLst>
+              <a:ext uri="{FF2B5EF4-FFF2-40B4-BE49-F238E27FC236}">
+                <a16:creationId xmlns:a16="http://schemas.microsoft.com/office/drawing/2014/main" id="{7470FFE0-7F5E-46D3-BF8B-5FCDBB1A9DBE}"/>
               </a:ext>
             </a:extLst>
           </p:cNvPr>
@@ -5487,8 +5773,8 @@
         </p:nvSpPr>
         <p:spPr>
           <a:xfrm>
-            <a:off x="8447185" y="3747716"/>
-            <a:ext cx="865943" cy="400110"/>
+            <a:off x="5766079" y="4197212"/>
+            <a:ext cx="3259226" cy="400110"/>
           </a:xfrm>
           <a:prstGeom prst="rect">
             <a:avLst/>
@@ -5508,315 +5794,9 @@
                     <a:lumMod val="75000"/>
                   </a:schemeClr>
                 </a:solidFill>
+                <a:cs typeface="+mn-ea"/>
               </a:rPr>
-              <a:t>  0x77 </a:t>
-            </a:r>
-          </a:p>
-        </p:txBody>
-      </p:sp>
-      <p:grpSp>
-        <p:nvGrpSpPr>
-          <p:cNvPr id="10" name="组合 9">
-            <a:extLst>
-              <a:ext uri="{FF2B5EF4-FFF2-40B4-BE49-F238E27FC236}">
-                <a16:creationId xmlns:a16="http://schemas.microsoft.com/office/drawing/2014/main" id="{864797F7-35F3-4675-B014-5D5448EAC336}"/>
-              </a:ext>
-            </a:extLst>
-          </p:cNvPr>
-          <p:cNvGrpSpPr/>
-          <p:nvPr/>
-        </p:nvGrpSpPr>
-        <p:grpSpPr>
-          <a:xfrm>
-            <a:off x="2681749" y="2621779"/>
-            <a:ext cx="1284325" cy="605206"/>
-            <a:chOff x="1975956" y="2422240"/>
-            <a:chExt cx="1284325" cy="605206"/>
-          </a:xfrm>
-        </p:grpSpPr>
-        <p:sp>
-          <p:nvSpPr>
-            <p:cNvPr id="57" name="矩形 56">
-              <a:extLst>
-                <a:ext uri="{FF2B5EF4-FFF2-40B4-BE49-F238E27FC236}">
-                  <a16:creationId xmlns:a16="http://schemas.microsoft.com/office/drawing/2014/main" id="{CDDB2EC9-1773-4C9C-8322-E1903F66D0B7}"/>
-                </a:ext>
-              </a:extLst>
-            </p:cNvPr>
-            <p:cNvSpPr/>
-            <p:nvPr/>
-          </p:nvSpPr>
-          <p:spPr>
-            <a:xfrm>
-              <a:off x="2723992" y="2422241"/>
-              <a:ext cx="536289" cy="249381"/>
-            </a:xfrm>
-            <a:prstGeom prst="rect">
-              <a:avLst/>
-            </a:prstGeom>
-            <a:ln>
-              <a:noFill/>
-            </a:ln>
-          </p:spPr>
-          <p:style>
-            <a:lnRef idx="2">
-              <a:schemeClr val="accent3">
-                <a:shade val="50000"/>
-              </a:schemeClr>
-            </a:lnRef>
-            <a:fillRef idx="1">
-              <a:schemeClr val="accent3"/>
-            </a:fillRef>
-            <a:effectRef idx="0">
-              <a:schemeClr val="accent3"/>
-            </a:effectRef>
-            <a:fontRef idx="minor">
-              <a:schemeClr val="lt1"/>
-            </a:fontRef>
-          </p:style>
-          <p:txBody>
-            <a:bodyPr rtlCol="0" anchor="ctr"/>
-            <a:lstStyle/>
-            <a:p>
-              <a:pPr algn="ctr"/>
-              <a:endParaRPr lang="en-US"/>
-            </a:p>
-          </p:txBody>
-        </p:sp>
-        <p:sp>
-          <p:nvSpPr>
-            <p:cNvPr id="58" name="矩形 57">
-              <a:extLst>
-                <a:ext uri="{FF2B5EF4-FFF2-40B4-BE49-F238E27FC236}">
-                  <a16:creationId xmlns:a16="http://schemas.microsoft.com/office/drawing/2014/main" id="{9B455BB3-D5C9-4687-B8DB-22B88771C6D1}"/>
-                </a:ext>
-              </a:extLst>
-            </p:cNvPr>
-            <p:cNvSpPr/>
-            <p:nvPr/>
-          </p:nvSpPr>
-          <p:spPr>
-            <a:xfrm>
-              <a:off x="2723992" y="2778065"/>
-              <a:ext cx="536289" cy="249381"/>
-            </a:xfrm>
-            <a:prstGeom prst="rect">
-              <a:avLst/>
-            </a:prstGeom>
-            <a:ln>
-              <a:noFill/>
-            </a:ln>
-          </p:spPr>
-          <p:style>
-            <a:lnRef idx="2">
-              <a:schemeClr val="accent3">
-                <a:shade val="50000"/>
-              </a:schemeClr>
-            </a:lnRef>
-            <a:fillRef idx="1">
-              <a:schemeClr val="accent3"/>
-            </a:fillRef>
-            <a:effectRef idx="0">
-              <a:schemeClr val="accent3"/>
-            </a:effectRef>
-            <a:fontRef idx="minor">
-              <a:schemeClr val="lt1"/>
-            </a:fontRef>
-          </p:style>
-          <p:txBody>
-            <a:bodyPr rtlCol="0" anchor="ctr"/>
-            <a:lstStyle/>
-            <a:p>
-              <a:pPr algn="ctr"/>
-              <a:endParaRPr lang="en-US"/>
-            </a:p>
-          </p:txBody>
-        </p:sp>
-        <p:sp>
-          <p:nvSpPr>
-            <p:cNvPr id="60" name="矩形 59">
-              <a:extLst>
-                <a:ext uri="{FF2B5EF4-FFF2-40B4-BE49-F238E27FC236}">
-                  <a16:creationId xmlns:a16="http://schemas.microsoft.com/office/drawing/2014/main" id="{AB48BB11-EE7C-4317-82F3-937479420452}"/>
-                </a:ext>
-              </a:extLst>
-            </p:cNvPr>
-            <p:cNvSpPr/>
-            <p:nvPr/>
-          </p:nvSpPr>
-          <p:spPr>
-            <a:xfrm>
-              <a:off x="2889635" y="2604748"/>
-              <a:ext cx="168996" cy="249381"/>
-            </a:xfrm>
-            <a:prstGeom prst="rect">
-              <a:avLst/>
-            </a:prstGeom>
-            <a:ln>
-              <a:noFill/>
-            </a:ln>
-          </p:spPr>
-          <p:style>
-            <a:lnRef idx="2">
-              <a:schemeClr val="accent3">
-                <a:shade val="50000"/>
-              </a:schemeClr>
-            </a:lnRef>
-            <a:fillRef idx="1">
-              <a:schemeClr val="accent3"/>
-            </a:fillRef>
-            <a:effectRef idx="0">
-              <a:schemeClr val="accent3"/>
-            </a:effectRef>
-            <a:fontRef idx="minor">
-              <a:schemeClr val="lt1"/>
-            </a:fontRef>
-          </p:style>
-          <p:txBody>
-            <a:bodyPr rtlCol="0" anchor="ctr"/>
-            <a:lstStyle/>
-            <a:p>
-              <a:pPr algn="ctr"/>
-              <a:endParaRPr lang="en-US"/>
-            </a:p>
-          </p:txBody>
-        </p:sp>
-        <p:sp>
-          <p:nvSpPr>
-            <p:cNvPr id="61" name="矩形 60">
-              <a:extLst>
-                <a:ext uri="{FF2B5EF4-FFF2-40B4-BE49-F238E27FC236}">
-                  <a16:creationId xmlns:a16="http://schemas.microsoft.com/office/drawing/2014/main" id="{1B32E334-F1CE-4368-B912-F1329A60CD0F}"/>
-                </a:ext>
-              </a:extLst>
-            </p:cNvPr>
-            <p:cNvSpPr/>
-            <p:nvPr/>
-          </p:nvSpPr>
-          <p:spPr>
-            <a:xfrm>
-              <a:off x="1975956" y="2422240"/>
-              <a:ext cx="536289" cy="249381"/>
-            </a:xfrm>
-            <a:prstGeom prst="rect">
-              <a:avLst/>
-            </a:prstGeom>
-            <a:ln>
-              <a:noFill/>
-            </a:ln>
-          </p:spPr>
-          <p:style>
-            <a:lnRef idx="2">
-              <a:schemeClr val="accent3">
-                <a:shade val="50000"/>
-              </a:schemeClr>
-            </a:lnRef>
-            <a:fillRef idx="1">
-              <a:schemeClr val="accent3"/>
-            </a:fillRef>
-            <a:effectRef idx="0">
-              <a:schemeClr val="accent3"/>
-            </a:effectRef>
-            <a:fontRef idx="minor">
-              <a:schemeClr val="lt1"/>
-            </a:fontRef>
-          </p:style>
-          <p:txBody>
-            <a:bodyPr rtlCol="0" anchor="ctr"/>
-            <a:lstStyle/>
-            <a:p>
-              <a:pPr algn="ctr"/>
-              <a:endParaRPr lang="en-US"/>
-            </a:p>
-          </p:txBody>
-        </p:sp>
-        <p:sp>
-          <p:nvSpPr>
-            <p:cNvPr id="63" name="矩形 62">
-              <a:extLst>
-                <a:ext uri="{FF2B5EF4-FFF2-40B4-BE49-F238E27FC236}">
-                  <a16:creationId xmlns:a16="http://schemas.microsoft.com/office/drawing/2014/main" id="{0FC1E562-F062-4F89-B557-DBF5E98F9D9B}"/>
-                </a:ext>
-              </a:extLst>
-            </p:cNvPr>
-            <p:cNvSpPr/>
-            <p:nvPr/>
-          </p:nvSpPr>
-          <p:spPr>
-            <a:xfrm>
-              <a:off x="1975956" y="2778064"/>
-              <a:ext cx="536289" cy="249381"/>
-            </a:xfrm>
-            <a:prstGeom prst="rect">
-              <a:avLst/>
-            </a:prstGeom>
-            <a:ln>
-              <a:noFill/>
-            </a:ln>
-          </p:spPr>
-          <p:style>
-            <a:lnRef idx="2">
-              <a:schemeClr val="accent3">
-                <a:shade val="50000"/>
-              </a:schemeClr>
-            </a:lnRef>
-            <a:fillRef idx="1">
-              <a:schemeClr val="accent3"/>
-            </a:fillRef>
-            <a:effectRef idx="0">
-              <a:schemeClr val="accent3"/>
-            </a:effectRef>
-            <a:fontRef idx="minor">
-              <a:schemeClr val="lt1"/>
-            </a:fontRef>
-          </p:style>
-          <p:txBody>
-            <a:bodyPr rtlCol="0" anchor="ctr"/>
-            <a:lstStyle/>
-            <a:p>
-              <a:pPr algn="ctr"/>
-              <a:endParaRPr lang="en-US"/>
-            </a:p>
-          </p:txBody>
-        </p:sp>
-      </p:grpSp>
-      <p:sp>
-        <p:nvSpPr>
-          <p:cNvPr id="66" name="文本框 65">
-            <a:extLst>
-              <a:ext uri="{FF2B5EF4-FFF2-40B4-BE49-F238E27FC236}">
-                <a16:creationId xmlns:a16="http://schemas.microsoft.com/office/drawing/2014/main" id="{3D8D75AE-75CD-45C4-A470-B4807554FE75}"/>
-              </a:ext>
-            </a:extLst>
-          </p:cNvPr>
-          <p:cNvSpPr txBox="1"/>
-          <p:nvPr/>
-        </p:nvSpPr>
-        <p:spPr>
-          <a:xfrm>
-            <a:off x="2692909" y="3386599"/>
-            <a:ext cx="536289" cy="400110"/>
-          </a:xfrm>
-          <a:prstGeom prst="rect">
-            <a:avLst/>
-          </a:prstGeom>
-          <a:noFill/>
-        </p:spPr>
-        <p:txBody>
-          <a:bodyPr wrap="square" rtlCol="0">
-            <a:spAutoFit/>
-          </a:bodyPr>
-          <a:lstStyle/>
-          <a:p>
-            <a:r>
-              <a:rPr lang="en-US" sz="2000" b="1">
-                <a:solidFill>
-                  <a:schemeClr val="bg1">
-                    <a:lumMod val="75000"/>
-                  </a:schemeClr>
-                </a:solidFill>
-              </a:rPr>
-              <a:t>SPI</a:t>
+              <a:t>AD3(Most Significant Bit)</a:t>
             </a:r>
           </a:p>
         </p:txBody>
@@ -5824,7 +5804,7 @@
     </p:spTree>
     <p:extLst>
       <p:ext uri="{BB962C8B-B14F-4D97-AF65-F5344CB8AC3E}">
-        <p14:creationId xmlns:p14="http://schemas.microsoft.com/office/powerpoint/2010/main" val="3027457322"/>
+        <p14:creationId xmlns:p14="http://schemas.microsoft.com/office/powerpoint/2010/main" val="2315252442"/>
       </p:ext>
     </p:extLst>
   </p:cSld>
@@ -6106,7 +6086,7 @@
         <p:spPr>
           <a:xfrm>
             <a:off x="7740190" y="4642567"/>
-            <a:ext cx="300082" cy="369332"/>
+            <a:ext cx="264816" cy="369332"/>
           </a:xfrm>
           <a:prstGeom prst="rect">
             <a:avLst/>
@@ -6120,7 +6100,9 @@
           <a:lstStyle/>
           <a:p>
             <a:r>
-              <a:rPr lang="en-US"/>
+              <a:rPr lang="en-US">
+                <a:cs typeface="+mn-ea"/>
+              </a:rPr>
               <a:t>•</a:t>
             </a:r>
           </a:p>
@@ -6141,7 +6123,7 @@
         <p:spPr>
           <a:xfrm>
             <a:off x="7890230" y="4642567"/>
-            <a:ext cx="1369286" cy="369332"/>
+            <a:ext cx="2082621" cy="369332"/>
           </a:xfrm>
           <a:prstGeom prst="rect">
             <a:avLst/>
@@ -6155,14 +6137,32 @@
           <a:lstStyle/>
           <a:p>
             <a:r>
-              <a:rPr lang="en-US"/>
+              <a:rPr lang="en-US">
+                <a:cs typeface="+mn-ea"/>
+              </a:rPr>
               <a:t>H</a:t>
             </a:r>
             <a:r>
-              <a:rPr lang="en-US" altLang="zh-CN"/>
-              <a:t>ot Junction</a:t>
-            </a:r>
-            <a:endParaRPr lang="en-US"/>
+              <a:rPr lang="en-US" altLang="zh-CN">
+                <a:cs typeface="+mn-ea"/>
+              </a:rPr>
+              <a:t>ot Junction(</a:t>
+            </a:r>
+            <a:r>
+              <a:rPr lang="zh-CN" altLang="en-US">
+                <a:cs typeface="+mn-ea"/>
+              </a:rPr>
+              <a:t>热端</a:t>
+            </a:r>
+            <a:r>
+              <a:rPr lang="en-US" altLang="zh-CN">
+                <a:cs typeface="+mn-ea"/>
+              </a:rPr>
+              <a:t>)</a:t>
+            </a:r>
+            <a:endParaRPr lang="en-US">
+              <a:cs typeface="+mn-ea"/>
+            </a:endParaRPr>
           </a:p>
         </p:txBody>
       </p:sp>
@@ -6180,8 +6180,8 @@
         </p:nvSpPr>
         <p:spPr>
           <a:xfrm>
-            <a:off x="5334967" y="3743054"/>
-            <a:ext cx="980846" cy="369332"/>
+            <a:off x="4649166" y="3734262"/>
+            <a:ext cx="2133918" cy="369332"/>
           </a:xfrm>
           <a:prstGeom prst="rect">
             <a:avLst/>
@@ -6195,8 +6195,22 @@
           <a:lstStyle/>
           <a:p>
             <a:r>
-              <a:rPr lang="en-US"/>
-              <a:t>Chromel</a:t>
+              <a:rPr lang="en-US">
+                <a:cs typeface="+mn-ea"/>
+              </a:rPr>
+              <a:t>Chromel(</a:t>
+            </a:r>
+            <a:r>
+              <a:rPr lang="zh-CN" altLang="en-US">
+                <a:cs typeface="+mn-ea"/>
+              </a:rPr>
+              <a:t>镍铬合金</a:t>
+            </a:r>
+            <a:r>
+              <a:rPr lang="en-US">
+                <a:cs typeface="+mn-ea"/>
+              </a:rPr>
+              <a:t>)</a:t>
             </a:r>
           </a:p>
         </p:txBody>
@@ -6215,8 +6229,8 @@
         </p:nvSpPr>
         <p:spPr>
           <a:xfrm>
-            <a:off x="5335858" y="5592099"/>
-            <a:ext cx="845103" cy="369332"/>
+            <a:off x="4737984" y="5574515"/>
+            <a:ext cx="1274708" cy="369332"/>
           </a:xfrm>
           <a:prstGeom prst="rect">
             <a:avLst/>
@@ -6230,8 +6244,22 @@
           <a:lstStyle/>
           <a:p>
             <a:r>
-              <a:rPr lang="en-US"/>
-              <a:t>Alumel</a:t>
+              <a:rPr lang="en-US">
+                <a:cs typeface="+mn-ea"/>
+              </a:rPr>
+              <a:t>Alumel(</a:t>
+            </a:r>
+            <a:r>
+              <a:rPr lang="zh-CN" altLang="en-US">
+                <a:cs typeface="+mn-ea"/>
+              </a:rPr>
+              <a:t>铝</a:t>
+            </a:r>
+            <a:r>
+              <a:rPr lang="en-US">
+                <a:cs typeface="+mn-ea"/>
+              </a:rPr>
+              <a:t>)</a:t>
             </a:r>
           </a:p>
         </p:txBody>
@@ -6251,7 +6279,7 @@
         <p:spPr>
           <a:xfrm>
             <a:off x="4512152" y="5406422"/>
-            <a:ext cx="300082" cy="369332"/>
+            <a:ext cx="264816" cy="369332"/>
           </a:xfrm>
           <a:prstGeom prst="rect">
             <a:avLst/>
@@ -6265,7 +6293,9 @@
           <a:lstStyle/>
           <a:p>
             <a:r>
-              <a:rPr lang="en-US"/>
+              <a:rPr lang="en-US">
+                <a:cs typeface="+mn-ea"/>
+              </a:rPr>
               <a:t>•</a:t>
             </a:r>
           </a:p>
@@ -6286,7 +6316,7 @@
         <p:spPr>
           <a:xfrm>
             <a:off x="4460922" y="3875478"/>
-            <a:ext cx="300082" cy="369332"/>
+            <a:ext cx="264816" cy="369332"/>
           </a:xfrm>
           <a:prstGeom prst="rect">
             <a:avLst/>
@@ -6300,7 +6330,9 @@
           <a:lstStyle/>
           <a:p>
             <a:r>
-              <a:rPr lang="en-US"/>
+              <a:rPr lang="en-US">
+                <a:cs typeface="+mn-ea"/>
+              </a:rPr>
               <a:t>•</a:t>
             </a:r>
           </a:p>
@@ -6321,7 +6353,7 @@
         <p:spPr>
           <a:xfrm>
             <a:off x="4148280" y="3778398"/>
-            <a:ext cx="364202" cy="523220"/>
+            <a:ext cx="394660" cy="523220"/>
           </a:xfrm>
           <a:prstGeom prst="rect">
             <a:avLst/>
@@ -6335,7 +6367,9 @@
           <a:lstStyle/>
           <a:p>
             <a:r>
-              <a:rPr lang="en-US" sz="2800"/>
+              <a:rPr lang="en-US" sz="2800">
+                <a:cs typeface="+mn-ea"/>
+              </a:rPr>
               <a:t>+</a:t>
             </a:r>
           </a:p>
@@ -6356,7 +6390,7 @@
         <p:spPr>
           <a:xfrm>
             <a:off x="4152139" y="5325085"/>
-            <a:ext cx="295274" cy="523220"/>
+            <a:ext cx="304892" cy="523220"/>
           </a:xfrm>
           <a:prstGeom prst="rect">
             <a:avLst/>
@@ -6370,7 +6404,9 @@
           <a:lstStyle/>
           <a:p>
             <a:r>
-              <a:rPr lang="en-US" sz="2800"/>
+              <a:rPr lang="en-US" sz="2800">
+                <a:cs typeface="+mn-ea"/>
+              </a:rPr>
               <a:t>-</a:t>
             </a:r>
           </a:p>
@@ -6380,6 +6416,2674 @@
     <p:extLst>
       <p:ext uri="{BB962C8B-B14F-4D97-AF65-F5344CB8AC3E}">
         <p14:creationId xmlns:p14="http://schemas.microsoft.com/office/powerpoint/2010/main" val="2796527862"/>
+      </p:ext>
+    </p:extLst>
+  </p:cSld>
+  <p:clrMapOvr>
+    <a:masterClrMapping/>
+  </p:clrMapOvr>
+</p:sld>
+</file>
+
+<file path=ppt/slides/slide4.xml><?xml version="1.0" encoding="utf-8"?>
+<p:sld xmlns:a="http://schemas.openxmlformats.org/drawingml/2006/main" xmlns:r="http://schemas.openxmlformats.org/officeDocument/2006/relationships" xmlns:p="http://schemas.openxmlformats.org/presentationml/2006/main">
+  <p:cSld>
+    <p:spTree>
+      <p:nvGrpSpPr>
+        <p:cNvPr id="1" name=""/>
+        <p:cNvGrpSpPr/>
+        <p:nvPr/>
+      </p:nvGrpSpPr>
+      <p:grpSpPr>
+        <a:xfrm>
+          <a:off x="0" y="0"/>
+          <a:ext cx="0" cy="0"/>
+          <a:chOff x="0" y="0"/>
+          <a:chExt cx="0" cy="0"/>
+        </a:xfrm>
+      </p:grpSpPr>
+      <p:pic>
+        <p:nvPicPr>
+          <p:cNvPr id="10" name="图片 9">
+            <a:extLst>
+              <a:ext uri="{FF2B5EF4-FFF2-40B4-BE49-F238E27FC236}">
+                <a16:creationId xmlns:a16="http://schemas.microsoft.com/office/drawing/2014/main" id="{894E7968-8506-48AA-A92D-08828B786D0A}"/>
+              </a:ext>
+            </a:extLst>
+          </p:cNvPr>
+          <p:cNvPicPr>
+            <a:picLocks noChangeAspect="1"/>
+          </p:cNvPicPr>
+          <p:nvPr/>
+        </p:nvPicPr>
+        <p:blipFill>
+          <a:blip r:embed="rId2">
+            <a:extLst>
+              <a:ext uri="{28A0092B-C50C-407E-A947-70E740481C1C}">
+                <a14:useLocalDpi xmlns:a14="http://schemas.microsoft.com/office/drawing/2010/main" val="0"/>
+              </a:ext>
+            </a:extLst>
+          </a:blip>
+          <a:stretch>
+            <a:fillRect/>
+          </a:stretch>
+        </p:blipFill>
+        <p:spPr>
+          <a:xfrm>
+            <a:off x="2972311" y="58149"/>
+            <a:ext cx="5999651" cy="4499739"/>
+          </a:xfrm>
+          <a:prstGeom prst="rect">
+            <a:avLst/>
+          </a:prstGeom>
+        </p:spPr>
+      </p:pic>
+      <p:cxnSp>
+        <p:nvCxnSpPr>
+          <p:cNvPr id="59" name="直接连接符 58">
+            <a:extLst>
+              <a:ext uri="{FF2B5EF4-FFF2-40B4-BE49-F238E27FC236}">
+                <a16:creationId xmlns:a16="http://schemas.microsoft.com/office/drawing/2014/main" id="{554D8D14-D48D-45F6-89A6-634C964B8AE8}"/>
+              </a:ext>
+            </a:extLst>
+          </p:cNvPr>
+          <p:cNvCxnSpPr>
+            <a:cxnSpLocks/>
+          </p:cNvCxnSpPr>
+          <p:nvPr/>
+        </p:nvCxnSpPr>
+        <p:spPr>
+          <a:xfrm>
+            <a:off x="3207834" y="1873060"/>
+            <a:ext cx="1186890" cy="0"/>
+          </a:xfrm>
+          <a:prstGeom prst="line">
+            <a:avLst/>
+          </a:prstGeom>
+          <a:ln w="9525" cap="flat" cmpd="sng" algn="ctr">
+            <a:solidFill>
+              <a:schemeClr val="accent3"/>
+            </a:solidFill>
+            <a:prstDash val="dash"/>
+            <a:round/>
+            <a:headEnd type="none" w="med" len="med"/>
+            <a:tailEnd type="none" w="med" len="med"/>
+          </a:ln>
+        </p:spPr>
+        <p:style>
+          <a:lnRef idx="0">
+            <a:scrgbClr r="0" g="0" b="0"/>
+          </a:lnRef>
+          <a:fillRef idx="0">
+            <a:scrgbClr r="0" g="0" b="0"/>
+          </a:fillRef>
+          <a:effectRef idx="0">
+            <a:scrgbClr r="0" g="0" b="0"/>
+          </a:effectRef>
+          <a:fontRef idx="minor">
+            <a:schemeClr val="tx1"/>
+          </a:fontRef>
+        </p:style>
+      </p:cxnSp>
+      <p:cxnSp>
+        <p:nvCxnSpPr>
+          <p:cNvPr id="62" name="直接连接符 61">
+            <a:extLst>
+              <a:ext uri="{FF2B5EF4-FFF2-40B4-BE49-F238E27FC236}">
+                <a16:creationId xmlns:a16="http://schemas.microsoft.com/office/drawing/2014/main" id="{71513585-2402-4773-B202-B5A94B9B4E68}"/>
+              </a:ext>
+            </a:extLst>
+          </p:cNvPr>
+          <p:cNvCxnSpPr>
+            <a:cxnSpLocks/>
+          </p:cNvCxnSpPr>
+          <p:nvPr/>
+        </p:nvCxnSpPr>
+        <p:spPr>
+          <a:xfrm>
+            <a:off x="3207834" y="2700496"/>
+            <a:ext cx="1186890" cy="0"/>
+          </a:xfrm>
+          <a:prstGeom prst="line">
+            <a:avLst/>
+          </a:prstGeom>
+          <a:ln w="9525" cap="flat" cmpd="sng" algn="ctr">
+            <a:solidFill>
+              <a:schemeClr val="accent3"/>
+            </a:solidFill>
+            <a:prstDash val="dash"/>
+            <a:round/>
+            <a:headEnd type="none" w="med" len="med"/>
+            <a:tailEnd type="none" w="med" len="med"/>
+          </a:ln>
+        </p:spPr>
+        <p:style>
+          <a:lnRef idx="0">
+            <a:scrgbClr r="0" g="0" b="0"/>
+          </a:lnRef>
+          <a:fillRef idx="0">
+            <a:scrgbClr r="0" g="0" b="0"/>
+          </a:fillRef>
+          <a:effectRef idx="0">
+            <a:scrgbClr r="0" g="0" b="0"/>
+          </a:effectRef>
+          <a:fontRef idx="minor">
+            <a:schemeClr val="tx1"/>
+          </a:fontRef>
+        </p:style>
+      </p:cxnSp>
+      <p:cxnSp>
+        <p:nvCxnSpPr>
+          <p:cNvPr id="64" name="直接连接符 63">
+            <a:extLst>
+              <a:ext uri="{FF2B5EF4-FFF2-40B4-BE49-F238E27FC236}">
+                <a16:creationId xmlns:a16="http://schemas.microsoft.com/office/drawing/2014/main" id="{F11B205F-0707-4A55-ACA4-3B1022C2AD5E}"/>
+              </a:ext>
+            </a:extLst>
+          </p:cNvPr>
+          <p:cNvCxnSpPr>
+            <a:cxnSpLocks/>
+          </p:cNvCxnSpPr>
+          <p:nvPr/>
+        </p:nvCxnSpPr>
+        <p:spPr>
+          <a:xfrm flipV="1">
+            <a:off x="2727082" y="2427791"/>
+            <a:ext cx="1618486" cy="0"/>
+          </a:xfrm>
+          <a:prstGeom prst="line">
+            <a:avLst/>
+          </a:prstGeom>
+          <a:ln w="9525" cap="flat" cmpd="sng" algn="ctr">
+            <a:solidFill>
+              <a:schemeClr val="accent3"/>
+            </a:solidFill>
+            <a:prstDash val="dash"/>
+            <a:round/>
+            <a:headEnd type="none" w="med" len="med"/>
+            <a:tailEnd type="none" w="med" len="med"/>
+          </a:ln>
+        </p:spPr>
+        <p:style>
+          <a:lnRef idx="0">
+            <a:scrgbClr r="0" g="0" b="0"/>
+          </a:lnRef>
+          <a:fillRef idx="0">
+            <a:scrgbClr r="0" g="0" b="0"/>
+          </a:fillRef>
+          <a:effectRef idx="0">
+            <a:scrgbClr r="0" g="0" b="0"/>
+          </a:effectRef>
+          <a:fontRef idx="minor">
+            <a:schemeClr val="tx1"/>
+          </a:fontRef>
+        </p:style>
+      </p:cxnSp>
+      <p:cxnSp>
+        <p:nvCxnSpPr>
+          <p:cNvPr id="69" name="直接连接符 68">
+            <a:extLst>
+              <a:ext uri="{FF2B5EF4-FFF2-40B4-BE49-F238E27FC236}">
+                <a16:creationId xmlns:a16="http://schemas.microsoft.com/office/drawing/2014/main" id="{C23963EC-181B-4C8C-91B5-30994438B94F}"/>
+              </a:ext>
+            </a:extLst>
+          </p:cNvPr>
+          <p:cNvCxnSpPr>
+            <a:cxnSpLocks/>
+          </p:cNvCxnSpPr>
+          <p:nvPr/>
+        </p:nvCxnSpPr>
+        <p:spPr>
+          <a:xfrm>
+            <a:off x="2733544" y="2142532"/>
+            <a:ext cx="1618486" cy="0"/>
+          </a:xfrm>
+          <a:prstGeom prst="line">
+            <a:avLst/>
+          </a:prstGeom>
+          <a:ln w="9525" cap="flat" cmpd="sng" algn="ctr">
+            <a:solidFill>
+              <a:schemeClr val="accent3"/>
+            </a:solidFill>
+            <a:prstDash val="dash"/>
+            <a:round/>
+            <a:headEnd type="none" w="med" len="med"/>
+            <a:tailEnd type="none" w="med" len="med"/>
+          </a:ln>
+        </p:spPr>
+        <p:style>
+          <a:lnRef idx="0">
+            <a:scrgbClr r="0" g="0" b="0"/>
+          </a:lnRef>
+          <a:fillRef idx="0">
+            <a:scrgbClr r="0" g="0" b="0"/>
+          </a:fillRef>
+          <a:effectRef idx="0">
+            <a:scrgbClr r="0" g="0" b="0"/>
+          </a:effectRef>
+          <a:fontRef idx="minor">
+            <a:schemeClr val="tx1"/>
+          </a:fontRef>
+        </p:style>
+      </p:cxnSp>
+      <p:cxnSp>
+        <p:nvCxnSpPr>
+          <p:cNvPr id="83" name="直接连接符 82">
+            <a:extLst>
+              <a:ext uri="{FF2B5EF4-FFF2-40B4-BE49-F238E27FC236}">
+                <a16:creationId xmlns:a16="http://schemas.microsoft.com/office/drawing/2014/main" id="{2B1DA2A3-4ED3-4440-94B7-BBD22FB36479}"/>
+              </a:ext>
+            </a:extLst>
+          </p:cNvPr>
+          <p:cNvCxnSpPr>
+            <a:cxnSpLocks/>
+          </p:cNvCxnSpPr>
+          <p:nvPr/>
+        </p:nvCxnSpPr>
+        <p:spPr>
+          <a:xfrm flipH="1" flipV="1">
+            <a:off x="2733544" y="1592308"/>
+            <a:ext cx="474290" cy="280753"/>
+          </a:xfrm>
+          <a:prstGeom prst="line">
+            <a:avLst/>
+          </a:prstGeom>
+          <a:ln w="9525" cap="flat" cmpd="sng" algn="ctr">
+            <a:solidFill>
+              <a:schemeClr val="accent3"/>
+            </a:solidFill>
+            <a:prstDash val="dash"/>
+            <a:round/>
+            <a:headEnd type="none" w="med" len="med"/>
+            <a:tailEnd type="none" w="med" len="med"/>
+          </a:ln>
+        </p:spPr>
+        <p:style>
+          <a:lnRef idx="0">
+            <a:scrgbClr r="0" g="0" b="0"/>
+          </a:lnRef>
+          <a:fillRef idx="0">
+            <a:scrgbClr r="0" g="0" b="0"/>
+          </a:fillRef>
+          <a:effectRef idx="0">
+            <a:scrgbClr r="0" g="0" b="0"/>
+          </a:effectRef>
+          <a:fontRef idx="minor">
+            <a:schemeClr val="tx1"/>
+          </a:fontRef>
+        </p:style>
+      </p:cxnSp>
+      <p:cxnSp>
+        <p:nvCxnSpPr>
+          <p:cNvPr id="86" name="直接连接符 85">
+            <a:extLst>
+              <a:ext uri="{FF2B5EF4-FFF2-40B4-BE49-F238E27FC236}">
+                <a16:creationId xmlns:a16="http://schemas.microsoft.com/office/drawing/2014/main" id="{1DDB23F1-BC13-4F76-9BE4-AB93E1600A98}"/>
+              </a:ext>
+            </a:extLst>
+          </p:cNvPr>
+          <p:cNvCxnSpPr>
+            <a:cxnSpLocks/>
+          </p:cNvCxnSpPr>
+          <p:nvPr/>
+        </p:nvCxnSpPr>
+        <p:spPr>
+          <a:xfrm flipH="1">
+            <a:off x="2733544" y="2700496"/>
+            <a:ext cx="474289" cy="276870"/>
+          </a:xfrm>
+          <a:prstGeom prst="line">
+            <a:avLst/>
+          </a:prstGeom>
+          <a:ln w="9525" cap="flat" cmpd="sng" algn="ctr">
+            <a:solidFill>
+              <a:schemeClr val="accent3"/>
+            </a:solidFill>
+            <a:prstDash val="dash"/>
+            <a:round/>
+            <a:headEnd type="none" w="med" len="med"/>
+            <a:tailEnd type="none" w="med" len="med"/>
+          </a:ln>
+        </p:spPr>
+        <p:style>
+          <a:lnRef idx="0">
+            <a:scrgbClr r="0" g="0" b="0"/>
+          </a:lnRef>
+          <a:fillRef idx="0">
+            <a:scrgbClr r="0" g="0" b="0"/>
+          </a:fillRef>
+          <a:effectRef idx="0">
+            <a:scrgbClr r="0" g="0" b="0"/>
+          </a:effectRef>
+          <a:fontRef idx="minor">
+            <a:schemeClr val="tx1"/>
+          </a:fontRef>
+        </p:style>
+      </p:cxnSp>
+      <p:pic>
+        <p:nvPicPr>
+          <p:cNvPr id="16" name="图片 15">
+            <a:extLst>
+              <a:ext uri="{FF2B5EF4-FFF2-40B4-BE49-F238E27FC236}">
+                <a16:creationId xmlns:a16="http://schemas.microsoft.com/office/drawing/2014/main" id="{88BF9D0F-EA84-4D6D-86A2-F5D93E379A03}"/>
+              </a:ext>
+            </a:extLst>
+          </p:cNvPr>
+          <p:cNvPicPr>
+            <a:picLocks noChangeAspect="1"/>
+          </p:cNvPicPr>
+          <p:nvPr/>
+        </p:nvPicPr>
+        <p:blipFill>
+          <a:blip r:embed="rId3">
+            <a:extLst>
+              <a:ext uri="{28A0092B-C50C-407E-A947-70E740481C1C}">
+                <a14:useLocalDpi xmlns:a14="http://schemas.microsoft.com/office/drawing/2010/main" val="0"/>
+              </a:ext>
+            </a:extLst>
+          </a:blip>
+          <a:stretch>
+            <a:fillRect/>
+          </a:stretch>
+        </p:blipFill>
+        <p:spPr>
+          <a:xfrm>
+            <a:off x="9143739" y="1787687"/>
+            <a:ext cx="472059" cy="472059"/>
+          </a:xfrm>
+          <a:prstGeom prst="rect">
+            <a:avLst/>
+          </a:prstGeom>
+        </p:spPr>
+      </p:pic>
+      <p:pic>
+        <p:nvPicPr>
+          <p:cNvPr id="20" name="图片 19">
+            <a:extLst>
+              <a:ext uri="{FF2B5EF4-FFF2-40B4-BE49-F238E27FC236}">
+                <a16:creationId xmlns:a16="http://schemas.microsoft.com/office/drawing/2014/main" id="{FD507FA7-479F-463D-9A86-9252F46244B8}"/>
+              </a:ext>
+            </a:extLst>
+          </p:cNvPr>
+          <p:cNvPicPr>
+            <a:picLocks noChangeAspect="1"/>
+          </p:cNvPicPr>
+          <p:nvPr/>
+        </p:nvPicPr>
+        <p:blipFill>
+          <a:blip r:embed="rId4">
+            <a:extLst>
+              <a:ext uri="{28A0092B-C50C-407E-A947-70E740481C1C}">
+                <a14:useLocalDpi xmlns:a14="http://schemas.microsoft.com/office/drawing/2010/main" val="0"/>
+              </a:ext>
+            </a:extLst>
+          </a:blip>
+          <a:stretch>
+            <a:fillRect/>
+          </a:stretch>
+        </p:blipFill>
+        <p:spPr>
+          <a:xfrm>
+            <a:off x="9143738" y="2344770"/>
+            <a:ext cx="472059" cy="472059"/>
+          </a:xfrm>
+          <a:prstGeom prst="rect">
+            <a:avLst/>
+          </a:prstGeom>
+        </p:spPr>
+      </p:pic>
+      <p:cxnSp>
+        <p:nvCxnSpPr>
+          <p:cNvPr id="3" name="直接连接符 2">
+            <a:extLst>
+              <a:ext uri="{FF2B5EF4-FFF2-40B4-BE49-F238E27FC236}">
+                <a16:creationId xmlns:a16="http://schemas.microsoft.com/office/drawing/2014/main" id="{5074428D-0BBB-4F5A-87EB-58C291247539}"/>
+              </a:ext>
+            </a:extLst>
+          </p:cNvPr>
+          <p:cNvCxnSpPr>
+            <a:cxnSpLocks/>
+          </p:cNvCxnSpPr>
+          <p:nvPr/>
+        </p:nvCxnSpPr>
+        <p:spPr>
+          <a:xfrm flipH="1" flipV="1">
+            <a:off x="8600686" y="2023717"/>
+            <a:ext cx="548640" cy="1251"/>
+          </a:xfrm>
+          <a:prstGeom prst="line">
+            <a:avLst/>
+          </a:prstGeom>
+          <a:ln w="9525" cap="flat" cmpd="sng" algn="ctr">
+            <a:solidFill>
+              <a:schemeClr val="accent3"/>
+            </a:solidFill>
+            <a:prstDash val="dash"/>
+            <a:round/>
+            <a:headEnd type="none" w="med" len="med"/>
+            <a:tailEnd type="none" w="med" len="med"/>
+          </a:ln>
+        </p:spPr>
+        <p:style>
+          <a:lnRef idx="0">
+            <a:scrgbClr r="0" g="0" b="0"/>
+          </a:lnRef>
+          <a:fillRef idx="0">
+            <a:scrgbClr r="0" g="0" b="0"/>
+          </a:fillRef>
+          <a:effectRef idx="0">
+            <a:scrgbClr r="0" g="0" b="0"/>
+          </a:effectRef>
+          <a:fontRef idx="minor">
+            <a:schemeClr val="tx1"/>
+          </a:fontRef>
+        </p:style>
+      </p:cxnSp>
+      <p:cxnSp>
+        <p:nvCxnSpPr>
+          <p:cNvPr id="30" name="直接连接符 29">
+            <a:extLst>
+              <a:ext uri="{FF2B5EF4-FFF2-40B4-BE49-F238E27FC236}">
+                <a16:creationId xmlns:a16="http://schemas.microsoft.com/office/drawing/2014/main" id="{2B7B0A3A-1722-47D9-A35D-CC9B531A4222}"/>
+              </a:ext>
+            </a:extLst>
+          </p:cNvPr>
+          <p:cNvCxnSpPr>
+            <a:cxnSpLocks/>
+          </p:cNvCxnSpPr>
+          <p:nvPr/>
+        </p:nvCxnSpPr>
+        <p:spPr>
+          <a:xfrm flipH="1" flipV="1">
+            <a:off x="8617284" y="2580800"/>
+            <a:ext cx="548640" cy="1251"/>
+          </a:xfrm>
+          <a:prstGeom prst="line">
+            <a:avLst/>
+          </a:prstGeom>
+          <a:ln w="9525" cap="flat" cmpd="sng" algn="ctr">
+            <a:solidFill>
+              <a:schemeClr val="accent3"/>
+            </a:solidFill>
+            <a:prstDash val="dash"/>
+            <a:round/>
+            <a:headEnd type="none" w="med" len="med"/>
+            <a:tailEnd type="none" w="med" len="med"/>
+          </a:ln>
+        </p:spPr>
+        <p:style>
+          <a:lnRef idx="0">
+            <a:scrgbClr r="0" g="0" b="0"/>
+          </a:lnRef>
+          <a:fillRef idx="0">
+            <a:scrgbClr r="0" g="0" b="0"/>
+          </a:fillRef>
+          <a:effectRef idx="0">
+            <a:scrgbClr r="0" g="0" b="0"/>
+          </a:effectRef>
+          <a:fontRef idx="minor">
+            <a:schemeClr val="tx1"/>
+          </a:fontRef>
+        </p:style>
+      </p:cxnSp>
+      <p:sp>
+        <p:nvSpPr>
+          <p:cNvPr id="5" name="文本框 4">
+            <a:extLst>
+              <a:ext uri="{FF2B5EF4-FFF2-40B4-BE49-F238E27FC236}">
+                <a16:creationId xmlns:a16="http://schemas.microsoft.com/office/drawing/2014/main" id="{D01C0A0C-C039-423C-A515-A9BDBADCF5E6}"/>
+              </a:ext>
+            </a:extLst>
+          </p:cNvPr>
+          <p:cNvSpPr txBox="1"/>
+          <p:nvPr/>
+        </p:nvSpPr>
+        <p:spPr>
+          <a:xfrm>
+            <a:off x="1994625" y="4472583"/>
+            <a:ext cx="6166640" cy="2021066"/>
+          </a:xfrm>
+          <a:prstGeom prst="rect">
+            <a:avLst/>
+          </a:prstGeom>
+          <a:noFill/>
+        </p:spPr>
+        <p:txBody>
+          <a:bodyPr wrap="square" rtlCol="0">
+            <a:spAutoFit/>
+          </a:bodyPr>
+          <a:lstStyle/>
+          <a:p>
+            <a:pPr>
+              <a:lnSpc>
+                <a:spcPts val="2500"/>
+              </a:lnSpc>
+            </a:pPr>
+            <a:r>
+              <a:rPr lang="en-US" sz="1600">
+                <a:latin typeface="Leelawadee UI" panose="020B0502040204020203" pitchFamily="34" charset="-34"/>
+                <a:cs typeface="+mn-ea"/>
+              </a:rPr>
+              <a:t>GND:</a:t>
+            </a:r>
+            <a:r>
+              <a:rPr lang="zh-CN" altLang="en-US" sz="1600">
+                <a:latin typeface="Leelawadee UI" panose="020B0502040204020203" pitchFamily="34" charset="-34"/>
+                <a:cs typeface="+mn-ea"/>
+              </a:rPr>
+              <a:t>将这个模块的</a:t>
+            </a:r>
+            <a:r>
+              <a:rPr lang="en-US" altLang="zh-CN" sz="1600">
+                <a:latin typeface="Leelawadee UI" panose="020B0502040204020203" pitchFamily="34" charset="-34"/>
+                <a:cs typeface="+mn-ea"/>
+              </a:rPr>
+              <a:t>GND</a:t>
+            </a:r>
+            <a:r>
+              <a:rPr lang="zh-CN" altLang="en-US" sz="1600">
+                <a:latin typeface="Leelawadee UI" panose="020B0502040204020203" pitchFamily="34" charset="-34"/>
+                <a:cs typeface="+mn-ea"/>
+              </a:rPr>
+              <a:t>和系统的</a:t>
+            </a:r>
+            <a:r>
+              <a:rPr lang="en-US" altLang="zh-CN" sz="1600">
+                <a:latin typeface="Leelawadee UI" panose="020B0502040204020203" pitchFamily="34" charset="-34"/>
+                <a:cs typeface="+mn-ea"/>
+              </a:rPr>
+              <a:t>GND</a:t>
+            </a:r>
+            <a:r>
+              <a:rPr lang="zh-CN" altLang="en-US" sz="1600">
+                <a:latin typeface="Leelawadee UI" panose="020B0502040204020203" pitchFamily="34" charset="-34"/>
+                <a:cs typeface="+mn-ea"/>
+              </a:rPr>
+              <a:t>相连</a:t>
+            </a:r>
+            <a:endParaRPr lang="en-US" sz="1600">
+              <a:latin typeface="Leelawadee UI" panose="020B0502040204020203" pitchFamily="34" charset="-34"/>
+              <a:cs typeface="+mn-ea"/>
+            </a:endParaRPr>
+          </a:p>
+          <a:p>
+            <a:pPr>
+              <a:lnSpc>
+                <a:spcPts val="2500"/>
+              </a:lnSpc>
+            </a:pPr>
+            <a:r>
+              <a:rPr lang="en-US" sz="1600">
+                <a:latin typeface="Leelawadee UI" panose="020B0502040204020203" pitchFamily="34" charset="-34"/>
+                <a:cs typeface="+mn-ea"/>
+              </a:rPr>
+              <a:t>VCC:</a:t>
+            </a:r>
+            <a:r>
+              <a:rPr lang="zh-CN" altLang="en-US" sz="1600">
+                <a:latin typeface="Leelawadee UI" panose="020B0502040204020203" pitchFamily="34" charset="-34"/>
+                <a:cs typeface="+mn-ea"/>
+              </a:rPr>
+              <a:t>您可以使用</a:t>
+            </a:r>
+            <a:r>
+              <a:rPr lang="en-US" altLang="zh-CN" sz="1600">
+                <a:latin typeface="Leelawadee UI" panose="020B0502040204020203" pitchFamily="34" charset="-34"/>
+                <a:cs typeface="+mn-ea"/>
+              </a:rPr>
+              <a:t>5V</a:t>
+            </a:r>
+            <a:r>
+              <a:rPr lang="zh-CN" altLang="en-US" sz="1600">
+                <a:latin typeface="Leelawadee UI" panose="020B0502040204020203" pitchFamily="34" charset="-34"/>
+                <a:cs typeface="+mn-ea"/>
+              </a:rPr>
+              <a:t>或者</a:t>
+            </a:r>
+            <a:r>
+              <a:rPr lang="en-US" altLang="zh-CN" sz="1600">
+                <a:latin typeface="Leelawadee UI" panose="020B0502040204020203" pitchFamily="34" charset="-34"/>
+                <a:cs typeface="+mn-ea"/>
+              </a:rPr>
+              <a:t>3.3V</a:t>
+            </a:r>
+            <a:r>
+              <a:rPr lang="zh-CN" altLang="en-US" sz="1600">
+                <a:latin typeface="Leelawadee UI" panose="020B0502040204020203" pitchFamily="34" charset="-34"/>
+                <a:cs typeface="+mn-ea"/>
+              </a:rPr>
+              <a:t>为模块供电</a:t>
+            </a:r>
+            <a:endParaRPr lang="en-US" sz="1600">
+              <a:latin typeface="Leelawadee UI" panose="020B0502040204020203" pitchFamily="34" charset="-34"/>
+              <a:cs typeface="+mn-ea"/>
+            </a:endParaRPr>
+          </a:p>
+          <a:p>
+            <a:pPr>
+              <a:lnSpc>
+                <a:spcPts val="2500"/>
+              </a:lnSpc>
+            </a:pPr>
+            <a:r>
+              <a:rPr lang="en-US" sz="1600">
+                <a:latin typeface="Leelawadee UI" panose="020B0502040204020203" pitchFamily="34" charset="-34"/>
+                <a:cs typeface="+mn-ea"/>
+              </a:rPr>
+              <a:t>NC: </a:t>
+            </a:r>
+            <a:r>
+              <a:rPr lang="zh-CN" altLang="en-US" sz="1600">
+                <a:latin typeface="Leelawadee UI" panose="020B0502040204020203" pitchFamily="34" charset="-34"/>
+                <a:cs typeface="+mn-ea"/>
+              </a:rPr>
+              <a:t>在这个模块中没有用到这根线</a:t>
+            </a:r>
+            <a:endParaRPr lang="en-US" altLang="zh-CN" sz="1600">
+              <a:latin typeface="Leelawadee UI" panose="020B0502040204020203" pitchFamily="34" charset="-34"/>
+              <a:cs typeface="+mn-ea"/>
+            </a:endParaRPr>
+          </a:p>
+          <a:p>
+            <a:pPr>
+              <a:lnSpc>
+                <a:spcPts val="2500"/>
+              </a:lnSpc>
+            </a:pPr>
+            <a:r>
+              <a:rPr lang="en-US" sz="1600">
+                <a:latin typeface="Leelawadee UI" panose="020B0502040204020203" pitchFamily="34" charset="-34"/>
+                <a:cs typeface="+mn-ea"/>
+              </a:rPr>
+              <a:t>DQOUT: </a:t>
+            </a:r>
+            <a:r>
+              <a:rPr lang="zh-CN" altLang="en-US" sz="1600">
+                <a:latin typeface="Leelawadee UI" panose="020B0502040204020203" pitchFamily="34" charset="-34"/>
+                <a:cs typeface="+mn-ea"/>
+              </a:rPr>
+              <a:t>数据输入</a:t>
+            </a:r>
+            <a:r>
+              <a:rPr lang="en-US" altLang="zh-CN" sz="1600">
+                <a:latin typeface="Leelawadee UI" panose="020B0502040204020203" pitchFamily="34" charset="-34"/>
+                <a:cs typeface="+mn-ea"/>
+              </a:rPr>
+              <a:t>/</a:t>
+            </a:r>
+            <a:r>
+              <a:rPr lang="zh-CN" altLang="en-US" sz="1600">
+                <a:latin typeface="Leelawadee UI" panose="020B0502040204020203" pitchFamily="34" charset="-34"/>
+                <a:cs typeface="+mn-ea"/>
+              </a:rPr>
+              <a:t>输出，单线集电极开路接口。</a:t>
+            </a:r>
+            <a:endParaRPr lang="en-US" sz="1600">
+              <a:latin typeface="Leelawadee UI" panose="020B0502040204020203" pitchFamily="34" charset="-34"/>
+              <a:cs typeface="+mn-ea"/>
+            </a:endParaRPr>
+          </a:p>
+          <a:p>
+            <a:endParaRPr lang="en-US" sz="1200">
+              <a:latin typeface="Times New Roman" panose="02020603050405020304" pitchFamily="18" charset="0"/>
+              <a:cs typeface="+mn-ea"/>
+            </a:endParaRPr>
+          </a:p>
+          <a:p>
+            <a:endParaRPr lang="en-US" sz="1200">
+              <a:latin typeface="Times New Roman" panose="02020603050405020304" pitchFamily="18" charset="0"/>
+              <a:cs typeface="+mn-ea"/>
+            </a:endParaRPr>
+          </a:p>
+          <a:p>
+            <a:endParaRPr lang="en-US">
+              <a:cs typeface="+mn-ea"/>
+            </a:endParaRPr>
+          </a:p>
+        </p:txBody>
+      </p:sp>
+      <p:pic>
+        <p:nvPicPr>
+          <p:cNvPr id="42" name="图片 41">
+            <a:extLst>
+              <a:ext uri="{FF2B5EF4-FFF2-40B4-BE49-F238E27FC236}">
+                <a16:creationId xmlns:a16="http://schemas.microsoft.com/office/drawing/2014/main" id="{5A9314E5-A8C8-497F-B696-1F14F1DC9A59}"/>
+              </a:ext>
+            </a:extLst>
+          </p:cNvPr>
+          <p:cNvPicPr>
+            <a:picLocks noChangeAspect="1"/>
+          </p:cNvPicPr>
+          <p:nvPr/>
+        </p:nvPicPr>
+        <p:blipFill>
+          <a:blip r:embed="rId3">
+            <a:extLst>
+              <a:ext uri="{28A0092B-C50C-407E-A947-70E740481C1C}">
+                <a14:useLocalDpi xmlns:a14="http://schemas.microsoft.com/office/drawing/2010/main" val="0"/>
+              </a:ext>
+            </a:extLst>
+          </a:blip>
+          <a:stretch>
+            <a:fillRect/>
+          </a:stretch>
+        </p:blipFill>
+        <p:spPr>
+          <a:xfrm>
+            <a:off x="7404459" y="4576001"/>
+            <a:ext cx="265176" cy="265176"/>
+          </a:xfrm>
+          <a:prstGeom prst="rect">
+            <a:avLst/>
+          </a:prstGeom>
+        </p:spPr>
+      </p:pic>
+      <p:pic>
+        <p:nvPicPr>
+          <p:cNvPr id="43" name="图片 42">
+            <a:extLst>
+              <a:ext uri="{FF2B5EF4-FFF2-40B4-BE49-F238E27FC236}">
+                <a16:creationId xmlns:a16="http://schemas.microsoft.com/office/drawing/2014/main" id="{384E8E12-1645-4133-911A-319D1CD735BE}"/>
+              </a:ext>
+            </a:extLst>
+          </p:cNvPr>
+          <p:cNvPicPr>
+            <a:picLocks noChangeAspect="1"/>
+          </p:cNvPicPr>
+          <p:nvPr/>
+        </p:nvPicPr>
+        <p:blipFill>
+          <a:blip r:embed="rId4">
+            <a:extLst>
+              <a:ext uri="{28A0092B-C50C-407E-A947-70E740481C1C}">
+                <a14:useLocalDpi xmlns:a14="http://schemas.microsoft.com/office/drawing/2010/main" val="0"/>
+              </a:ext>
+            </a:extLst>
+          </a:blip>
+          <a:stretch>
+            <a:fillRect/>
+          </a:stretch>
+        </p:blipFill>
+        <p:spPr>
+          <a:xfrm>
+            <a:off x="7404459" y="4888624"/>
+            <a:ext cx="265176" cy="265176"/>
+          </a:xfrm>
+          <a:prstGeom prst="rect">
+            <a:avLst/>
+          </a:prstGeom>
+        </p:spPr>
+      </p:pic>
+      <p:sp>
+        <p:nvSpPr>
+          <p:cNvPr id="47" name="文本框 46">
+            <a:extLst>
+              <a:ext uri="{FF2B5EF4-FFF2-40B4-BE49-F238E27FC236}">
+                <a16:creationId xmlns:a16="http://schemas.microsoft.com/office/drawing/2014/main" id="{5E3B7A5C-530D-4190-A732-F17826D738C9}"/>
+              </a:ext>
+            </a:extLst>
+          </p:cNvPr>
+          <p:cNvSpPr txBox="1"/>
+          <p:nvPr/>
+        </p:nvSpPr>
+        <p:spPr>
+          <a:xfrm>
+            <a:off x="7648391" y="4494021"/>
+            <a:ext cx="5358706" cy="1010533"/>
+          </a:xfrm>
+          <a:prstGeom prst="rect">
+            <a:avLst/>
+          </a:prstGeom>
+          <a:noFill/>
+        </p:spPr>
+        <p:txBody>
+          <a:bodyPr wrap="square" rtlCol="0">
+            <a:spAutoFit/>
+          </a:bodyPr>
+          <a:lstStyle/>
+          <a:p>
+            <a:pPr>
+              <a:lnSpc>
+                <a:spcPts val="2500"/>
+              </a:lnSpc>
+            </a:pPr>
+            <a:r>
+              <a:rPr lang="en-US" sz="1600">
+                <a:latin typeface="Leelawadee UI" panose="020B0502040204020203" pitchFamily="34" charset="-34"/>
+                <a:cs typeface="+mn-ea"/>
+              </a:rPr>
+              <a:t>T+:</a:t>
+            </a:r>
+            <a:r>
+              <a:rPr lang="zh-CN" altLang="en-US" sz="1600">
+                <a:latin typeface="Leelawadee UI" panose="020B0502040204020203" pitchFamily="34" charset="-34"/>
+                <a:cs typeface="+mn-ea"/>
+              </a:rPr>
+              <a:t>热电偶信号输入端</a:t>
+            </a:r>
+            <a:r>
+              <a:rPr lang="en-US" altLang="zh-CN" sz="1600">
+                <a:latin typeface="Leelawadee UI" panose="020B0502040204020203" pitchFamily="34" charset="-34"/>
+                <a:cs typeface="+mn-ea"/>
+              </a:rPr>
+              <a:t>, </a:t>
+            </a:r>
+            <a:r>
+              <a:rPr lang="zh-CN" altLang="en-US" sz="1600">
+                <a:latin typeface="Leelawadee UI" panose="020B0502040204020203" pitchFamily="34" charset="-34"/>
+                <a:cs typeface="+mn-ea"/>
+              </a:rPr>
+              <a:t>正端</a:t>
+            </a:r>
+            <a:endParaRPr lang="en-US" sz="1600">
+              <a:latin typeface="Leelawadee UI" panose="020B0502040204020203" pitchFamily="34" charset="-34"/>
+              <a:cs typeface="+mn-ea"/>
+            </a:endParaRPr>
+          </a:p>
+          <a:p>
+            <a:pPr>
+              <a:lnSpc>
+                <a:spcPts val="2500"/>
+              </a:lnSpc>
+            </a:pPr>
+            <a:r>
+              <a:rPr lang="en-US" sz="1600">
+                <a:latin typeface="Leelawadee UI" panose="020B0502040204020203" pitchFamily="34" charset="-34"/>
+                <a:cs typeface="+mn-ea"/>
+              </a:rPr>
+              <a:t>T -:</a:t>
+            </a:r>
+            <a:r>
+              <a:rPr lang="zh-CN" altLang="en-US" sz="1600">
+                <a:latin typeface="Leelawadee UI" panose="020B0502040204020203" pitchFamily="34" charset="-34"/>
+                <a:cs typeface="+mn-ea"/>
+              </a:rPr>
+              <a:t>热电偶信号输入端</a:t>
+            </a:r>
+            <a:r>
+              <a:rPr lang="en-US" altLang="zh-CN" sz="1600">
+                <a:latin typeface="Leelawadee UI" panose="020B0502040204020203" pitchFamily="34" charset="-34"/>
+                <a:cs typeface="+mn-ea"/>
+              </a:rPr>
+              <a:t>, </a:t>
+            </a:r>
+            <a:r>
+              <a:rPr lang="zh-CN" altLang="en-US" sz="1600">
+                <a:latin typeface="Leelawadee UI" panose="020B0502040204020203" pitchFamily="34" charset="-34"/>
+                <a:cs typeface="+mn-ea"/>
+              </a:rPr>
+              <a:t>负端</a:t>
+            </a:r>
+            <a:endParaRPr lang="en-US" sz="1200">
+              <a:latin typeface="Times New Roman" panose="02020603050405020304" pitchFamily="18" charset="0"/>
+              <a:cs typeface="+mn-ea"/>
+            </a:endParaRPr>
+          </a:p>
+          <a:p>
+            <a:endParaRPr lang="en-US">
+              <a:cs typeface="+mn-ea"/>
+            </a:endParaRPr>
+          </a:p>
+        </p:txBody>
+      </p:sp>
+      <p:grpSp>
+        <p:nvGrpSpPr>
+          <p:cNvPr id="29" name="组合 28">
+            <a:extLst>
+              <a:ext uri="{FF2B5EF4-FFF2-40B4-BE49-F238E27FC236}">
+                <a16:creationId xmlns:a16="http://schemas.microsoft.com/office/drawing/2014/main" id="{F026A7D3-250F-4824-B83F-123B10BED9FA}"/>
+              </a:ext>
+            </a:extLst>
+          </p:cNvPr>
+          <p:cNvGrpSpPr/>
+          <p:nvPr/>
+        </p:nvGrpSpPr>
+        <p:grpSpPr>
+          <a:xfrm>
+            <a:off x="2260610" y="1322153"/>
+            <a:ext cx="476250" cy="1886426"/>
+            <a:chOff x="2261625" y="1357253"/>
+            <a:chExt cx="476250" cy="1886426"/>
+          </a:xfrm>
+        </p:grpSpPr>
+        <p:pic>
+          <p:nvPicPr>
+            <p:cNvPr id="31" name="图片 30">
+              <a:extLst>
+                <a:ext uri="{FF2B5EF4-FFF2-40B4-BE49-F238E27FC236}">
+                  <a16:creationId xmlns:a16="http://schemas.microsoft.com/office/drawing/2014/main" id="{9A1D4326-50B1-412D-902B-05F24059957B}"/>
+                </a:ext>
+              </a:extLst>
+            </p:cNvPr>
+            <p:cNvPicPr>
+              <a:picLocks noChangeAspect="1"/>
+            </p:cNvPicPr>
+            <p:nvPr/>
+          </p:nvPicPr>
+          <p:blipFill>
+            <a:blip r:embed="rId5">
+              <a:extLst>
+                <a:ext uri="{28A0092B-C50C-407E-A947-70E740481C1C}">
+                  <a14:useLocalDpi xmlns:a14="http://schemas.microsoft.com/office/drawing/2010/main" val="0"/>
+                </a:ext>
+              </a:extLst>
+            </a:blip>
+            <a:stretch>
+              <a:fillRect/>
+            </a:stretch>
+          </p:blipFill>
+          <p:spPr>
+            <a:xfrm>
+              <a:off x="2261625" y="1827312"/>
+              <a:ext cx="476250" cy="476250"/>
+            </a:xfrm>
+            <a:prstGeom prst="rect">
+              <a:avLst/>
+            </a:prstGeom>
+          </p:spPr>
+        </p:pic>
+        <p:pic>
+          <p:nvPicPr>
+            <p:cNvPr id="32" name="图片 31">
+              <a:extLst>
+                <a:ext uri="{FF2B5EF4-FFF2-40B4-BE49-F238E27FC236}">
+                  <a16:creationId xmlns:a16="http://schemas.microsoft.com/office/drawing/2014/main" id="{E5D65CEB-A834-4F90-A125-AFF3C4B53371}"/>
+                </a:ext>
+              </a:extLst>
+            </p:cNvPr>
+            <p:cNvPicPr>
+              <a:picLocks noChangeAspect="1"/>
+            </p:cNvPicPr>
+            <p:nvPr/>
+          </p:nvPicPr>
+          <p:blipFill>
+            <a:blip r:embed="rId6">
+              <a:extLst>
+                <a:ext uri="{28A0092B-C50C-407E-A947-70E740481C1C}">
+                  <a14:useLocalDpi xmlns:a14="http://schemas.microsoft.com/office/drawing/2010/main" val="0"/>
+                </a:ext>
+              </a:extLst>
+            </a:blip>
+            <a:stretch>
+              <a:fillRect/>
+            </a:stretch>
+          </p:blipFill>
+          <p:spPr>
+            <a:xfrm>
+              <a:off x="2261625" y="1357253"/>
+              <a:ext cx="476250" cy="476250"/>
+            </a:xfrm>
+            <a:prstGeom prst="rect">
+              <a:avLst/>
+            </a:prstGeom>
+          </p:spPr>
+        </p:pic>
+        <p:pic>
+          <p:nvPicPr>
+            <p:cNvPr id="33" name="图片 32">
+              <a:extLst>
+                <a:ext uri="{FF2B5EF4-FFF2-40B4-BE49-F238E27FC236}">
+                  <a16:creationId xmlns:a16="http://schemas.microsoft.com/office/drawing/2014/main" id="{D958EF13-5017-4590-9F67-8F00546BA90E}"/>
+                </a:ext>
+              </a:extLst>
+            </p:cNvPr>
+            <p:cNvPicPr>
+              <a:picLocks noChangeAspect="1"/>
+            </p:cNvPicPr>
+            <p:nvPr/>
+          </p:nvPicPr>
+          <p:blipFill>
+            <a:blip r:embed="rId7">
+              <a:extLst>
+                <a:ext uri="{28A0092B-C50C-407E-A947-70E740481C1C}">
+                  <a14:useLocalDpi xmlns:a14="http://schemas.microsoft.com/office/drawing/2010/main" val="0"/>
+                </a:ext>
+              </a:extLst>
+            </a:blip>
+            <a:stretch>
+              <a:fillRect/>
+            </a:stretch>
+          </p:blipFill>
+          <p:spPr>
+            <a:xfrm>
+              <a:off x="2261625" y="2767429"/>
+              <a:ext cx="476250" cy="476250"/>
+            </a:xfrm>
+            <a:prstGeom prst="rect">
+              <a:avLst/>
+            </a:prstGeom>
+          </p:spPr>
+        </p:pic>
+        <p:pic>
+          <p:nvPicPr>
+            <p:cNvPr id="34" name="图片 33">
+              <a:extLst>
+                <a:ext uri="{FF2B5EF4-FFF2-40B4-BE49-F238E27FC236}">
+                  <a16:creationId xmlns:a16="http://schemas.microsoft.com/office/drawing/2014/main" id="{AEF501E9-37B7-4DFB-91B3-7656A50CBD5C}"/>
+                </a:ext>
+              </a:extLst>
+            </p:cNvPr>
+            <p:cNvPicPr>
+              <a:picLocks noChangeAspect="1"/>
+            </p:cNvPicPr>
+            <p:nvPr/>
+          </p:nvPicPr>
+          <p:blipFill>
+            <a:blip r:embed="rId8">
+              <a:extLst>
+                <a:ext uri="{28A0092B-C50C-407E-A947-70E740481C1C}">
+                  <a14:useLocalDpi xmlns:a14="http://schemas.microsoft.com/office/drawing/2010/main" val="0"/>
+                </a:ext>
+              </a:extLst>
+            </a:blip>
+            <a:stretch>
+              <a:fillRect/>
+            </a:stretch>
+          </p:blipFill>
+          <p:spPr>
+            <a:xfrm>
+              <a:off x="2261625" y="2297371"/>
+              <a:ext cx="476250" cy="476250"/>
+            </a:xfrm>
+            <a:prstGeom prst="rect">
+              <a:avLst/>
+            </a:prstGeom>
+          </p:spPr>
+        </p:pic>
+      </p:grpSp>
+      <p:pic>
+        <p:nvPicPr>
+          <p:cNvPr id="35" name="图片 34">
+            <a:extLst>
+              <a:ext uri="{FF2B5EF4-FFF2-40B4-BE49-F238E27FC236}">
+                <a16:creationId xmlns:a16="http://schemas.microsoft.com/office/drawing/2014/main" id="{91ACA8A2-0B4E-4747-933A-25129BC4F126}"/>
+              </a:ext>
+            </a:extLst>
+          </p:cNvPr>
+          <p:cNvPicPr>
+            <a:picLocks noChangeAspect="1"/>
+          </p:cNvPicPr>
+          <p:nvPr/>
+        </p:nvPicPr>
+        <p:blipFill>
+          <a:blip r:embed="rId5">
+            <a:extLst>
+              <a:ext uri="{28A0092B-C50C-407E-A947-70E740481C1C}">
+                <a14:useLocalDpi xmlns:a14="http://schemas.microsoft.com/office/drawing/2010/main" val="0"/>
+              </a:ext>
+            </a:extLst>
+          </a:blip>
+          <a:stretch>
+            <a:fillRect/>
+          </a:stretch>
+        </p:blipFill>
+        <p:spPr>
+          <a:xfrm>
+            <a:off x="1755633" y="4873022"/>
+            <a:ext cx="266700" cy="266700"/>
+          </a:xfrm>
+          <a:prstGeom prst="rect">
+            <a:avLst/>
+          </a:prstGeom>
+        </p:spPr>
+      </p:pic>
+      <p:pic>
+        <p:nvPicPr>
+          <p:cNvPr id="36" name="图片 35">
+            <a:extLst>
+              <a:ext uri="{FF2B5EF4-FFF2-40B4-BE49-F238E27FC236}">
+                <a16:creationId xmlns:a16="http://schemas.microsoft.com/office/drawing/2014/main" id="{688ED724-65A1-41BB-8321-7716BA065D58}"/>
+              </a:ext>
+            </a:extLst>
+          </p:cNvPr>
+          <p:cNvPicPr>
+            <a:picLocks noChangeAspect="1"/>
+          </p:cNvPicPr>
+          <p:nvPr/>
+        </p:nvPicPr>
+        <p:blipFill>
+          <a:blip r:embed="rId6">
+            <a:extLst>
+              <a:ext uri="{28A0092B-C50C-407E-A947-70E740481C1C}">
+                <a14:useLocalDpi xmlns:a14="http://schemas.microsoft.com/office/drawing/2010/main" val="0"/>
+              </a:ext>
+            </a:extLst>
+          </a:blip>
+          <a:stretch>
+            <a:fillRect/>
+          </a:stretch>
+        </p:blipFill>
+        <p:spPr>
+          <a:xfrm>
+            <a:off x="1755633" y="4556717"/>
+            <a:ext cx="266700" cy="266700"/>
+          </a:xfrm>
+          <a:prstGeom prst="rect">
+            <a:avLst/>
+          </a:prstGeom>
+        </p:spPr>
+      </p:pic>
+      <p:pic>
+        <p:nvPicPr>
+          <p:cNvPr id="37" name="图片 36">
+            <a:extLst>
+              <a:ext uri="{FF2B5EF4-FFF2-40B4-BE49-F238E27FC236}">
+                <a16:creationId xmlns:a16="http://schemas.microsoft.com/office/drawing/2014/main" id="{7874F563-C999-4BC9-A92A-160F1228B750}"/>
+              </a:ext>
+            </a:extLst>
+          </p:cNvPr>
+          <p:cNvPicPr>
+            <a:picLocks noChangeAspect="1"/>
+          </p:cNvPicPr>
+          <p:nvPr/>
+        </p:nvPicPr>
+        <p:blipFill>
+          <a:blip r:embed="rId7">
+            <a:extLst>
+              <a:ext uri="{28A0092B-C50C-407E-A947-70E740481C1C}">
+                <a14:useLocalDpi xmlns:a14="http://schemas.microsoft.com/office/drawing/2010/main" val="0"/>
+              </a:ext>
+            </a:extLst>
+          </a:blip>
+          <a:stretch>
+            <a:fillRect/>
+          </a:stretch>
+        </p:blipFill>
+        <p:spPr>
+          <a:xfrm>
+            <a:off x="1755633" y="5505635"/>
+            <a:ext cx="266700" cy="266700"/>
+          </a:xfrm>
+          <a:prstGeom prst="rect">
+            <a:avLst/>
+          </a:prstGeom>
+        </p:spPr>
+      </p:pic>
+      <p:pic>
+        <p:nvPicPr>
+          <p:cNvPr id="38" name="图片 37">
+            <a:extLst>
+              <a:ext uri="{FF2B5EF4-FFF2-40B4-BE49-F238E27FC236}">
+                <a16:creationId xmlns:a16="http://schemas.microsoft.com/office/drawing/2014/main" id="{65A8AFE4-5FEC-4463-85B7-BA4412D60578}"/>
+              </a:ext>
+            </a:extLst>
+          </p:cNvPr>
+          <p:cNvPicPr>
+            <a:picLocks noChangeAspect="1"/>
+          </p:cNvPicPr>
+          <p:nvPr/>
+        </p:nvPicPr>
+        <p:blipFill>
+          <a:blip r:embed="rId8">
+            <a:extLst>
+              <a:ext uri="{28A0092B-C50C-407E-A947-70E740481C1C}">
+                <a14:useLocalDpi xmlns:a14="http://schemas.microsoft.com/office/drawing/2010/main" val="0"/>
+              </a:ext>
+            </a:extLst>
+          </a:blip>
+          <a:stretch>
+            <a:fillRect/>
+          </a:stretch>
+        </p:blipFill>
+        <p:spPr>
+          <a:xfrm>
+            <a:off x="1755633" y="5189329"/>
+            <a:ext cx="266700" cy="266700"/>
+          </a:xfrm>
+          <a:prstGeom prst="rect">
+            <a:avLst/>
+          </a:prstGeom>
+        </p:spPr>
+      </p:pic>
+    </p:spTree>
+    <p:extLst>
+      <p:ext uri="{BB962C8B-B14F-4D97-AF65-F5344CB8AC3E}">
+        <p14:creationId xmlns:p14="http://schemas.microsoft.com/office/powerpoint/2010/main" val="3911814834"/>
+      </p:ext>
+    </p:extLst>
+  </p:cSld>
+  <p:clrMapOvr>
+    <a:masterClrMapping/>
+  </p:clrMapOvr>
+</p:sld>
+</file>
+
+<file path=ppt/slides/slide5.xml><?xml version="1.0" encoding="utf-8"?>
+<p:sld xmlns:a="http://schemas.openxmlformats.org/drawingml/2006/main" xmlns:r="http://schemas.openxmlformats.org/officeDocument/2006/relationships" xmlns:p="http://schemas.openxmlformats.org/presentationml/2006/main">
+  <p:cSld>
+    <p:spTree>
+      <p:nvGrpSpPr>
+        <p:cNvPr id="1" name=""/>
+        <p:cNvGrpSpPr/>
+        <p:nvPr/>
+      </p:nvGrpSpPr>
+      <p:grpSpPr>
+        <a:xfrm>
+          <a:off x="0" y="0"/>
+          <a:ext cx="0" cy="0"/>
+          <a:chOff x="0" y="0"/>
+          <a:chExt cx="0" cy="0"/>
+        </a:xfrm>
+      </p:grpSpPr>
+      <p:pic>
+        <p:nvPicPr>
+          <p:cNvPr id="15" name="图片 14">
+            <a:extLst>
+              <a:ext uri="{FF2B5EF4-FFF2-40B4-BE49-F238E27FC236}">
+                <a16:creationId xmlns:a16="http://schemas.microsoft.com/office/drawing/2014/main" id="{CFE1CF63-BCBA-46BB-9547-FE60972809B2}"/>
+              </a:ext>
+            </a:extLst>
+          </p:cNvPr>
+          <p:cNvPicPr>
+            <a:picLocks noChangeAspect="1"/>
+          </p:cNvPicPr>
+          <p:nvPr/>
+        </p:nvPicPr>
+        <p:blipFill>
+          <a:blip r:embed="rId2">
+            <a:extLst>
+              <a:ext uri="{28A0092B-C50C-407E-A947-70E740481C1C}">
+                <a14:useLocalDpi xmlns:a14="http://schemas.microsoft.com/office/drawing/2010/main" val="0"/>
+              </a:ext>
+            </a:extLst>
+          </a:blip>
+          <a:stretch>
+            <a:fillRect/>
+          </a:stretch>
+        </p:blipFill>
+        <p:spPr>
+          <a:xfrm rot="5400000">
+            <a:off x="-870015" y="856412"/>
+            <a:ext cx="6477430" cy="4858073"/>
+          </a:xfrm>
+          <a:prstGeom prst="rect">
+            <a:avLst/>
+          </a:prstGeom>
+        </p:spPr>
+      </p:pic>
+      <p:cxnSp>
+        <p:nvCxnSpPr>
+          <p:cNvPr id="9" name="直接连接符 8">
+            <a:extLst>
+              <a:ext uri="{FF2B5EF4-FFF2-40B4-BE49-F238E27FC236}">
+                <a16:creationId xmlns:a16="http://schemas.microsoft.com/office/drawing/2014/main" id="{E50FDFEA-C91C-4CBB-8B1A-1E2155BC3C6E}"/>
+              </a:ext>
+            </a:extLst>
+          </p:cNvPr>
+          <p:cNvCxnSpPr>
+            <a:cxnSpLocks/>
+          </p:cNvCxnSpPr>
+          <p:nvPr/>
+        </p:nvCxnSpPr>
+        <p:spPr>
+          <a:xfrm flipV="1">
+            <a:off x="3480588" y="2668081"/>
+            <a:ext cx="612317" cy="526835"/>
+          </a:xfrm>
+          <a:prstGeom prst="line">
+            <a:avLst/>
+          </a:prstGeom>
+          <a:ln w="15875" cap="flat" cmpd="sng" algn="ctr">
+            <a:solidFill>
+              <a:schemeClr val="accent3"/>
+            </a:solidFill>
+            <a:prstDash val="dash"/>
+            <a:round/>
+            <a:headEnd type="none" w="med" len="med"/>
+            <a:tailEnd type="none" w="med" len="med"/>
+          </a:ln>
+        </p:spPr>
+        <p:style>
+          <a:lnRef idx="0">
+            <a:scrgbClr r="0" g="0" b="0"/>
+          </a:lnRef>
+          <a:fillRef idx="0">
+            <a:scrgbClr r="0" g="0" b="0"/>
+          </a:fillRef>
+          <a:effectRef idx="0">
+            <a:scrgbClr r="0" g="0" b="0"/>
+          </a:effectRef>
+          <a:fontRef idx="minor">
+            <a:schemeClr val="tx1"/>
+          </a:fontRef>
+        </p:style>
+      </p:cxnSp>
+      <p:cxnSp>
+        <p:nvCxnSpPr>
+          <p:cNvPr id="12" name="直接连接符 11">
+            <a:extLst>
+              <a:ext uri="{FF2B5EF4-FFF2-40B4-BE49-F238E27FC236}">
+                <a16:creationId xmlns:a16="http://schemas.microsoft.com/office/drawing/2014/main" id="{93F5C06D-A311-41BC-9EFE-BBEDA2D820B8}"/>
+              </a:ext>
+            </a:extLst>
+          </p:cNvPr>
+          <p:cNvCxnSpPr>
+            <a:cxnSpLocks/>
+          </p:cNvCxnSpPr>
+          <p:nvPr/>
+        </p:nvCxnSpPr>
+        <p:spPr>
+          <a:xfrm>
+            <a:off x="3480588" y="4015966"/>
+            <a:ext cx="612317" cy="540670"/>
+          </a:xfrm>
+          <a:prstGeom prst="line">
+            <a:avLst/>
+          </a:prstGeom>
+          <a:ln w="15875" cap="flat" cmpd="sng" algn="ctr">
+            <a:solidFill>
+              <a:schemeClr val="accent3"/>
+            </a:solidFill>
+            <a:prstDash val="dash"/>
+            <a:round/>
+            <a:headEnd type="none" w="med" len="med"/>
+            <a:tailEnd type="none" w="med" len="med"/>
+          </a:ln>
+        </p:spPr>
+        <p:style>
+          <a:lnRef idx="0">
+            <a:scrgbClr r="0" g="0" b="0"/>
+          </a:lnRef>
+          <a:fillRef idx="0">
+            <a:scrgbClr r="0" g="0" b="0"/>
+          </a:fillRef>
+          <a:effectRef idx="0">
+            <a:scrgbClr r="0" g="0" b="0"/>
+          </a:effectRef>
+          <a:fontRef idx="minor">
+            <a:schemeClr val="tx1"/>
+          </a:fontRef>
+        </p:style>
+      </p:cxnSp>
+      <p:sp>
+        <p:nvSpPr>
+          <p:cNvPr id="8" name="文本框 7">
+            <a:extLst>
+              <a:ext uri="{FF2B5EF4-FFF2-40B4-BE49-F238E27FC236}">
+                <a16:creationId xmlns:a16="http://schemas.microsoft.com/office/drawing/2014/main" id="{F13649A9-23B8-4A93-9ED9-37F1269453D3}"/>
+              </a:ext>
+            </a:extLst>
+          </p:cNvPr>
+          <p:cNvSpPr txBox="1"/>
+          <p:nvPr/>
+        </p:nvSpPr>
+        <p:spPr>
+          <a:xfrm>
+            <a:off x="4092905" y="1387167"/>
+            <a:ext cx="7528614" cy="707886"/>
+          </a:xfrm>
+          <a:prstGeom prst="rect">
+            <a:avLst/>
+          </a:prstGeom>
+          <a:noFill/>
+        </p:spPr>
+        <p:txBody>
+          <a:bodyPr wrap="square" rtlCol="0">
+            <a:spAutoFit/>
+          </a:bodyPr>
+          <a:lstStyle/>
+          <a:p>
+            <a:r>
+              <a:rPr lang="zh-CN" altLang="en-US" sz="2000" b="1">
+                <a:solidFill>
+                  <a:schemeClr val="bg1">
+                    <a:lumMod val="75000"/>
+                  </a:schemeClr>
+                </a:solidFill>
+                <a:cs typeface="+mn-ea"/>
+              </a:rPr>
+              <a:t>四个位置地址输入端简化了将每个模块到</a:t>
+            </a:r>
+            <a:endParaRPr lang="en-US" altLang="zh-CN" sz="2000" b="1">
+              <a:solidFill>
+                <a:schemeClr val="bg1">
+                  <a:lumMod val="75000"/>
+                </a:schemeClr>
+              </a:solidFill>
+              <a:cs typeface="+mn-ea"/>
+            </a:endParaRPr>
+          </a:p>
+          <a:p>
+            <a:r>
+              <a:rPr lang="zh-CN" altLang="en-US" sz="2000" b="1">
+                <a:solidFill>
+                  <a:schemeClr val="bg1">
+                    <a:lumMod val="75000"/>
+                  </a:schemeClr>
+                </a:solidFill>
+                <a:cs typeface="+mn-ea"/>
+              </a:rPr>
+              <a:t>系统具体位置的映射关系。</a:t>
+            </a:r>
+            <a:r>
+              <a:rPr lang="en-US" sz="2000" b="1">
+                <a:solidFill>
+                  <a:schemeClr val="bg1">
+                    <a:lumMod val="75000"/>
+                  </a:schemeClr>
+                </a:solidFill>
+                <a:cs typeface="+mn-ea"/>
+              </a:rPr>
+              <a:t> </a:t>
+            </a:r>
+          </a:p>
+        </p:txBody>
+      </p:sp>
+      <p:sp>
+        <p:nvSpPr>
+          <p:cNvPr id="26" name="矩形 25">
+            <a:extLst>
+              <a:ext uri="{FF2B5EF4-FFF2-40B4-BE49-F238E27FC236}">
+                <a16:creationId xmlns:a16="http://schemas.microsoft.com/office/drawing/2014/main" id="{AFAF42A5-3FBF-4476-8E19-D6F9C880190B}"/>
+              </a:ext>
+            </a:extLst>
+          </p:cNvPr>
+          <p:cNvSpPr/>
+          <p:nvPr/>
+        </p:nvSpPr>
+        <p:spPr>
+          <a:xfrm>
+            <a:off x="4454726" y="2742020"/>
+            <a:ext cx="323423" cy="161925"/>
+          </a:xfrm>
+          <a:prstGeom prst="rect">
+            <a:avLst/>
+          </a:prstGeom>
+          <a:solidFill>
+            <a:schemeClr val="bg2">
+              <a:lumMod val="50000"/>
+            </a:schemeClr>
+          </a:solidFill>
+          <a:ln>
+            <a:solidFill>
+              <a:schemeClr val="bg2">
+                <a:lumMod val="50000"/>
+              </a:schemeClr>
+            </a:solidFill>
+          </a:ln>
+        </p:spPr>
+        <p:style>
+          <a:lnRef idx="2">
+            <a:schemeClr val="accent1">
+              <a:shade val="50000"/>
+            </a:schemeClr>
+          </a:lnRef>
+          <a:fillRef idx="1">
+            <a:schemeClr val="accent1"/>
+          </a:fillRef>
+          <a:effectRef idx="0">
+            <a:schemeClr val="accent1"/>
+          </a:effectRef>
+          <a:fontRef idx="minor">
+            <a:schemeClr val="lt1"/>
+          </a:fontRef>
+        </p:style>
+        <p:txBody>
+          <a:bodyPr rtlCol="0" anchor="ctr"/>
+          <a:lstStyle/>
+          <a:p>
+            <a:pPr algn="ctr"/>
+            <a:endParaRPr lang="en-US">
+              <a:cs typeface="+mn-ea"/>
+            </a:endParaRPr>
+          </a:p>
+        </p:txBody>
+      </p:sp>
+      <p:sp>
+        <p:nvSpPr>
+          <p:cNvPr id="76" name="矩形 75">
+            <a:extLst>
+              <a:ext uri="{FF2B5EF4-FFF2-40B4-BE49-F238E27FC236}">
+                <a16:creationId xmlns:a16="http://schemas.microsoft.com/office/drawing/2014/main" id="{EB8D5846-56FB-4402-807C-90D8DE237869}"/>
+              </a:ext>
+            </a:extLst>
+          </p:cNvPr>
+          <p:cNvSpPr/>
+          <p:nvPr/>
+        </p:nvSpPr>
+        <p:spPr>
+          <a:xfrm>
+            <a:off x="5216171" y="2626008"/>
+            <a:ext cx="381409" cy="393951"/>
+          </a:xfrm>
+          <a:prstGeom prst="rect">
+            <a:avLst/>
+          </a:prstGeom>
+          <a:solidFill>
+            <a:srgbClr val="C00000"/>
+          </a:solidFill>
+          <a:ln>
+            <a:solidFill>
+              <a:srgbClr val="C00000"/>
+            </a:solidFill>
+          </a:ln>
+        </p:spPr>
+        <p:style>
+          <a:lnRef idx="2">
+            <a:schemeClr val="accent1">
+              <a:shade val="50000"/>
+            </a:schemeClr>
+          </a:lnRef>
+          <a:fillRef idx="1">
+            <a:schemeClr val="accent1"/>
+          </a:fillRef>
+          <a:effectRef idx="0">
+            <a:schemeClr val="accent1"/>
+          </a:effectRef>
+          <a:fontRef idx="minor">
+            <a:schemeClr val="lt1"/>
+          </a:fontRef>
+        </p:style>
+        <p:txBody>
+          <a:bodyPr rtlCol="0" anchor="ctr"/>
+          <a:lstStyle/>
+          <a:p>
+            <a:pPr algn="ctr"/>
+            <a:endParaRPr lang="en-US">
+              <a:cs typeface="+mn-ea"/>
+            </a:endParaRPr>
+          </a:p>
+        </p:txBody>
+      </p:sp>
+      <p:sp>
+        <p:nvSpPr>
+          <p:cNvPr id="77" name="矩形 76">
+            <a:extLst>
+              <a:ext uri="{FF2B5EF4-FFF2-40B4-BE49-F238E27FC236}">
+                <a16:creationId xmlns:a16="http://schemas.microsoft.com/office/drawing/2014/main" id="{CD5CF8C5-3E98-4D32-91A8-FE5DBED497C1}"/>
+              </a:ext>
+            </a:extLst>
+          </p:cNvPr>
+          <p:cNvSpPr/>
+          <p:nvPr/>
+        </p:nvSpPr>
+        <p:spPr>
+          <a:xfrm>
+            <a:off x="5216171" y="3649281"/>
+            <a:ext cx="381409" cy="393951"/>
+          </a:xfrm>
+          <a:prstGeom prst="rect">
+            <a:avLst/>
+          </a:prstGeom>
+          <a:solidFill>
+            <a:srgbClr val="C00000"/>
+          </a:solidFill>
+          <a:ln>
+            <a:solidFill>
+              <a:srgbClr val="C00000"/>
+            </a:solidFill>
+          </a:ln>
+        </p:spPr>
+        <p:style>
+          <a:lnRef idx="2">
+            <a:schemeClr val="accent1">
+              <a:shade val="50000"/>
+            </a:schemeClr>
+          </a:lnRef>
+          <a:fillRef idx="1">
+            <a:schemeClr val="accent1"/>
+          </a:fillRef>
+          <a:effectRef idx="0">
+            <a:schemeClr val="accent1"/>
+          </a:effectRef>
+          <a:fontRef idx="minor">
+            <a:schemeClr val="lt1"/>
+          </a:fontRef>
+        </p:style>
+        <p:txBody>
+          <a:bodyPr rtlCol="0" anchor="ctr"/>
+          <a:lstStyle/>
+          <a:p>
+            <a:pPr algn="ctr"/>
+            <a:endParaRPr lang="en-US">
+              <a:cs typeface="+mn-ea"/>
+            </a:endParaRPr>
+          </a:p>
+        </p:txBody>
+      </p:sp>
+      <p:sp>
+        <p:nvSpPr>
+          <p:cNvPr id="78" name="矩形 77">
+            <a:extLst>
+              <a:ext uri="{FF2B5EF4-FFF2-40B4-BE49-F238E27FC236}">
+                <a16:creationId xmlns:a16="http://schemas.microsoft.com/office/drawing/2014/main" id="{64ED2BA5-51F2-404B-9617-28154965EF1D}"/>
+              </a:ext>
+            </a:extLst>
+          </p:cNvPr>
+          <p:cNvSpPr/>
+          <p:nvPr/>
+        </p:nvSpPr>
+        <p:spPr>
+          <a:xfrm>
+            <a:off x="5216171" y="3135877"/>
+            <a:ext cx="381409" cy="393951"/>
+          </a:xfrm>
+          <a:prstGeom prst="rect">
+            <a:avLst/>
+          </a:prstGeom>
+          <a:solidFill>
+            <a:srgbClr val="C00000"/>
+          </a:solidFill>
+          <a:ln>
+            <a:solidFill>
+              <a:srgbClr val="C00000"/>
+            </a:solidFill>
+          </a:ln>
+        </p:spPr>
+        <p:style>
+          <a:lnRef idx="2">
+            <a:schemeClr val="accent1">
+              <a:shade val="50000"/>
+            </a:schemeClr>
+          </a:lnRef>
+          <a:fillRef idx="1">
+            <a:schemeClr val="accent1"/>
+          </a:fillRef>
+          <a:effectRef idx="0">
+            <a:schemeClr val="accent1"/>
+          </a:effectRef>
+          <a:fontRef idx="minor">
+            <a:schemeClr val="lt1"/>
+          </a:fontRef>
+        </p:style>
+        <p:txBody>
+          <a:bodyPr rtlCol="0" anchor="ctr"/>
+          <a:lstStyle/>
+          <a:p>
+            <a:pPr algn="ctr"/>
+            <a:endParaRPr lang="en-US">
+              <a:cs typeface="+mn-ea"/>
+            </a:endParaRPr>
+          </a:p>
+        </p:txBody>
+      </p:sp>
+      <p:sp>
+        <p:nvSpPr>
+          <p:cNvPr id="79" name="矩形 78">
+            <a:extLst>
+              <a:ext uri="{FF2B5EF4-FFF2-40B4-BE49-F238E27FC236}">
+                <a16:creationId xmlns:a16="http://schemas.microsoft.com/office/drawing/2014/main" id="{95A84F38-017D-48D2-93FF-31C60DE7F353}"/>
+              </a:ext>
+            </a:extLst>
+          </p:cNvPr>
+          <p:cNvSpPr/>
+          <p:nvPr/>
+        </p:nvSpPr>
+        <p:spPr>
+          <a:xfrm>
+            <a:off x="5216170" y="4162685"/>
+            <a:ext cx="381409" cy="393951"/>
+          </a:xfrm>
+          <a:prstGeom prst="rect">
+            <a:avLst/>
+          </a:prstGeom>
+          <a:solidFill>
+            <a:srgbClr val="C00000"/>
+          </a:solidFill>
+          <a:ln>
+            <a:solidFill>
+              <a:srgbClr val="C00000"/>
+            </a:solidFill>
+          </a:ln>
+        </p:spPr>
+        <p:style>
+          <a:lnRef idx="2">
+            <a:schemeClr val="accent1">
+              <a:shade val="50000"/>
+            </a:schemeClr>
+          </a:lnRef>
+          <a:fillRef idx="1">
+            <a:schemeClr val="accent1"/>
+          </a:fillRef>
+          <a:effectRef idx="0">
+            <a:schemeClr val="accent1"/>
+          </a:effectRef>
+          <a:fontRef idx="minor">
+            <a:schemeClr val="lt1"/>
+          </a:fontRef>
+        </p:style>
+        <p:txBody>
+          <a:bodyPr rtlCol="0" anchor="ctr"/>
+          <a:lstStyle/>
+          <a:p>
+            <a:pPr algn="ctr"/>
+            <a:endParaRPr lang="en-US">
+              <a:cs typeface="+mn-ea"/>
+            </a:endParaRPr>
+          </a:p>
+        </p:txBody>
+      </p:sp>
+      <p:sp>
+        <p:nvSpPr>
+          <p:cNvPr id="16" name="矩形 15">
+            <a:extLst>
+              <a:ext uri="{FF2B5EF4-FFF2-40B4-BE49-F238E27FC236}">
+                <a16:creationId xmlns:a16="http://schemas.microsoft.com/office/drawing/2014/main" id="{F0E5F74B-7208-46C6-A15A-99B8C5A942F7}"/>
+              </a:ext>
+            </a:extLst>
+          </p:cNvPr>
+          <p:cNvSpPr/>
+          <p:nvPr/>
+        </p:nvSpPr>
+        <p:spPr>
+          <a:xfrm>
+            <a:off x="4092906" y="2626008"/>
+            <a:ext cx="381409" cy="393951"/>
+          </a:xfrm>
+          <a:prstGeom prst="rect">
+            <a:avLst/>
+          </a:prstGeom>
+          <a:solidFill>
+            <a:schemeClr val="tx1"/>
+          </a:solidFill>
+          <a:ln>
+            <a:solidFill>
+              <a:schemeClr val="tx1"/>
+            </a:solidFill>
+          </a:ln>
+        </p:spPr>
+        <p:style>
+          <a:lnRef idx="2">
+            <a:schemeClr val="accent1">
+              <a:shade val="50000"/>
+            </a:schemeClr>
+          </a:lnRef>
+          <a:fillRef idx="1">
+            <a:schemeClr val="accent1"/>
+          </a:fillRef>
+          <a:effectRef idx="0">
+            <a:schemeClr val="accent1"/>
+          </a:effectRef>
+          <a:fontRef idx="minor">
+            <a:schemeClr val="lt1"/>
+          </a:fontRef>
+        </p:style>
+        <p:txBody>
+          <a:bodyPr rtlCol="0" anchor="ctr"/>
+          <a:lstStyle/>
+          <a:p>
+            <a:pPr algn="ctr"/>
+            <a:endParaRPr lang="en-US">
+              <a:cs typeface="+mn-ea"/>
+            </a:endParaRPr>
+          </a:p>
+        </p:txBody>
+      </p:sp>
+      <p:sp>
+        <p:nvSpPr>
+          <p:cNvPr id="80" name="矩形 79">
+            <a:extLst>
+              <a:ext uri="{FF2B5EF4-FFF2-40B4-BE49-F238E27FC236}">
+                <a16:creationId xmlns:a16="http://schemas.microsoft.com/office/drawing/2014/main" id="{CA09E401-1355-4758-8BE1-A5103FC1FA2D}"/>
+              </a:ext>
+            </a:extLst>
+          </p:cNvPr>
+          <p:cNvSpPr/>
+          <p:nvPr/>
+        </p:nvSpPr>
+        <p:spPr>
+          <a:xfrm>
+            <a:off x="4419320" y="3253273"/>
+            <a:ext cx="323423" cy="161925"/>
+          </a:xfrm>
+          <a:prstGeom prst="rect">
+            <a:avLst/>
+          </a:prstGeom>
+          <a:solidFill>
+            <a:schemeClr val="bg2">
+              <a:lumMod val="50000"/>
+            </a:schemeClr>
+          </a:solidFill>
+          <a:ln>
+            <a:solidFill>
+              <a:schemeClr val="bg2">
+                <a:lumMod val="50000"/>
+              </a:schemeClr>
+            </a:solidFill>
+          </a:ln>
+        </p:spPr>
+        <p:style>
+          <a:lnRef idx="2">
+            <a:schemeClr val="accent1">
+              <a:shade val="50000"/>
+            </a:schemeClr>
+          </a:lnRef>
+          <a:fillRef idx="1">
+            <a:schemeClr val="accent1"/>
+          </a:fillRef>
+          <a:effectRef idx="0">
+            <a:schemeClr val="accent1"/>
+          </a:effectRef>
+          <a:fontRef idx="minor">
+            <a:schemeClr val="lt1"/>
+          </a:fontRef>
+        </p:style>
+        <p:txBody>
+          <a:bodyPr rtlCol="0" anchor="ctr"/>
+          <a:lstStyle/>
+          <a:p>
+            <a:pPr algn="ctr"/>
+            <a:endParaRPr lang="en-US">
+              <a:cs typeface="+mn-ea"/>
+            </a:endParaRPr>
+          </a:p>
+        </p:txBody>
+      </p:sp>
+      <p:sp>
+        <p:nvSpPr>
+          <p:cNvPr id="42" name="矩形 41">
+            <a:extLst>
+              <a:ext uri="{FF2B5EF4-FFF2-40B4-BE49-F238E27FC236}">
+                <a16:creationId xmlns:a16="http://schemas.microsoft.com/office/drawing/2014/main" id="{80F8AEA3-949B-45F0-A840-7D1F73B5123A}"/>
+              </a:ext>
+            </a:extLst>
+          </p:cNvPr>
+          <p:cNvSpPr/>
+          <p:nvPr/>
+        </p:nvSpPr>
+        <p:spPr>
+          <a:xfrm>
+            <a:off x="4092906" y="3135877"/>
+            <a:ext cx="381409" cy="393951"/>
+          </a:xfrm>
+          <a:prstGeom prst="rect">
+            <a:avLst/>
+          </a:prstGeom>
+          <a:solidFill>
+            <a:schemeClr val="tx1"/>
+          </a:solidFill>
+          <a:ln>
+            <a:solidFill>
+              <a:schemeClr val="tx1"/>
+            </a:solidFill>
+          </a:ln>
+        </p:spPr>
+        <p:style>
+          <a:lnRef idx="2">
+            <a:schemeClr val="accent1">
+              <a:shade val="50000"/>
+            </a:schemeClr>
+          </a:lnRef>
+          <a:fillRef idx="1">
+            <a:schemeClr val="accent1"/>
+          </a:fillRef>
+          <a:effectRef idx="0">
+            <a:schemeClr val="accent1"/>
+          </a:effectRef>
+          <a:fontRef idx="minor">
+            <a:schemeClr val="lt1"/>
+          </a:fontRef>
+        </p:style>
+        <p:txBody>
+          <a:bodyPr rtlCol="0" anchor="ctr"/>
+          <a:lstStyle/>
+          <a:p>
+            <a:pPr algn="ctr"/>
+            <a:endParaRPr lang="en-US">
+              <a:cs typeface="+mn-ea"/>
+            </a:endParaRPr>
+          </a:p>
+        </p:txBody>
+      </p:sp>
+      <p:sp>
+        <p:nvSpPr>
+          <p:cNvPr id="72" name="矩形 71">
+            <a:extLst>
+              <a:ext uri="{FF2B5EF4-FFF2-40B4-BE49-F238E27FC236}">
+                <a16:creationId xmlns:a16="http://schemas.microsoft.com/office/drawing/2014/main" id="{26C31412-70D6-437E-970B-7EE44F160A21}"/>
+              </a:ext>
+            </a:extLst>
+          </p:cNvPr>
+          <p:cNvSpPr/>
+          <p:nvPr/>
+        </p:nvSpPr>
+        <p:spPr>
+          <a:xfrm>
+            <a:off x="4654539" y="2626008"/>
+            <a:ext cx="381409" cy="393951"/>
+          </a:xfrm>
+          <a:prstGeom prst="rect">
+            <a:avLst/>
+          </a:prstGeom>
+          <a:solidFill>
+            <a:schemeClr val="bg2">
+              <a:lumMod val="50000"/>
+            </a:schemeClr>
+          </a:solidFill>
+          <a:ln>
+            <a:solidFill>
+              <a:schemeClr val="bg2">
+                <a:lumMod val="50000"/>
+              </a:schemeClr>
+            </a:solidFill>
+          </a:ln>
+        </p:spPr>
+        <p:style>
+          <a:lnRef idx="2">
+            <a:schemeClr val="accent1">
+              <a:shade val="50000"/>
+            </a:schemeClr>
+          </a:lnRef>
+          <a:fillRef idx="1">
+            <a:schemeClr val="accent1"/>
+          </a:fillRef>
+          <a:effectRef idx="0">
+            <a:schemeClr val="accent1"/>
+          </a:effectRef>
+          <a:fontRef idx="minor">
+            <a:schemeClr val="lt1"/>
+          </a:fontRef>
+        </p:style>
+        <p:txBody>
+          <a:bodyPr rtlCol="0" anchor="ctr"/>
+          <a:lstStyle/>
+          <a:p>
+            <a:pPr algn="ctr"/>
+            <a:endParaRPr lang="en-US">
+              <a:cs typeface="+mn-ea"/>
+            </a:endParaRPr>
+          </a:p>
+        </p:txBody>
+      </p:sp>
+      <p:sp>
+        <p:nvSpPr>
+          <p:cNvPr id="73" name="矩形 72">
+            <a:extLst>
+              <a:ext uri="{FF2B5EF4-FFF2-40B4-BE49-F238E27FC236}">
+                <a16:creationId xmlns:a16="http://schemas.microsoft.com/office/drawing/2014/main" id="{1F29374A-88FD-41CC-96F1-8E92D354334F}"/>
+              </a:ext>
+            </a:extLst>
+          </p:cNvPr>
+          <p:cNvSpPr/>
+          <p:nvPr/>
+        </p:nvSpPr>
+        <p:spPr>
+          <a:xfrm>
+            <a:off x="4654539" y="3649281"/>
+            <a:ext cx="381409" cy="393951"/>
+          </a:xfrm>
+          <a:prstGeom prst="rect">
+            <a:avLst/>
+          </a:prstGeom>
+          <a:solidFill>
+            <a:schemeClr val="bg2">
+              <a:lumMod val="50000"/>
+            </a:schemeClr>
+          </a:solidFill>
+          <a:ln>
+            <a:solidFill>
+              <a:schemeClr val="bg2">
+                <a:lumMod val="50000"/>
+              </a:schemeClr>
+            </a:solidFill>
+          </a:ln>
+        </p:spPr>
+        <p:style>
+          <a:lnRef idx="2">
+            <a:schemeClr val="accent1">
+              <a:shade val="50000"/>
+            </a:schemeClr>
+          </a:lnRef>
+          <a:fillRef idx="1">
+            <a:schemeClr val="accent1"/>
+          </a:fillRef>
+          <a:effectRef idx="0">
+            <a:schemeClr val="accent1"/>
+          </a:effectRef>
+          <a:fontRef idx="minor">
+            <a:schemeClr val="lt1"/>
+          </a:fontRef>
+        </p:style>
+        <p:txBody>
+          <a:bodyPr rtlCol="0" anchor="ctr"/>
+          <a:lstStyle/>
+          <a:p>
+            <a:pPr algn="ctr"/>
+            <a:endParaRPr lang="en-US">
+              <a:cs typeface="+mn-ea"/>
+            </a:endParaRPr>
+          </a:p>
+        </p:txBody>
+      </p:sp>
+      <p:sp>
+        <p:nvSpPr>
+          <p:cNvPr id="74" name="矩形 73">
+            <a:extLst>
+              <a:ext uri="{FF2B5EF4-FFF2-40B4-BE49-F238E27FC236}">
+                <a16:creationId xmlns:a16="http://schemas.microsoft.com/office/drawing/2014/main" id="{F5E7D2F5-EA8E-4EEA-BA1F-C51F7C8D8145}"/>
+              </a:ext>
+            </a:extLst>
+          </p:cNvPr>
+          <p:cNvSpPr/>
+          <p:nvPr/>
+        </p:nvSpPr>
+        <p:spPr>
+          <a:xfrm>
+            <a:off x="4654539" y="3135877"/>
+            <a:ext cx="381409" cy="393951"/>
+          </a:xfrm>
+          <a:prstGeom prst="rect">
+            <a:avLst/>
+          </a:prstGeom>
+          <a:solidFill>
+            <a:schemeClr val="bg2">
+              <a:lumMod val="50000"/>
+            </a:schemeClr>
+          </a:solidFill>
+          <a:ln>
+            <a:solidFill>
+              <a:schemeClr val="bg2">
+                <a:lumMod val="50000"/>
+              </a:schemeClr>
+            </a:solidFill>
+          </a:ln>
+        </p:spPr>
+        <p:style>
+          <a:lnRef idx="2">
+            <a:schemeClr val="accent1">
+              <a:shade val="50000"/>
+            </a:schemeClr>
+          </a:lnRef>
+          <a:fillRef idx="1">
+            <a:schemeClr val="accent1"/>
+          </a:fillRef>
+          <a:effectRef idx="0">
+            <a:schemeClr val="accent1"/>
+          </a:effectRef>
+          <a:fontRef idx="minor">
+            <a:schemeClr val="lt1"/>
+          </a:fontRef>
+        </p:style>
+        <p:txBody>
+          <a:bodyPr rtlCol="0" anchor="ctr"/>
+          <a:lstStyle/>
+          <a:p>
+            <a:pPr algn="ctr"/>
+            <a:endParaRPr lang="en-US">
+              <a:cs typeface="+mn-ea"/>
+            </a:endParaRPr>
+          </a:p>
+        </p:txBody>
+      </p:sp>
+      <p:sp>
+        <p:nvSpPr>
+          <p:cNvPr id="75" name="矩形 74">
+            <a:extLst>
+              <a:ext uri="{FF2B5EF4-FFF2-40B4-BE49-F238E27FC236}">
+                <a16:creationId xmlns:a16="http://schemas.microsoft.com/office/drawing/2014/main" id="{8AE46937-FB74-438D-8C87-351781DFD0A9}"/>
+              </a:ext>
+            </a:extLst>
+          </p:cNvPr>
+          <p:cNvSpPr/>
+          <p:nvPr/>
+        </p:nvSpPr>
+        <p:spPr>
+          <a:xfrm>
+            <a:off x="4654538" y="4162685"/>
+            <a:ext cx="381409" cy="393951"/>
+          </a:xfrm>
+          <a:prstGeom prst="rect">
+            <a:avLst/>
+          </a:prstGeom>
+          <a:solidFill>
+            <a:schemeClr val="bg2">
+              <a:lumMod val="50000"/>
+            </a:schemeClr>
+          </a:solidFill>
+          <a:ln>
+            <a:solidFill>
+              <a:schemeClr val="bg2">
+                <a:lumMod val="50000"/>
+              </a:schemeClr>
+            </a:solidFill>
+          </a:ln>
+        </p:spPr>
+        <p:style>
+          <a:lnRef idx="2">
+            <a:schemeClr val="accent1">
+              <a:shade val="50000"/>
+            </a:schemeClr>
+          </a:lnRef>
+          <a:fillRef idx="1">
+            <a:schemeClr val="accent1"/>
+          </a:fillRef>
+          <a:effectRef idx="0">
+            <a:schemeClr val="accent1"/>
+          </a:effectRef>
+          <a:fontRef idx="minor">
+            <a:schemeClr val="lt1"/>
+          </a:fontRef>
+        </p:style>
+        <p:txBody>
+          <a:bodyPr rtlCol="0" anchor="ctr"/>
+          <a:lstStyle/>
+          <a:p>
+            <a:pPr algn="ctr"/>
+            <a:endParaRPr lang="en-US">
+              <a:cs typeface="+mn-ea"/>
+            </a:endParaRPr>
+          </a:p>
+        </p:txBody>
+      </p:sp>
+      <p:sp>
+        <p:nvSpPr>
+          <p:cNvPr id="81" name="矩形 80">
+            <a:extLst>
+              <a:ext uri="{FF2B5EF4-FFF2-40B4-BE49-F238E27FC236}">
+                <a16:creationId xmlns:a16="http://schemas.microsoft.com/office/drawing/2014/main" id="{87F9914F-B279-4EC7-966D-00B4700A1ACE}"/>
+              </a:ext>
+            </a:extLst>
+          </p:cNvPr>
+          <p:cNvSpPr/>
+          <p:nvPr/>
+        </p:nvSpPr>
+        <p:spPr>
+          <a:xfrm>
+            <a:off x="4442218" y="3766767"/>
+            <a:ext cx="323423" cy="161925"/>
+          </a:xfrm>
+          <a:prstGeom prst="rect">
+            <a:avLst/>
+          </a:prstGeom>
+          <a:solidFill>
+            <a:schemeClr val="bg2">
+              <a:lumMod val="50000"/>
+            </a:schemeClr>
+          </a:solidFill>
+          <a:ln>
+            <a:solidFill>
+              <a:schemeClr val="bg2">
+                <a:lumMod val="50000"/>
+              </a:schemeClr>
+            </a:solidFill>
+          </a:ln>
+        </p:spPr>
+        <p:style>
+          <a:lnRef idx="2">
+            <a:schemeClr val="accent1">
+              <a:shade val="50000"/>
+            </a:schemeClr>
+          </a:lnRef>
+          <a:fillRef idx="1">
+            <a:schemeClr val="accent1"/>
+          </a:fillRef>
+          <a:effectRef idx="0">
+            <a:schemeClr val="accent1"/>
+          </a:effectRef>
+          <a:fontRef idx="minor">
+            <a:schemeClr val="lt1"/>
+          </a:fontRef>
+        </p:style>
+        <p:txBody>
+          <a:bodyPr rtlCol="0" anchor="ctr"/>
+          <a:lstStyle/>
+          <a:p>
+            <a:pPr algn="ctr"/>
+            <a:endParaRPr lang="en-US">
+              <a:cs typeface="+mn-ea"/>
+            </a:endParaRPr>
+          </a:p>
+        </p:txBody>
+      </p:sp>
+      <p:sp>
+        <p:nvSpPr>
+          <p:cNvPr id="82" name="矩形 81">
+            <a:extLst>
+              <a:ext uri="{FF2B5EF4-FFF2-40B4-BE49-F238E27FC236}">
+                <a16:creationId xmlns:a16="http://schemas.microsoft.com/office/drawing/2014/main" id="{182A3143-25D2-43EA-896F-09EE9033ED14}"/>
+              </a:ext>
+            </a:extLst>
+          </p:cNvPr>
+          <p:cNvSpPr/>
+          <p:nvPr/>
+        </p:nvSpPr>
+        <p:spPr>
+          <a:xfrm>
+            <a:off x="4471331" y="4282717"/>
+            <a:ext cx="323423" cy="161925"/>
+          </a:xfrm>
+          <a:prstGeom prst="rect">
+            <a:avLst/>
+          </a:prstGeom>
+          <a:solidFill>
+            <a:schemeClr val="bg2">
+              <a:lumMod val="50000"/>
+            </a:schemeClr>
+          </a:solidFill>
+          <a:ln>
+            <a:solidFill>
+              <a:schemeClr val="bg2">
+                <a:lumMod val="50000"/>
+              </a:schemeClr>
+            </a:solidFill>
+          </a:ln>
+        </p:spPr>
+        <p:style>
+          <a:lnRef idx="2">
+            <a:schemeClr val="accent1">
+              <a:shade val="50000"/>
+            </a:schemeClr>
+          </a:lnRef>
+          <a:fillRef idx="1">
+            <a:schemeClr val="accent1"/>
+          </a:fillRef>
+          <a:effectRef idx="0">
+            <a:schemeClr val="accent1"/>
+          </a:effectRef>
+          <a:fontRef idx="minor">
+            <a:schemeClr val="lt1"/>
+          </a:fontRef>
+        </p:style>
+        <p:txBody>
+          <a:bodyPr rtlCol="0" anchor="ctr"/>
+          <a:lstStyle/>
+          <a:p>
+            <a:pPr algn="ctr"/>
+            <a:endParaRPr lang="en-US">
+              <a:cs typeface="+mn-ea"/>
+            </a:endParaRPr>
+          </a:p>
+        </p:txBody>
+      </p:sp>
+      <p:sp>
+        <p:nvSpPr>
+          <p:cNvPr id="41" name="矩形 40">
+            <a:extLst>
+              <a:ext uri="{FF2B5EF4-FFF2-40B4-BE49-F238E27FC236}">
+                <a16:creationId xmlns:a16="http://schemas.microsoft.com/office/drawing/2014/main" id="{0E91F68D-7380-4EB7-8401-A49839589FC2}"/>
+              </a:ext>
+            </a:extLst>
+          </p:cNvPr>
+          <p:cNvSpPr/>
+          <p:nvPr/>
+        </p:nvSpPr>
+        <p:spPr>
+          <a:xfrm>
+            <a:off x="4092906" y="3649281"/>
+            <a:ext cx="381409" cy="393951"/>
+          </a:xfrm>
+          <a:prstGeom prst="rect">
+            <a:avLst/>
+          </a:prstGeom>
+          <a:solidFill>
+            <a:schemeClr val="tx1"/>
+          </a:solidFill>
+          <a:ln>
+            <a:solidFill>
+              <a:schemeClr val="tx1"/>
+            </a:solidFill>
+          </a:ln>
+        </p:spPr>
+        <p:style>
+          <a:lnRef idx="2">
+            <a:schemeClr val="accent1">
+              <a:shade val="50000"/>
+            </a:schemeClr>
+          </a:lnRef>
+          <a:fillRef idx="1">
+            <a:schemeClr val="accent1"/>
+          </a:fillRef>
+          <a:effectRef idx="0">
+            <a:schemeClr val="accent1"/>
+          </a:effectRef>
+          <a:fontRef idx="minor">
+            <a:schemeClr val="lt1"/>
+          </a:fontRef>
+        </p:style>
+        <p:txBody>
+          <a:bodyPr rtlCol="0" anchor="ctr"/>
+          <a:lstStyle/>
+          <a:p>
+            <a:pPr algn="ctr"/>
+            <a:endParaRPr lang="en-US">
+              <a:cs typeface="+mn-ea"/>
+            </a:endParaRPr>
+          </a:p>
+        </p:txBody>
+      </p:sp>
+      <p:sp>
+        <p:nvSpPr>
+          <p:cNvPr id="71" name="矩形 70">
+            <a:extLst>
+              <a:ext uri="{FF2B5EF4-FFF2-40B4-BE49-F238E27FC236}">
+                <a16:creationId xmlns:a16="http://schemas.microsoft.com/office/drawing/2014/main" id="{23CB8A7A-4D8F-4649-93AD-07DF29189B64}"/>
+              </a:ext>
+            </a:extLst>
+          </p:cNvPr>
+          <p:cNvSpPr/>
+          <p:nvPr/>
+        </p:nvSpPr>
+        <p:spPr>
+          <a:xfrm>
+            <a:off x="4092905" y="4162685"/>
+            <a:ext cx="381409" cy="393951"/>
+          </a:xfrm>
+          <a:prstGeom prst="rect">
+            <a:avLst/>
+          </a:prstGeom>
+          <a:solidFill>
+            <a:schemeClr val="tx1"/>
+          </a:solidFill>
+          <a:ln>
+            <a:solidFill>
+              <a:schemeClr val="tx1"/>
+            </a:solidFill>
+          </a:ln>
+        </p:spPr>
+        <p:style>
+          <a:lnRef idx="2">
+            <a:schemeClr val="accent1">
+              <a:shade val="50000"/>
+            </a:schemeClr>
+          </a:lnRef>
+          <a:fillRef idx="1">
+            <a:schemeClr val="accent1"/>
+          </a:fillRef>
+          <a:effectRef idx="0">
+            <a:schemeClr val="accent1"/>
+          </a:effectRef>
+          <a:fontRef idx="minor">
+            <a:schemeClr val="lt1"/>
+          </a:fontRef>
+        </p:style>
+        <p:txBody>
+          <a:bodyPr rtlCol="0" anchor="ctr"/>
+          <a:lstStyle/>
+          <a:p>
+            <a:pPr algn="ctr"/>
+            <a:endParaRPr lang="en-US">
+              <a:cs typeface="+mn-ea"/>
+            </a:endParaRPr>
+          </a:p>
+        </p:txBody>
+      </p:sp>
+      <p:sp>
+        <p:nvSpPr>
+          <p:cNvPr id="84" name="文本框 83">
+            <a:extLst>
+              <a:ext uri="{FF2B5EF4-FFF2-40B4-BE49-F238E27FC236}">
+                <a16:creationId xmlns:a16="http://schemas.microsoft.com/office/drawing/2014/main" id="{9DE1107A-7FA2-45B3-B45E-A9D840FEE8C4}"/>
+              </a:ext>
+            </a:extLst>
+          </p:cNvPr>
+          <p:cNvSpPr txBox="1"/>
+          <p:nvPr/>
+        </p:nvSpPr>
+        <p:spPr>
+          <a:xfrm>
+            <a:off x="3978605" y="4765284"/>
+            <a:ext cx="2803195" cy="707886"/>
+          </a:xfrm>
+          <a:prstGeom prst="rect">
+            <a:avLst/>
+          </a:prstGeom>
+          <a:noFill/>
+        </p:spPr>
+        <p:txBody>
+          <a:bodyPr wrap="square" rtlCol="0">
+            <a:spAutoFit/>
+          </a:bodyPr>
+          <a:lstStyle/>
+          <a:p>
+            <a:r>
+              <a:rPr lang="zh-CN" altLang="en-US" sz="2000" b="1">
+                <a:solidFill>
+                  <a:schemeClr val="bg1">
+                    <a:lumMod val="75000"/>
+                  </a:schemeClr>
+                </a:solidFill>
+                <a:cs typeface="+mn-ea"/>
+              </a:rPr>
+              <a:t>默认定位地址</a:t>
+            </a:r>
+            <a:endParaRPr lang="en-US" altLang="zh-CN" sz="2000" b="1">
+              <a:solidFill>
+                <a:schemeClr val="bg1">
+                  <a:lumMod val="75000"/>
+                </a:schemeClr>
+              </a:solidFill>
+              <a:cs typeface="+mn-ea"/>
+            </a:endParaRPr>
+          </a:p>
+          <a:p>
+            <a:r>
+              <a:rPr lang="en-US" altLang="zh-CN" sz="2000" b="1">
+                <a:solidFill>
+                  <a:schemeClr val="bg1">
+                    <a:lumMod val="75000"/>
+                  </a:schemeClr>
+                </a:solidFill>
+                <a:cs typeface="+mn-ea"/>
+              </a:rPr>
+              <a:t>0000</a:t>
+            </a:r>
+            <a:endParaRPr lang="en-US" sz="2000" b="1">
+              <a:solidFill>
+                <a:schemeClr val="bg1">
+                  <a:lumMod val="75000"/>
+                </a:schemeClr>
+              </a:solidFill>
+              <a:cs typeface="+mn-ea"/>
+            </a:endParaRPr>
+          </a:p>
+        </p:txBody>
+      </p:sp>
+      <p:sp>
+        <p:nvSpPr>
+          <p:cNvPr id="27" name="文本框 26">
+            <a:extLst>
+              <a:ext uri="{FF2B5EF4-FFF2-40B4-BE49-F238E27FC236}">
+                <a16:creationId xmlns:a16="http://schemas.microsoft.com/office/drawing/2014/main" id="{C8FE3C87-049E-4FB6-AE78-F075EA23A97E}"/>
+              </a:ext>
+            </a:extLst>
+          </p:cNvPr>
+          <p:cNvSpPr txBox="1"/>
+          <p:nvPr/>
+        </p:nvSpPr>
+        <p:spPr>
+          <a:xfrm>
+            <a:off x="5750781" y="2626008"/>
+            <a:ext cx="2151551" cy="400110"/>
+          </a:xfrm>
+          <a:prstGeom prst="rect">
+            <a:avLst/>
+          </a:prstGeom>
+          <a:noFill/>
+        </p:spPr>
+        <p:txBody>
+          <a:bodyPr wrap="none" rtlCol="0">
+            <a:spAutoFit/>
+          </a:bodyPr>
+          <a:lstStyle/>
+          <a:p>
+            <a:r>
+              <a:rPr lang="en-US" sz="2000" b="1">
+                <a:solidFill>
+                  <a:schemeClr val="bg1">
+                    <a:lumMod val="75000"/>
+                  </a:schemeClr>
+                </a:solidFill>
+                <a:cs typeface="+mn-ea"/>
+              </a:rPr>
+              <a:t>AD0(</a:t>
+            </a:r>
+            <a:r>
+              <a:rPr lang="zh-CN" altLang="en-US" sz="2000" b="1">
+                <a:solidFill>
+                  <a:schemeClr val="bg1">
+                    <a:lumMod val="75000"/>
+                  </a:schemeClr>
+                </a:solidFill>
+                <a:cs typeface="+mn-ea"/>
+              </a:rPr>
+              <a:t>最低有效位</a:t>
+            </a:r>
+            <a:r>
+              <a:rPr lang="en-US" sz="2000" b="1">
+                <a:solidFill>
+                  <a:schemeClr val="bg1">
+                    <a:lumMod val="75000"/>
+                  </a:schemeClr>
+                </a:solidFill>
+                <a:cs typeface="+mn-ea"/>
+              </a:rPr>
+              <a:t>)</a:t>
+            </a:r>
+          </a:p>
+        </p:txBody>
+      </p:sp>
+      <p:sp>
+        <p:nvSpPr>
+          <p:cNvPr id="85" name="文本框 84">
+            <a:extLst>
+              <a:ext uri="{FF2B5EF4-FFF2-40B4-BE49-F238E27FC236}">
+                <a16:creationId xmlns:a16="http://schemas.microsoft.com/office/drawing/2014/main" id="{0AADF08A-7F11-4344-AA7C-AB68C91F0033}"/>
+              </a:ext>
+            </a:extLst>
+          </p:cNvPr>
+          <p:cNvSpPr txBox="1"/>
+          <p:nvPr/>
+        </p:nvSpPr>
+        <p:spPr>
+          <a:xfrm>
+            <a:off x="5750781" y="3182778"/>
+            <a:ext cx="699230" cy="400110"/>
+          </a:xfrm>
+          <a:prstGeom prst="rect">
+            <a:avLst/>
+          </a:prstGeom>
+          <a:noFill/>
+        </p:spPr>
+        <p:txBody>
+          <a:bodyPr wrap="none" rtlCol="0">
+            <a:spAutoFit/>
+          </a:bodyPr>
+          <a:lstStyle/>
+          <a:p>
+            <a:r>
+              <a:rPr lang="en-US" sz="2000" b="1">
+                <a:solidFill>
+                  <a:schemeClr val="bg1">
+                    <a:lumMod val="75000"/>
+                  </a:schemeClr>
+                </a:solidFill>
+                <a:cs typeface="+mn-ea"/>
+              </a:rPr>
+              <a:t>AD1</a:t>
+            </a:r>
+          </a:p>
+        </p:txBody>
+      </p:sp>
+      <p:sp>
+        <p:nvSpPr>
+          <p:cNvPr id="87" name="文本框 86">
+            <a:extLst>
+              <a:ext uri="{FF2B5EF4-FFF2-40B4-BE49-F238E27FC236}">
+                <a16:creationId xmlns:a16="http://schemas.microsoft.com/office/drawing/2014/main" id="{1EFD9630-87C8-43B4-836F-BEDBA863C623}"/>
+              </a:ext>
+            </a:extLst>
+          </p:cNvPr>
+          <p:cNvSpPr txBox="1"/>
+          <p:nvPr/>
+        </p:nvSpPr>
+        <p:spPr>
+          <a:xfrm>
+            <a:off x="5750780" y="3692567"/>
+            <a:ext cx="699230" cy="400110"/>
+          </a:xfrm>
+          <a:prstGeom prst="rect">
+            <a:avLst/>
+          </a:prstGeom>
+          <a:noFill/>
+        </p:spPr>
+        <p:txBody>
+          <a:bodyPr wrap="none" rtlCol="0">
+            <a:spAutoFit/>
+          </a:bodyPr>
+          <a:lstStyle/>
+          <a:p>
+            <a:r>
+              <a:rPr lang="en-US" sz="2000" b="1">
+                <a:solidFill>
+                  <a:schemeClr val="bg1">
+                    <a:lumMod val="75000"/>
+                  </a:schemeClr>
+                </a:solidFill>
+                <a:cs typeface="+mn-ea"/>
+              </a:rPr>
+              <a:t>AD2</a:t>
+            </a:r>
+          </a:p>
+        </p:txBody>
+      </p:sp>
+      <p:sp>
+        <p:nvSpPr>
+          <p:cNvPr id="88" name="文本框 87">
+            <a:extLst>
+              <a:ext uri="{FF2B5EF4-FFF2-40B4-BE49-F238E27FC236}">
+                <a16:creationId xmlns:a16="http://schemas.microsoft.com/office/drawing/2014/main" id="{7470FFE0-7F5E-46D3-BF8B-5FCDBB1A9DBE}"/>
+              </a:ext>
+            </a:extLst>
+          </p:cNvPr>
+          <p:cNvSpPr txBox="1"/>
+          <p:nvPr/>
+        </p:nvSpPr>
+        <p:spPr>
+          <a:xfrm>
+            <a:off x="5766079" y="4197212"/>
+            <a:ext cx="2151551" cy="400110"/>
+          </a:xfrm>
+          <a:prstGeom prst="rect">
+            <a:avLst/>
+          </a:prstGeom>
+          <a:noFill/>
+        </p:spPr>
+        <p:txBody>
+          <a:bodyPr wrap="none" rtlCol="0">
+            <a:spAutoFit/>
+          </a:bodyPr>
+          <a:lstStyle/>
+          <a:p>
+            <a:r>
+              <a:rPr lang="en-US" sz="2000" b="1">
+                <a:solidFill>
+                  <a:schemeClr val="bg1">
+                    <a:lumMod val="75000"/>
+                  </a:schemeClr>
+                </a:solidFill>
+                <a:cs typeface="+mn-ea"/>
+              </a:rPr>
+              <a:t>AD3(</a:t>
+            </a:r>
+            <a:r>
+              <a:rPr lang="zh-CN" altLang="en-US" sz="2000" b="1">
+                <a:solidFill>
+                  <a:schemeClr val="bg1">
+                    <a:lumMod val="75000"/>
+                  </a:schemeClr>
+                </a:solidFill>
+                <a:cs typeface="+mn-ea"/>
+              </a:rPr>
+              <a:t>最高有效位</a:t>
+            </a:r>
+            <a:r>
+              <a:rPr lang="en-US" sz="2000" b="1">
+                <a:solidFill>
+                  <a:schemeClr val="bg1">
+                    <a:lumMod val="75000"/>
+                  </a:schemeClr>
+                </a:solidFill>
+                <a:cs typeface="+mn-ea"/>
+              </a:rPr>
+              <a:t>)</a:t>
+            </a:r>
+          </a:p>
+        </p:txBody>
+      </p:sp>
+    </p:spTree>
+    <p:extLst>
+      <p:ext uri="{BB962C8B-B14F-4D97-AF65-F5344CB8AC3E}">
+        <p14:creationId xmlns:p14="http://schemas.microsoft.com/office/powerpoint/2010/main" val="2769701408"/>
       </p:ext>
     </p:extLst>
   </p:cSld>
@@ -6430,110 +9134,16 @@
         <a:srgbClr val="954F72"/>
       </a:folHlink>
     </a:clrScheme>
-    <a:fontScheme name="Office">
+    <a:fontScheme name="j0qigstt">
       <a:majorFont>
-        <a:latin typeface="Calibri Light" panose="020F0302020204030204"/>
-        <a:ea typeface=""/>
+        <a:latin typeface="Arial" panose="020F0302020204030204"/>
+        <a:ea typeface="STKaiti"/>
         <a:cs typeface=""/>
-        <a:font script="Jpan" typeface="游ゴシック Light"/>
-        <a:font script="Hang" typeface="맑은 고딕"/>
-        <a:font script="Hans" typeface="等线 Light"/>
-        <a:font script="Hant" typeface="新細明體"/>
-        <a:font script="Arab" typeface="Times New Roman"/>
-        <a:font script="Hebr" typeface="Times New Roman"/>
-        <a:font script="Thai" typeface="Angsana New"/>
-        <a:font script="Ethi" typeface="Nyala"/>
-        <a:font script="Beng" typeface="Vrinda"/>
-        <a:font script="Gujr" typeface="Shruti"/>
-        <a:font script="Khmr" typeface="MoolBoran"/>
-        <a:font script="Knda" typeface="Tunga"/>
-        <a:font script="Guru" typeface="Raavi"/>
-        <a:font script="Cans" typeface="Euphemia"/>
-        <a:font script="Cher" typeface="Plantagenet Cherokee"/>
-        <a:font script="Yiii" typeface="Microsoft Yi Baiti"/>
-        <a:font script="Tibt" typeface="Microsoft Himalaya"/>
-        <a:font script="Thaa" typeface="MV Boli"/>
-        <a:font script="Deva" typeface="Mangal"/>
-        <a:font script="Telu" typeface="Gautami"/>
-        <a:font script="Taml" typeface="Latha"/>
-        <a:font script="Syrc" typeface="Estrangelo Edessa"/>
-        <a:font script="Orya" typeface="Kalinga"/>
-        <a:font script="Mlym" typeface="Kartika"/>
-        <a:font script="Laoo" typeface="DokChampa"/>
-        <a:font script="Sinh" typeface="Iskoola Pota"/>
-        <a:font script="Mong" typeface="Mongolian Baiti"/>
-        <a:font script="Viet" typeface="Times New Roman"/>
-        <a:font script="Uigh" typeface="Microsoft Uighur"/>
-        <a:font script="Geor" typeface="Sylfaen"/>
-        <a:font script="Armn" typeface="Arial"/>
-        <a:font script="Bugi" typeface="Leelawadee UI"/>
-        <a:font script="Bopo" typeface="Microsoft JhengHei"/>
-        <a:font script="Java" typeface="Javanese Text"/>
-        <a:font script="Lisu" typeface="Segoe UI"/>
-        <a:font script="Mymr" typeface="Myanmar Text"/>
-        <a:font script="Nkoo" typeface="Ebrima"/>
-        <a:font script="Olck" typeface="Nirmala UI"/>
-        <a:font script="Osma" typeface="Ebrima"/>
-        <a:font script="Phag" typeface="Phagspa"/>
-        <a:font script="Syrn" typeface="Estrangelo Edessa"/>
-        <a:font script="Syrj" typeface="Estrangelo Edessa"/>
-        <a:font script="Syre" typeface="Estrangelo Edessa"/>
-        <a:font script="Sora" typeface="Nirmala UI"/>
-        <a:font script="Tale" typeface="Microsoft Tai Le"/>
-        <a:font script="Talu" typeface="Microsoft New Tai Lue"/>
-        <a:font script="Tfng" typeface="Ebrima"/>
       </a:majorFont>
       <a:minorFont>
-        <a:latin typeface="Calibri" panose="020F0502020204030204"/>
-        <a:ea typeface=""/>
+        <a:latin typeface="Arial" panose="020F0502020204030204"/>
+        <a:ea typeface="STKaiti"/>
         <a:cs typeface=""/>
-        <a:font script="Jpan" typeface="游ゴシック"/>
-        <a:font script="Hang" typeface="맑은 고딕"/>
-        <a:font script="Hans" typeface="等线"/>
-        <a:font script="Hant" typeface="新細明體"/>
-        <a:font script="Arab" typeface="Arial"/>
-        <a:font script="Hebr" typeface="Arial"/>
-        <a:font script="Thai" typeface="Cordia New"/>
-        <a:font script="Ethi" typeface="Nyala"/>
-        <a:font script="Beng" typeface="Vrinda"/>
-        <a:font script="Gujr" typeface="Shruti"/>
-        <a:font script="Khmr" typeface="DaunPenh"/>
-        <a:font script="Knda" typeface="Tunga"/>
-        <a:font script="Guru" typeface="Raavi"/>
-        <a:font script="Cans" typeface="Euphemia"/>
-        <a:font script="Cher" typeface="Plantagenet Cherokee"/>
-        <a:font script="Yiii" typeface="Microsoft Yi Baiti"/>
-        <a:font script="Tibt" typeface="Microsoft Himalaya"/>
-        <a:font script="Thaa" typeface="MV Boli"/>
-        <a:font script="Deva" typeface="Mangal"/>
-        <a:font script="Telu" typeface="Gautami"/>
-        <a:font script="Taml" typeface="Latha"/>
-        <a:font script="Syrc" typeface="Estrangelo Edessa"/>
-        <a:font script="Orya" typeface="Kalinga"/>
-        <a:font script="Mlym" typeface="Kartika"/>
-        <a:font script="Laoo" typeface="DokChampa"/>
-        <a:font script="Sinh" typeface="Iskoola Pota"/>
-        <a:font script="Mong" typeface="Mongolian Baiti"/>
-        <a:font script="Viet" typeface="Arial"/>
-        <a:font script="Uigh" typeface="Microsoft Uighur"/>
-        <a:font script="Geor" typeface="Sylfaen"/>
-        <a:font script="Armn" typeface="Arial"/>
-        <a:font script="Bugi" typeface="Leelawadee UI"/>
-        <a:font script="Bopo" typeface="Microsoft JhengHei"/>
-        <a:font script="Java" typeface="Javanese Text"/>
-        <a:font script="Lisu" typeface="Segoe UI"/>
-        <a:font script="Mymr" typeface="Myanmar Text"/>
-        <a:font script="Nkoo" typeface="Ebrima"/>
-        <a:font script="Olck" typeface="Nirmala UI"/>
-        <a:font script="Osma" typeface="Ebrima"/>
-        <a:font script="Phag" typeface="Phagspa"/>
-        <a:font script="Syrn" typeface="Estrangelo Edessa"/>
-        <a:font script="Syrj" typeface="Estrangelo Edessa"/>
-        <a:font script="Syre" typeface="Estrangelo Edessa"/>
-        <a:font script="Sora" typeface="Nirmala UI"/>
-        <a:font script="Tale" typeface="Microsoft Tai Le"/>
-        <a:font script="Talu" typeface="Microsoft New Tai Lue"/>
-        <a:font script="Tfng" typeface="Ebrima"/>
       </a:minorFont>
     </a:fontScheme>
     <a:fmtScheme name="Office">
